--- a/slides/04技術が貿易を決めるリカードモデルv2.pptx
+++ b/slides/04技術が貿易を決めるリカードモデルv2.pptx
@@ -277,23 +277,23 @@
         <inkml:traceFormat>
           <inkml:channel name="X" type="integer" min="-2.14748E9" max="2.14748E9" units="cm"/>
           <inkml:channel name="Y" type="integer" min="-2.14748E9" max="2.14748E9" units="cm"/>
+          <inkml:channel name="F" type="integer" max="32767" units="dev"/>
         </inkml:traceFormat>
         <inkml:channelProperties>
           <inkml:channelProperty channel="X" name="resolution" value="1000" units="1/cm"/>
           <inkml:channelProperty channel="Y" name="resolution" value="1000" units="1/cm"/>
+          <inkml:channelProperty channel="F" name="resolution" value="0" units="1/dev"/>
         </inkml:channelProperties>
       </inkml:inkSource>
-      <inkml:timestamp xml:id="ts0" timeString="2023-10-24T04:42:21.094"/>
+      <inkml:timestamp xml:id="ts0" timeString="2024-05-20T06:30:31.003"/>
     </inkml:context>
     <inkml:brush xml:id="br0">
       <inkml:brushProperty name="width" value="0.2" units="cm"/>
-      <inkml:brushProperty name="height" value="0.4" units="cm"/>
-      <inkml:brushProperty name="color" value="#FF40FF"/>
-      <inkml:brushProperty name="tip" value="rectangle"/>
-      <inkml:brushProperty name="rasterOp" value="maskPen"/>
+      <inkml:brushProperty name="height" value="0.2" units="cm"/>
+      <inkml:brushProperty name="color" value="#0432FF"/>
     </inkml:brush>
   </inkml:definitions>
-  <inkml:trace contextRef="#ctx0" brushRef="#br0">127 293,'94'0,"-39"0,2 0,11 0,3 0,7 0,2 0,-2 0,0 0,-2 0,-1 0,-4 0,-1 0,-7 1,-1-2,-3 0,-1 0,-3 0,-1-1,44-3,-3 0,-5 2,-7 1,-4 2,-8 0,-5 0,-5 0,-3 0,-1 0,1 0,-3 0,0 0,-2 0,-1 0,0 0,0 0,0 0,0 0,-1 0,-3 0,-2 0,-3 0,-1 0,-3 0,-2 0,2 0,-2 0,2 0,1 0,-5-2,-1-1,-2-1,-2-3,2 1,-3-1,-3 0,-1 1,-4-1,-3 1,-1-2,-3 1,1-2,-1-1,0 0,-3-1,-5 1,-3 0,-2 0,-3-4,-6 0,-16-3,-15 2,-16-1,-13 0,-8 2,-6 1,-6 6,-2 3,-2 1,0 3,5 0,4 0,6 0,0 0,1 0,0 0,3 0,3 0,1 0,0 0,-1 0,-4 2,-4 3,-4 1,-3 2,-1-1,-1-1,-2 1,-5-2,-4-2,48-2,0 0,0-1,-1 0,0 0,1 0,-47 0,7 0,8 0,11 0,8-2,7 0,6 0,3 0,5 2,5 0,4 0,5 0,0 0,1 3,0 5,1 5,4 2,6 0,4-2,5-1,0 5,2 5,-1 6,2 3,1-2,1-4,2-4,0-1,1-1,3 1,8 0,12 0,15 0,17-3,15-2,17-4,10-6,-44-3,0-2,5 0,1-1,-1-1,0-1,0-2,-1 0,-2-2,-1 0,-3 0,-1 0,47-4,-2 3,-2-1,-1 2,4 0,-3 1,2 0,1 0,3 0,-48 2,0 0,2 1,0 0,0 0,0 0,-2 0,-1 0,46 0,-10-2,-7 2,-6 0,-6-1,-7 1,-10 1,-9 0,-7 2,-5 0,0 0,-1 0,4 0,2 0,0 0,0 0,-7 0,-4 0,-9 0,-4 0,2 0,3 0,9 1,-11-1,0 1</inkml:trace>
+  <inkml:trace contextRef="#ctx0" brushRef="#br0">786 0 24575,'-71'22'0,"-14"6"0,-8 9 0,9-1 0,33-10 0,18-8 0,9-4 0,-4 0 0,-9 2 0,-16 7 0,-4 1 0,1 1 0,6-2 0,17-5 0,11-6 0,13-6 0,9-4 0,23 1 0,10 8 0,24 9 0,7 8 0,0 2 0,-7-3 0,-16-7 0,-16-6 0,-11-4 0,-8-4 0,-2-1 0,1 2 0,4-2 0,3 2 0,17 4 0,27 8 0,24 9 0,9 6 0,-14-2 0,-27-7 0,-28-12 0,-10-5 0</inkml:trace>
 </inkml:ink>
 </file>
 
@@ -313,15 +313,127 @@
           <inkml:channelProperty channel="F" name="resolution" value="0" units="1/dev"/>
         </inkml:channelProperties>
       </inkml:inkSource>
-      <inkml:timestamp xml:id="ts0" timeString="2023-10-24T05:25:29.929"/>
+      <inkml:timestamp xml:id="ts0" timeString="2024-05-20T06:30:37.770"/>
     </inkml:context>
     <inkml:brush xml:id="br0">
       <inkml:brushProperty name="width" value="0.2" units="cm"/>
       <inkml:brushProperty name="height" value="0.2" units="cm"/>
-      <inkml:brushProperty name="color" value="#00A0D7"/>
+      <inkml:brushProperty name="color" value="#0432FF"/>
     </inkml:brush>
   </inkml:definitions>
-  <inkml:trace contextRef="#ctx0" brushRef="#br0">420 1 24575,'-41'0'0,"-2"0"0,2 0 0,1 0 0,3 0 0,5 2 0,1 9 0,0 13 0,3 13 0,3 8 0,4 5 0,4 1 0,3-1 0,4-4 0,5-6 0,2-6 0,3-1 0,0 0 0,0 1 0,0-3 0,2 0 0,4-3 0,5-1 0,3-4 0,0-4 0,-2-5 0,-3-4 0,-1-3 0,0-2 0,3 4 0,1 2 0,3-1 0,-1-2 0,-2-3 0,-3-3 0,1-1 0,-6-1 0,3 0 0</inkml:trace>
+  <inkml:trace contextRef="#ctx0" brushRef="#br0">1542 1658 24575,'-66'4'0,"-22"-1"0,34-3 0,-3 0 0,-6 0 0,0 0 0,1 0 0,2 0 0,3 0 0,1-2 0,3-4 0,1-2 0,-2-4 0,-1-4 0,-4-4 0,0-3 0,2-2 0,2-1 0,5 3 0,3 0 0,-20-17 0,27 10 0,19 7 0,6-1 0,-6-8 0,-10-17 0,-13-17 0,-4-7 0,7 3 0,12 8 0,16 4 0,8-2 0,15-4 0,26-7 0,3 31 0,9 1 0,30-8 0,12 2-537,-10 10 1,6-1 0,5 2 536,-11 7 0,3 0 0,2 1 0,1 0 0,6 0 0,2 1 0,0 0 0,-1 1 0,-5 2 0,-1 1 0,-1 1 0,0 0 0,-5 2 0,-1 1 0,-1 1 0,-2 0-375,16-3 1,-3 2 0,0 0 374,-6 4 0,-2 1 0,1 2-146,-3 1 0,0 1 0,-2 2 146,-6 1 0,-2 2 0,0 1 0,30 0 0,-3 1 0,-10-1 0,-4 2 0,-5 0 0,-2 0 0,-7 0 0,-2 0 0,-2 0 0,1 3 0,0 1 0,1 4 737,-1 3 1,0 2-738,-7 2 0,-2 3 0,-9 0 0,-3 3 0,23 24 1189,-20 16-1189,-9 21 253,-21-32 0,-1 2-253,-1 2 0,-1 0 0,-2-3 0,-2-1 0,-1-1 0,-4 1 0,-2 3 0,-5 3 0,-10 11 0,-6 4 0,-7 7 0,-8 2 0,-10 6 0,-7-1 0,10-27 0,-4-1 0,-2-2-135,-2-2 0,-3-1 0,-2-3 135,-5-2 0,-3-2 0,-2-4 0,-5-2 0,-2-4 0,-2-3 0,0-4 0,-1-3 0,-1-3 0,2-3 0,-2-4 0,1-1 0,0-2 0,1-2 0,0-2 0,4-3 0,1-1 0,0 0 0,-32-2 0,1 0 0,3-1 0,0 1 0,4 2 0,0 1 0,-1 1 0,1 1 0,2 0 0,3 0 0,8-1 0,4-1 0,11 0 0,4-4 0,-29-10 0,18-20 0,6-20 0,-5-23 0,33 35 0,1 0 405,-25-30-405,18 11-820,21 20 1,15 16 0,5 9 0</inkml:trace>
+</inkml:ink>
+</file>
+
+<file path=ppt/ink/ink16.xml><?xml version="1.0" encoding="utf-8"?>
+<inkml:ink xmlns:inkml="http://www.w3.org/2003/InkML">
+  <inkml:definitions>
+    <inkml:context xml:id="ctx0">
+      <inkml:inkSource xml:id="inkSrc0">
+        <inkml:traceFormat>
+          <inkml:channel name="X" type="integer" min="-2.14748E9" max="2.14748E9" units="cm"/>
+          <inkml:channel name="Y" type="integer" min="-2.14748E9" max="2.14748E9" units="cm"/>
+          <inkml:channel name="F" type="integer" max="32767" units="dev"/>
+        </inkml:traceFormat>
+        <inkml:channelProperties>
+          <inkml:channelProperty channel="X" name="resolution" value="1000" units="1/cm"/>
+          <inkml:channelProperty channel="Y" name="resolution" value="1000" units="1/cm"/>
+          <inkml:channelProperty channel="F" name="resolution" value="0" units="1/dev"/>
+        </inkml:channelProperties>
+      </inkml:inkSource>
+      <inkml:timestamp xml:id="ts0" timeString="2024-05-20T06:30:40.679"/>
+    </inkml:context>
+    <inkml:brush xml:id="br0">
+      <inkml:brushProperty name="width" value="0.2" units="cm"/>
+      <inkml:brushProperty name="height" value="0.2" units="cm"/>
+      <inkml:brushProperty name="color" value="#0432FF"/>
+    </inkml:brush>
+  </inkml:definitions>
+  <inkml:trace contextRef="#ctx0" brushRef="#br0">350 1 24575,'-40'9'0,"7"3"0,4 5 0,11-1 0,-2-1 0,-11 5 0,-12 5 0,-8 3 0,9-2 0,14-7 0,15-10 0,11-5 0,22 4 0,14 17 0,31 28 0,-26-16 0,0 2 0,2 1 0,-2-1 0,26 28 0,-21-24 0,-21-21 0,-13-13 0,-6-6 0</inkml:trace>
+</inkml:ink>
+</file>
+
+<file path=ppt/ink/ink17.xml><?xml version="1.0" encoding="utf-8"?>
+<inkml:ink xmlns:inkml="http://www.w3.org/2003/InkML">
+  <inkml:definitions>
+    <inkml:context xml:id="ctx0">
+      <inkml:inkSource xml:id="inkSrc0">
+        <inkml:traceFormat>
+          <inkml:channel name="X" type="integer" min="-2.14748E9" max="2.14748E9" units="cm"/>
+          <inkml:channel name="Y" type="integer" min="-2.14748E9" max="2.14748E9" units="cm"/>
+          <inkml:channel name="F" type="integer" max="32767" units="dev"/>
+        </inkml:traceFormat>
+        <inkml:channelProperties>
+          <inkml:channelProperty channel="X" name="resolution" value="1000" units="1/cm"/>
+          <inkml:channelProperty channel="Y" name="resolution" value="1000" units="1/cm"/>
+          <inkml:channelProperty channel="F" name="resolution" value="0" units="1/dev"/>
+        </inkml:channelProperties>
+      </inkml:inkSource>
+      <inkml:timestamp xml:id="ts0" timeString="2024-05-20T06:34:18.517"/>
+    </inkml:context>
+    <inkml:brush xml:id="br0">
+      <inkml:brushProperty name="width" value="0.2" units="cm"/>
+      <inkml:brushProperty name="height" value="0.2" units="cm"/>
+      <inkml:brushProperty name="color" value="#0432FF"/>
+    </inkml:brush>
+  </inkml:definitions>
+  <inkml:trace contextRef="#ctx0" brushRef="#br0">3325 0 24575,'-84'0'0,"23"8"0,-6 7 0,3 4 0,-4 5 0,-2 3-1002,-12 9 0,-1 5 0,-2 6 1002,15-5 0,-2 5 0,1 3 0,0 1-515,-3 6 1,0 2-1,1 2 1,0 2 514,14-8 0,-1 2 0,1 2 0,1 0 0,0 2 0,-2 3 0,1 2 0,-1 0 0,2 2 0,1-1 0,0 1 0,1 1 0,1 0 0,1 0 0,1 0 0,2-2 0,0 0 0,1 0 0,2 0 0,0-1 0,-6 11 0,2-2 0,1 0 0,1 0 0,6-6 0,0 0 0,3-1 0,1 1 324,-9 18 1,4 0-1,2 0-324,3-1 0,3 0 0,1-1 0,4-4 0,1 0 0,3 1-264,1 3 0,3 0 0,1 0 264,2-2 0,2 1 0,1 0 0,2 1 0,0 0 0,2 2 0,1 6 0,0 1 0,3 1 0,1 0 0,1 1 0,2 1 9,2-20 1,0 1 0,1 1-1,1 1-9,0 1 0,1 2 0,0 0 0,1-1 0,0 3 0,0 0 0,0-1 0,0 1 0,0-2 0,-1 0 0,1 0 0,1-2 0,0-3 0,0-1 0,0-1 0,1 0 0,2 18 0,0 0 0,2-3 0,1-9 0,0-2 0,2-3 697,1-6 1,2-2 0,1-3-698,4 20 0,2-7 87,-2-18 0,2-5-87,13 22 909,-2-28-909,9-9 1504,25 8-1504,-20-18 0,3 0 82,9 4 1,1 0-83,3 1 0,-2-1 0,-6-6 0,-3-3 0,26 15 0,-19-12 0,-2-7 0,19 8 0,-23-9 0,2 1 0,5 2 0,1 1 0,-4-1 0,-2-1 0,25 12 0,-30-16 0,-26-10 0,-9-6 0,-4-2 0,4-1 0,17 2 0,19 4 0,8 0 0,-1 1 0,-15-2 0,-15-1 0,-8 0 0,-3-1 0,6 6 0,8 1 0,5 2 0,2-2 0,-4-3 0,-4-3 0,-10-4 0,-8 0 0,-6-3 0</inkml:trace>
+</inkml:ink>
+</file>
+
+<file path=ppt/ink/ink18.xml><?xml version="1.0" encoding="utf-8"?>
+<inkml:ink xmlns:inkml="http://www.w3.org/2003/InkML">
+  <inkml:definitions>
+    <inkml:context xml:id="ctx0">
+      <inkml:inkSource xml:id="inkSrc0">
+        <inkml:traceFormat>
+          <inkml:channel name="X" type="integer" min="-2.14748E9" max="2.14748E9" units="cm"/>
+          <inkml:channel name="Y" type="integer" min="-2.14748E9" max="2.14748E9" units="cm"/>
+          <inkml:channel name="F" type="integer" max="32767" units="dev"/>
+        </inkml:traceFormat>
+        <inkml:channelProperties>
+          <inkml:channelProperty channel="X" name="resolution" value="1000" units="1/cm"/>
+          <inkml:channelProperty channel="Y" name="resolution" value="1000" units="1/cm"/>
+          <inkml:channelProperty channel="F" name="resolution" value="0" units="1/dev"/>
+        </inkml:channelProperties>
+      </inkml:inkSource>
+      <inkml:timestamp xml:id="ts0" timeString="2024-05-20T06:34:19.633"/>
+    </inkml:context>
+    <inkml:brush xml:id="br0">
+      <inkml:brushProperty name="width" value="0.2" units="cm"/>
+      <inkml:brushProperty name="height" value="0.2" units="cm"/>
+      <inkml:brushProperty name="color" value="#0432FF"/>
+    </inkml:brush>
+  </inkml:definitions>
+  <inkml:trace contextRef="#ctx0" brushRef="#br0">258 0 24575,'22'46'0,"-1"0"0,6 1 0,3 2 0,6 7 0,0-1 0,-2-6 0,-2-3 0,8 14 0,-18-21 0,-13-20 0,-6-10 0,-3-2 0,0-1 0,-2 6 0,-3 11 0,-2 9 0,-2 5 0,1-3 0,0-11 0,1-11 0,-1-6 0,-1-5 0,-4 1 0,-15 2 0,-31 7 0,-26 4 0,36-6 0,-1-1 0,-40 7 0,28-7 0,25-3 0,18-3 0,9-2 0,7 0 0,1 0 0</inkml:trace>
+</inkml:ink>
+</file>
+
+<file path=ppt/ink/ink19.xml><?xml version="1.0" encoding="utf-8"?>
+<inkml:ink xmlns:inkml="http://www.w3.org/2003/InkML">
+  <inkml:definitions>
+    <inkml:context xml:id="ctx0">
+      <inkml:inkSource xml:id="inkSrc0">
+        <inkml:traceFormat>
+          <inkml:channel name="X" type="integer" min="-2.14748E9" max="2.14748E9" units="cm"/>
+          <inkml:channel name="Y" type="integer" min="-2.14748E9" max="2.14748E9" units="cm"/>
+          <inkml:channel name="F" type="integer" max="32767" units="dev"/>
+        </inkml:traceFormat>
+        <inkml:channelProperties>
+          <inkml:channelProperty channel="X" name="resolution" value="1000" units="1/cm"/>
+          <inkml:channelProperty channel="Y" name="resolution" value="1000" units="1/cm"/>
+          <inkml:channelProperty channel="F" name="resolution" value="0" units="1/dev"/>
+        </inkml:channelProperties>
+      </inkml:inkSource>
+      <inkml:timestamp xml:id="ts0" timeString="2024-05-20T06:34:21.518"/>
+    </inkml:context>
+    <inkml:brush xml:id="br0">
+      <inkml:brushProperty name="width" value="0.2" units="cm"/>
+      <inkml:brushProperty name="height" value="0.2" units="cm"/>
+      <inkml:brushProperty name="color" value="#0432FF"/>
+    </inkml:brush>
+  </inkml:definitions>
+  <inkml:trace contextRef="#ctx0" brushRef="#br0">188 1 24575,'25'67'0,"0"1"0,-1-9 0,2 5 0,1 3 0,6 19 0,2 6 0,0 3-820,-8-15 1,0 3 0,-2 3 0,-1 0 619,0 6 1,-3 2 0,-1 1 0,-1 1 199,-6-16 0,-1 1 0,-2 0 0,0 1 0,-1 0 0,-1 1 0,-1 0 0,-1 1 0,-1-1 0,0 0 0,1 15 0,-2-1 0,-1 0 0,0-1 0,0-4 0,-1 0 0,-1-1 0,0-1 0,-1-6 0,0 0 0,-2-2 0,0-2 28,-2 19 1,-1-2 0,-2-1-29,-1-3 0,-2-1 0,-1-2 0,-2-10 0,-1-3 0,-1-3 0,-6 22 0,0-5 458,0-8 1,1-4-459,1-13 0,0-2 0,-1-2 0,0 1 0,-2 8 0,0 2 1021,1 1 0,1 0-1021,1-3 0,2 0 514,3-7 1,0-2-515,3-8 0,0-1 0,1-1 0,1 1 0,0 2 0,1 0 0,-1 3 0,1 1 0,1 0 0,1 0 0,-1-1 0,0 0 0,0-1 0,0-1 0,0 0 0,0 0 0,0 1 0,-1 0 0,2 0 0,-1 1 0,0 0 0,0-1 0,0-2 0,-2-1 0,0 0 0,-2 1 0,0 0 0,0 0 0,-1 0 0,1 0 0,1 0 0,1 0 0,2-4 0,0-1 0,-3 38 0,3-15 0,2-21 0,2-19-820,3-19 1,0-8 0,0-7 0</inkml:trace>
 </inkml:ink>
 </file>
 
@@ -353,6 +465,286 @@
 </inkml:ink>
 </file>
 
+<file path=ppt/ink/ink20.xml><?xml version="1.0" encoding="utf-8"?>
+<inkml:ink xmlns:inkml="http://www.w3.org/2003/InkML">
+  <inkml:definitions>
+    <inkml:context xml:id="ctx0">
+      <inkml:inkSource xml:id="inkSrc0">
+        <inkml:traceFormat>
+          <inkml:channel name="X" type="integer" min="-2.14748E9" max="2.14748E9" units="cm"/>
+          <inkml:channel name="Y" type="integer" min="-2.14748E9" max="2.14748E9" units="cm"/>
+          <inkml:channel name="F" type="integer" max="32767" units="dev"/>
+        </inkml:traceFormat>
+        <inkml:channelProperties>
+          <inkml:channelProperty channel="X" name="resolution" value="1000" units="1/cm"/>
+          <inkml:channelProperty channel="Y" name="resolution" value="1000" units="1/cm"/>
+          <inkml:channelProperty channel="F" name="resolution" value="0" units="1/dev"/>
+        </inkml:channelProperties>
+      </inkml:inkSource>
+      <inkml:timestamp xml:id="ts0" timeString="2024-05-20T06:34:22.717"/>
+    </inkml:context>
+    <inkml:brush xml:id="br0">
+      <inkml:brushProperty name="width" value="0.2" units="cm"/>
+      <inkml:brushProperty name="height" value="0.2" units="cm"/>
+      <inkml:brushProperty name="color" value="#0432FF"/>
+    </inkml:brush>
+  </inkml:definitions>
+  <inkml:trace contextRef="#ctx0" brushRef="#br0">9 0 24575,'-5'50'0,"2"20"0,3 20 0,0 1 0,0-26 0,0-24 0,7-12 0,11 4 0,8 7 0,5 1 0,-7-12 0,-10-14 0,-7-9 0,-2-5 0,-2-1 0,7 0 0,1 4 0,6 1 0,-4-1 0,-3-1 0,-2-3 0,13-12 0,40-35 0,-15 10 0,6-4 0,10-10 0,3-1 0,-1 1 0,-3 3 0,-14 11 0,-4 4 0,16-10 0,-30 22 0,-15 12 0,-11 5 0,-1 1 0</inkml:trace>
+</inkml:ink>
+</file>
+
+<file path=ppt/ink/ink21.xml><?xml version="1.0" encoding="utf-8"?>
+<inkml:ink xmlns:inkml="http://www.w3.org/2003/InkML">
+  <inkml:definitions>
+    <inkml:context xml:id="ctx0">
+      <inkml:inkSource xml:id="inkSrc0">
+        <inkml:traceFormat>
+          <inkml:channel name="X" type="integer" min="-2.14748E9" max="2.14748E9" units="cm"/>
+          <inkml:channel name="Y" type="integer" min="-2.14748E9" max="2.14748E9" units="cm"/>
+        </inkml:traceFormat>
+        <inkml:channelProperties>
+          <inkml:channelProperty channel="X" name="resolution" value="1000" units="1/cm"/>
+          <inkml:channelProperty channel="Y" name="resolution" value="1000" units="1/cm"/>
+        </inkml:channelProperties>
+      </inkml:inkSource>
+      <inkml:timestamp xml:id="ts0" timeString="2024-05-20T06:34:57.436"/>
+    </inkml:context>
+    <inkml:brush xml:id="br0">
+      <inkml:brushProperty name="width" value="0.2" units="cm"/>
+      <inkml:brushProperty name="height" value="0.4" units="cm"/>
+      <inkml:brushProperty name="color" value="#FFACD5"/>
+      <inkml:brushProperty name="tip" value="rectangle"/>
+      <inkml:brushProperty name="rasterOp" value="maskPen"/>
+    </inkml:brush>
+  </inkml:definitions>
+  <inkml:trace contextRef="#ctx0" brushRef="#br0">1965 2323,'-77'0,"1"0,-6 0,-2 0,-6 0,-1 0,0 0,1 0,7 0,1-2,5-3,1-5,1-4,1-6,1-5,1-5,2-3,1-3,6 1,4 0,11 3,3 1,-21-19,23 10,18 6,7-5,-3-16,-10-23,12 29,0-2,0-6,2-4,2-5,3-3,4-3,4-1,4-1,5-1,5 4,7 2,7 4,8 3,8 5,8 3,8 3,6 2,9 1,5 2,7 1,2 3,5 0,1 3,-28 13,0 0,1 2,30-9,1 1,-2 4,1 1,-1 4,-1 1,-3 4,-1 2,-3 3,-1 1,-3 3,1 2,2 1,1 3,5 0,2 1,-24 1,0 0,1 1,2 0,0 0,0 0,-1 0,0 0,-1 0,0 0,0 0,-1 0,31 0,-2 0,-5 0,-2 1,-12 2,-5 1,-15 0,-5 2,24 11,-8 15,15 21,-32-15,2 5,10 10,2 3,2 7,-1 3,-1 1,-3 2,-3 1,-2 0,-8-1,-3-1,-6-6,-4-2,-8-9,-3-3,10 26,-20-18,-9 5,-14 19,-4-29,-4 2,-7 8,-7 0,-13 6,-6 0,-5-1,-6-3,-7-1,-5-4,-5-3,-4-5,-2-5,-3-5,-5-2,-1-4,3-5,1-4,6-5,3-2,10-4,2-2,5-4,1-2,3-1,-1-1,-6 0,-1-1,-12-1,-1-1,-1 1,1-1,1-1,2 0,7 0,2-1,3-4,0-2,-11-7,-3-3,-10-5,-4-2,22 4,-2-1,0-1,-3 0,1-1,0 0,7 1,0 0,4 0,-18-8,7 2,22 7,6 2,-5-3,31 15,10 6</inkml:trace>
+</inkml:ink>
+</file>
+
+<file path=ppt/ink/ink22.xml><?xml version="1.0" encoding="utf-8"?>
+<inkml:ink xmlns:inkml="http://www.w3.org/2003/InkML">
+  <inkml:definitions>
+    <inkml:context xml:id="ctx0">
+      <inkml:inkSource xml:id="inkSrc0">
+        <inkml:traceFormat>
+          <inkml:channel name="X" type="integer" min="-2.14748E9" max="2.14748E9" units="cm"/>
+          <inkml:channel name="Y" type="integer" min="-2.14748E9" max="2.14748E9" units="cm"/>
+        </inkml:traceFormat>
+        <inkml:channelProperties>
+          <inkml:channelProperty channel="X" name="resolution" value="1000" units="1/cm"/>
+          <inkml:channelProperty channel="Y" name="resolution" value="1000" units="1/cm"/>
+        </inkml:channelProperties>
+      </inkml:inkSource>
+      <inkml:timestamp xml:id="ts0" timeString="2024-05-20T06:40:41.912"/>
+    </inkml:context>
+    <inkml:brush xml:id="br0">
+      <inkml:brushProperty name="width" value="0.2" units="cm"/>
+      <inkml:brushProperty name="height" value="0.4" units="cm"/>
+      <inkml:brushProperty name="color" value="#FFACD5"/>
+      <inkml:brushProperty name="tip" value="rectangle"/>
+      <inkml:brushProperty name="rasterOp" value="maskPen"/>
+    </inkml:brush>
+  </inkml:definitions>
+  <inkml:trace contextRef="#ctx0" brushRef="#br0">0 4,'91'-3,"-35"4,4 2,12 4,2 2,-3 1,-2 2,-12-1,-5 0,15 5,-32-7,-11-4,12-1,35 1,-17-2,3-1,8 1,0 0,-4 1,-3-1,23 2,-36 1,-24-2,-14 1,-4-1</inkml:trace>
+</inkml:ink>
+</file>
+
+<file path=ppt/ink/ink23.xml><?xml version="1.0" encoding="utf-8"?>
+<inkml:ink xmlns:inkml="http://www.w3.org/2003/InkML">
+  <inkml:definitions>
+    <inkml:context xml:id="ctx0">
+      <inkml:inkSource xml:id="inkSrc0">
+        <inkml:traceFormat>
+          <inkml:channel name="X" type="integer" min="-2.14748E9" max="2.14748E9" units="cm"/>
+          <inkml:channel name="Y" type="integer" min="-2.14748E9" max="2.14748E9" units="cm"/>
+        </inkml:traceFormat>
+        <inkml:channelProperties>
+          <inkml:channelProperty channel="X" name="resolution" value="1000" units="1/cm"/>
+          <inkml:channelProperty channel="Y" name="resolution" value="1000" units="1/cm"/>
+        </inkml:channelProperties>
+      </inkml:inkSource>
+      <inkml:timestamp xml:id="ts0" timeString="2024-05-20T06:40:45.226"/>
+    </inkml:context>
+    <inkml:brush xml:id="br0">
+      <inkml:brushProperty name="width" value="0.2" units="cm"/>
+      <inkml:brushProperty name="height" value="0.4" units="cm"/>
+      <inkml:brushProperty name="color" value="#FFACD5"/>
+      <inkml:brushProperty name="tip" value="rectangle"/>
+      <inkml:brushProperty name="rasterOp" value="maskPen"/>
+    </inkml:brush>
+  </inkml:definitions>
+  <inkml:trace contextRef="#ctx0" brushRef="#br0">1 0,'68'0,"0"0,4 0,2 0,17 0,2 0,-4 0,-2 0,-13 0,-4 0,-13 0,-6 0,10 0,-30 0,-18 0,-5 0,11 0,35 0,-6 0,6 0,16 0,3 0,5 0,-1 0,-13 0,-4 0,23 0,-43 2,-26 1,-10 0,-4 0</inkml:trace>
+</inkml:ink>
+</file>
+
+<file path=ppt/ink/ink24.xml><?xml version="1.0" encoding="utf-8"?>
+<inkml:ink xmlns:inkml="http://www.w3.org/2003/InkML">
+  <inkml:definitions>
+    <inkml:context xml:id="ctx0">
+      <inkml:inkSource xml:id="inkSrc0">
+        <inkml:traceFormat>
+          <inkml:channel name="X" type="integer" min="-2.14748E9" max="2.14748E9" units="cm"/>
+          <inkml:channel name="Y" type="integer" min="-2.14748E9" max="2.14748E9" units="cm"/>
+          <inkml:channel name="F" type="integer" max="32767" units="dev"/>
+        </inkml:traceFormat>
+        <inkml:channelProperties>
+          <inkml:channelProperty channel="X" name="resolution" value="1000" units="1/cm"/>
+          <inkml:channelProperty channel="Y" name="resolution" value="1000" units="1/cm"/>
+          <inkml:channelProperty channel="F" name="resolution" value="0" units="1/dev"/>
+        </inkml:channelProperties>
+      </inkml:inkSource>
+      <inkml:timestamp xml:id="ts0" timeString="2024-05-20T06:41:48.827"/>
+    </inkml:context>
+    <inkml:brush xml:id="br0">
+      <inkml:brushProperty name="width" value="0.2" units="cm"/>
+      <inkml:brushProperty name="height" value="0.2" units="cm"/>
+      <inkml:brushProperty name="color" value="#0432FF"/>
+    </inkml:brush>
+  </inkml:definitions>
+  <inkml:trace contextRef="#ctx0" brushRef="#br0">806 1155 24575,'-56'0'0,"-31"0"0,29 0 0,-4-1 0,-5-1 0,0-3 0,9-1 0,4-3 0,-26-20 0,32-20 0,13-23 0,18 26 0,0-2 0,-1-4 0,0 0 0,2 4 0,1 1 0,-7-28 0,11 14 0,23-10 0,27-14 0,-5 35 0,5 2 0,8-2 0,5 3 0,2 6 0,2 5 0,1 3 0,2 6 0,8 6 0,4 5 0,12 4 0,5 5 0,8 3 0,2 1 0,-26 2 0,0 0 0,1 3 0,-3 1 0,0 3 0,-2 2 0,27 9 0,-4 5 0,-8 5 0,-5 5 0,-15 2 0,-6 3 0,-12-5 0,-5 0 0,17 21 0,-20-12 0,-16-9 0,-9-7 0,-8 5 0,-3 15 0,-1 20 0,-3 9 0,-5-6 0,-2-19 0,-3-18 0,-17-9 0,-23 2 0,8-9 0,-5 1 0,-13 3 0,-2-1 0,0 2 0,1-2 0,6-3 0,1-2 0,-39 3 0,3-11 0,35-4 0,-4-2 0,-13 1 0,-4 0 0,-7 0 0,-1 0 0,0 0 0,3 0 0,15 0 0,5 0-820,-21 0 1,48 0 0,26 0 0</inkml:trace>
+</inkml:ink>
+</file>
+
+<file path=ppt/ink/ink25.xml><?xml version="1.0" encoding="utf-8"?>
+<inkml:ink xmlns:inkml="http://www.w3.org/2003/InkML">
+  <inkml:definitions>
+    <inkml:context xml:id="ctx0">
+      <inkml:inkSource xml:id="inkSrc0">
+        <inkml:traceFormat>
+          <inkml:channel name="X" type="integer" min="-2.14748E9" max="2.14748E9" units="cm"/>
+          <inkml:channel name="Y" type="integer" min="-2.14748E9" max="2.14748E9" units="cm"/>
+          <inkml:channel name="F" type="integer" max="32767" units="dev"/>
+        </inkml:traceFormat>
+        <inkml:channelProperties>
+          <inkml:channelProperty channel="X" name="resolution" value="1000" units="1/cm"/>
+          <inkml:channelProperty channel="Y" name="resolution" value="1000" units="1/cm"/>
+          <inkml:channelProperty channel="F" name="resolution" value="0" units="1/dev"/>
+        </inkml:channelProperties>
+      </inkml:inkSource>
+      <inkml:timestamp xml:id="ts0" timeString="2024-05-20T06:41:50.174"/>
+    </inkml:context>
+    <inkml:brush xml:id="br0">
+      <inkml:brushProperty name="width" value="0.2" units="cm"/>
+      <inkml:brushProperty name="height" value="0.2" units="cm"/>
+      <inkml:brushProperty name="color" value="#0432FF"/>
+    </inkml:brush>
+  </inkml:definitions>
+  <inkml:trace contextRef="#ctx0" brushRef="#br0">0 1 24575,'18'51'0,"1"1"0,8 14 0,4 4 0,8 15 0,2 2 0,-11-27 0,-1 2 0,-1-1 0,10 26 0,-3 1 0,-1 2 0,-2 1 0,-1 1 0,-1 1 0,-1 2 0,-2 0 0,-3-9 0,-2-1 0,-2-4 0,-2 0 0,-3-2 0,-2-1 0,-4-4 0,0-1 0,-2 3 0,-1 1 0,-2-5 0,-1-1 0,-1-9 0,0-2 0,0-8 0,-1-1 0,-1 36 0,-1 2 0,-1-37 0,-1 1 0,-1 6 0,-1 1 0,-1 0 0,-1 0 0,1-5 0,1 0 0,0-2 0,2 0 0,1 1 0,1 1 0,1 2 0,0 2 0,-1-1 0,2-2 0,-1 41 0,-1-29 0,-1-20 0,-3-2 0,-3 7 0,0 4 0,0-4 0,3-15 0,2-14 0,3-12 0,0-6 0</inkml:trace>
+</inkml:ink>
+</file>
+
+<file path=ppt/ink/ink26.xml><?xml version="1.0" encoding="utf-8"?>
+<inkml:ink xmlns:inkml="http://www.w3.org/2003/InkML">
+  <inkml:definitions>
+    <inkml:context xml:id="ctx0">
+      <inkml:inkSource xml:id="inkSrc0">
+        <inkml:traceFormat>
+          <inkml:channel name="X" type="integer" min="-2.14748E9" max="2.14748E9" units="cm"/>
+          <inkml:channel name="Y" type="integer" min="-2.14748E9" max="2.14748E9" units="cm"/>
+          <inkml:channel name="F" type="integer" max="32767" units="dev"/>
+        </inkml:traceFormat>
+        <inkml:channelProperties>
+          <inkml:channelProperty channel="X" name="resolution" value="1000" units="1/cm"/>
+          <inkml:channelProperty channel="Y" name="resolution" value="1000" units="1/cm"/>
+          <inkml:channelProperty channel="F" name="resolution" value="0" units="1/dev"/>
+        </inkml:channelProperties>
+      </inkml:inkSource>
+      <inkml:timestamp xml:id="ts0" timeString="2024-05-20T06:41:51.341"/>
+    </inkml:context>
+    <inkml:brush xml:id="br0">
+      <inkml:brushProperty name="width" value="0.2" units="cm"/>
+      <inkml:brushProperty name="height" value="0.2" units="cm"/>
+      <inkml:brushProperty name="color" value="#0432FF"/>
+    </inkml:brush>
+  </inkml:definitions>
+  <inkml:trace contextRef="#ctx0" brushRef="#br0">1 1 24575,'0'53'0,"0"-12"0,0-10 0,0-3 0,0 15 0,8 18 0,8 11 0,5-7 0,2-15 0,-7-20 0,-8-14 0,-2-8 0,-4-4 0,0 1 0,4 6 0,5 9 0,3 5 0,2 0 0,-5-5 0,-3-10 0,-3-4 0,-2-5 0,2-11 0,12-9 0,21-18 0,4 11 0,7 1 0,12-6 0,4 1 0,2 1 0,1 2 0,-7 3 0,-5 2 0,10-5 0,-29 15 0,-24 8 0,-9 4 0</inkml:trace>
+</inkml:ink>
+</file>
+
+<file path=ppt/ink/ink27.xml><?xml version="1.0" encoding="utf-8"?>
+<inkml:ink xmlns:inkml="http://www.w3.org/2003/InkML">
+  <inkml:definitions>
+    <inkml:context xml:id="ctx0">
+      <inkml:inkSource xml:id="inkSrc0">
+        <inkml:traceFormat>
+          <inkml:channel name="X" type="integer" min="-2.14748E9" max="2.14748E9" units="cm"/>
+          <inkml:channel name="Y" type="integer" min="-2.14748E9" max="2.14748E9" units="cm"/>
+          <inkml:channel name="F" type="integer" max="32767" units="dev"/>
+        </inkml:traceFormat>
+        <inkml:channelProperties>
+          <inkml:channelProperty channel="X" name="resolution" value="1000" units="1/cm"/>
+          <inkml:channelProperty channel="Y" name="resolution" value="1000" units="1/cm"/>
+          <inkml:channelProperty channel="F" name="resolution" value="0" units="1/dev"/>
+        </inkml:channelProperties>
+      </inkml:inkSource>
+      <inkml:timestamp xml:id="ts0" timeString="2024-05-20T06:42:00.275"/>
+    </inkml:context>
+    <inkml:brush xml:id="br0">
+      <inkml:brushProperty name="width" value="0.05" units="cm"/>
+      <inkml:brushProperty name="height" value="0.05" units="cm"/>
+      <inkml:brushProperty name="color" value="#0432FF"/>
+    </inkml:brush>
+  </inkml:definitions>
+  <inkml:trace contextRef="#ctx0" brushRef="#br0">859 853 24575,'-30'0'0,"-13"-1"0,-13-3 0,2-5 0,13-8 0,2-15 0,-24-36 0,17 20 0,-4-3 0,-12-9 0,-2-2 0,0 1 0,3 3 0,12 11 0,4 5 0,-14-20 0,36 27 0,15 15 0,7 9 0,1 2 0,5-2 0,13-7 0,22-10 0,15-4 0,9 2 0,9 8 0,-4 12 0,11 5 0,3 5 0,7 0 0,9 5 0,-1 5 0,-4 7 0,-24 5 0,-18-2 0,-13 0 0,6 0 0,19 3 0,18 3 0,2 1 0,-15-2 0,-22-3 0,-15 1 0,4 15 0,12 19 0,7 12 0,-3-1 0,-16-15 0,-19-15 0,-11 0 0,-5 4 0,-5 3 0,-5-3 0,-12-8 0,-18-3 0,-30 4 0,24-15 0,-3 1 0,0-1 0,0 0 0,-38 14 0,25-14 0,10-10 0,-13-8 0,-23-4 0,33 0 0,-4-2 0,-3-2 0,1 0 0,5-2 0,2 0 0,-27-5 0,39 5 0,24 6 0</inkml:trace>
+</inkml:ink>
+</file>
+
+<file path=ppt/ink/ink28.xml><?xml version="1.0" encoding="utf-8"?>
+<inkml:ink xmlns:inkml="http://www.w3.org/2003/InkML">
+  <inkml:definitions>
+    <inkml:context xml:id="ctx0">
+      <inkml:inkSource xml:id="inkSrc0">
+        <inkml:traceFormat>
+          <inkml:channel name="X" type="integer" min="-2.14748E9" max="2.14748E9" units="cm"/>
+          <inkml:channel name="Y" type="integer" min="-2.14748E9" max="2.14748E9" units="cm"/>
+          <inkml:channel name="F" type="integer" max="32767" units="dev"/>
+        </inkml:traceFormat>
+        <inkml:channelProperties>
+          <inkml:channelProperty channel="X" name="resolution" value="1000" units="1/cm"/>
+          <inkml:channelProperty channel="Y" name="resolution" value="1000" units="1/cm"/>
+          <inkml:channelProperty channel="F" name="resolution" value="0" units="1/dev"/>
+        </inkml:channelProperties>
+      </inkml:inkSource>
+      <inkml:timestamp xml:id="ts0" timeString="2024-05-20T06:42:02.174"/>
+    </inkml:context>
+    <inkml:brush xml:id="br0">
+      <inkml:brushProperty name="width" value="0.05" units="cm"/>
+      <inkml:brushProperty name="height" value="0.05" units="cm"/>
+      <inkml:brushProperty name="color" value="#0432FF"/>
+    </inkml:brush>
+  </inkml:definitions>
+  <inkml:trace contextRef="#ctx0" brushRef="#br0">1651 1 24575,'-19'8'0,"-32"26"0,3 4 0,-5 7 0,6-3 0,-2 5 0,-1 2-397,-6 12 0,-2 3 1,3 4 396,1 4 0,1 3 0,3 0-430,3 1 1,1 0-1,3 2 430,2 4 0,2 2 0,1 2 0,8-17 0,2 1 0,-1 1 0,0 2-334,-2 7 0,-1 1 1,1 2-1,-1 1 334,-1 7 0,0 2 0,0 2 0,1-1 0,5-16 0,1 1 0,0 0 0,0 1 0,2 0-439,1 1 0,0 0 0,2 1 0,0 1 0,2-1 439,1 1 0,2 0 0,0 0 0,2 1 0,1-1 0,2-1 0,1 1 0,2-1 0,0 0 0,1-1-251,1 19 1,1-1 0,1-1-1,1-1 251,1-7 0,0 0 0,1-1 0,0-1 0,1-6 0,1 0 0,0-2 0,2 0 4,2 21 1,2-1-1,3-2-4,3 0 0,3-1 0,2 0 0,-1-24 0,1 0 0,1 1 0,1-2 0,1 1 0,2 0 0,0 0 0,0-1 0,7 21 0,1-1 0,-1 0 0,0-2 0,0 0 0,0-1 0,-2-3 0,1-1 0,-1-1 0,0-3 0,-1-1 0,1-2 448,-2-3 0,1-2 0,0-2-448,10 21 0,1-4 0,-2-8 0,0-2 0,-2-7 0,-1-3 1124,0-3 0,0-1-1124,1 1 0,1 0 914,3-4 0,1 1-914,3 1 0,0 0 643,1 0 0,1-1-643,-1-1 0,0 0 0,-4-1 0,-1 0 146,0 0 0,-1 0-146,-2 2 0,-2 1 0,-1 1 0,-2 1 0,-1 4 0,-1 1 0,0 4 0,-1 1 0,3 9 0,-1 2 0,2 3 0,0 0 0,1 1 0,1 1 0,-2-3 0,0-1 0,-1-9 0,-1-3 0,-2-2 0,0-3 0,-3-7 0,1-3 0,-3-4 0,0-3 0,-1-3 0,-1-3 0,15 33 0,-6-14 0,-6-23 0,-6-13 0,-1-8 0,3-1 0,9 9 0,9 8 0,4 5 0,-2-2 0,-9-8 0,-7-7 0,-1 1 0,1 5 0,4 6 0,1 0 0,-5-7 0,-7-11 0,-6-8 0,-6-8 0,-2-3 0</inkml:trace>
+</inkml:ink>
+</file>
+
+<file path=ppt/ink/ink29.xml><?xml version="1.0" encoding="utf-8"?>
+<inkml:ink xmlns:inkml="http://www.w3.org/2003/InkML">
+  <inkml:definitions>
+    <inkml:context xml:id="ctx0">
+      <inkml:inkSource xml:id="inkSrc0">
+        <inkml:traceFormat>
+          <inkml:channel name="X" type="integer" min="-2.14748E9" max="2.14748E9" units="cm"/>
+          <inkml:channel name="Y" type="integer" min="-2.14748E9" max="2.14748E9" units="cm"/>
+          <inkml:channel name="F" type="integer" max="32767" units="dev"/>
+        </inkml:traceFormat>
+        <inkml:channelProperties>
+          <inkml:channelProperty channel="X" name="resolution" value="1000" units="1/cm"/>
+          <inkml:channelProperty channel="Y" name="resolution" value="1000" units="1/cm"/>
+          <inkml:channelProperty channel="F" name="resolution" value="0" units="1/dev"/>
+        </inkml:channelProperties>
+      </inkml:inkSource>
+      <inkml:timestamp xml:id="ts0" timeString="2024-05-20T06:42:04.342"/>
+    </inkml:context>
+    <inkml:brush xml:id="br0">
+      <inkml:brushProperty name="width" value="0.05" units="cm"/>
+      <inkml:brushProperty name="height" value="0.05" units="cm"/>
+      <inkml:brushProperty name="color" value="#0432FF"/>
+    </inkml:brush>
+  </inkml:definitions>
+  <inkml:trace contextRef="#ctx0" brushRef="#br0">711 1584 24575,'-26'-13'0,"-8"-11"0,-12-14 0,-12-12 0,-6-8 0,-2-5 0,0-2 0,8 6 0,8 2 0,6 5 0,6-2 0,-3-7 0,3-1 0,7 1 0,7 4 0,10 5 0,7-3 0,3-4 0,3-1 0,3-7 0,8 2 0,16-6 0,10-2 0,6 7 0,0 8 0,-6 18 0,5 8 0,9 4 0,8 2 0,-1 2 0,-9 6 0,-15 8 0,-10 5 0,-1 5 0,10 0 0,12 3 0,8 6 0,-4 5 0,-13 3 0,-12-2 0,-5 5 0,6 11 0,12 18 0,9 12 0,-3-2 0,-8-11 0,-8-8 0,-4 0 0,4 9 0,1 8 0,-1-2 0,-5-4 0,-6-5 0,-4-3 0,-6 3 0,-3 0 0,-2-8 0,0 0 0,0 1 0,0 9 0,-4 8 0,-5 0 0,-7-8 0,-7-8 0,-5-6 0,-4-2 0,-5 0 0,1-3 0,0-6 0,2-6 0,-5-7 0,-11-6 0,-19-2 0,-14-2 0,-5 0 0,4-3 0,16-5 0,18-5-1696,21-1 0,17 5 0,9 4 0</inkml:trace>
+</inkml:ink>
+</file>
+
 <file path=ppt/ink/ink3.xml><?xml version="1.0" encoding="utf-8"?>
 <inkml:ink xmlns:inkml="http://www.w3.org/2003/InkML">
   <inkml:definitions>
@@ -378,6 +770,286 @@
     </inkml:brush>
   </inkml:definitions>
   <inkml:trace contextRef="#ctx0" brushRef="#br0">1 1,'65'1,"1"1,2-1,0 0,-11 0,-1-2,5 1,0 0,-1 0,-1 0,-2 0,0 0,-2 0,0 0,-1 0,-1 0,-1 0,-1 0,43 0,-11 4,-10 3,-11 2,-11 1,-12-2,-12-2,-10-2,-4-2</inkml:trace>
+</inkml:ink>
+</file>
+
+<file path=ppt/ink/ink30.xml><?xml version="1.0" encoding="utf-8"?>
+<inkml:ink xmlns:inkml="http://www.w3.org/2003/InkML">
+  <inkml:definitions>
+    <inkml:context xml:id="ctx0">
+      <inkml:inkSource xml:id="inkSrc0">
+        <inkml:traceFormat>
+          <inkml:channel name="X" type="integer" min="-2.14748E9" max="2.14748E9" units="cm"/>
+          <inkml:channel name="Y" type="integer" min="-2.14748E9" max="2.14748E9" units="cm"/>
+        </inkml:traceFormat>
+        <inkml:channelProperties>
+          <inkml:channelProperty channel="X" name="resolution" value="1000" units="1/cm"/>
+          <inkml:channelProperty channel="Y" name="resolution" value="1000" units="1/cm"/>
+        </inkml:channelProperties>
+      </inkml:inkSource>
+      <inkml:timestamp xml:id="ts0" timeString="2024-05-20T06:42:49.940"/>
+    </inkml:context>
+    <inkml:brush xml:id="br0">
+      <inkml:brushProperty name="width" value="0.2" units="cm"/>
+      <inkml:brushProperty name="height" value="0.4" units="cm"/>
+      <inkml:brushProperty name="color" value="#FFACD5"/>
+      <inkml:brushProperty name="tip" value="rectangle"/>
+      <inkml:brushProperty name="rasterOp" value="maskPen"/>
+    </inkml:brush>
+  </inkml:definitions>
+  <inkml:trace contextRef="#ctx0" brushRef="#br0">1617 1,'-72'38,"0"1,-2 4,1 7,22-10,-1 4,0 5,-12 17,-1 5,4-2,16-16,3-2,-1 2,-8 13,-2 3,6-5,2 2,5-6,4-7,3-4,-19 26,14-23,-1-9,-12 8,-14 12,-1 1,12-8,20-16,10-5,1 7,-4 10,-1 3,5-9,9-17,8-17,5-7</inkml:trace>
+</inkml:ink>
+</file>
+
+<file path=ppt/ink/ink31.xml><?xml version="1.0" encoding="utf-8"?>
+<inkml:ink xmlns:inkml="http://www.w3.org/2003/InkML">
+  <inkml:definitions>
+    <inkml:context xml:id="ctx0">
+      <inkml:inkSource xml:id="inkSrc0">
+        <inkml:traceFormat>
+          <inkml:channel name="X" type="integer" min="-2.14748E9" max="2.14748E9" units="cm"/>
+          <inkml:channel name="Y" type="integer" min="-2.14748E9" max="2.14748E9" units="cm"/>
+        </inkml:traceFormat>
+        <inkml:channelProperties>
+          <inkml:channelProperty channel="X" name="resolution" value="1000" units="1/cm"/>
+          <inkml:channelProperty channel="Y" name="resolution" value="1000" units="1/cm"/>
+        </inkml:channelProperties>
+      </inkml:inkSource>
+      <inkml:timestamp xml:id="ts0" timeString="2024-05-20T06:42:51.908"/>
+    </inkml:context>
+    <inkml:brush xml:id="br0">
+      <inkml:brushProperty name="width" value="0.2" units="cm"/>
+      <inkml:brushProperty name="height" value="0.4" units="cm"/>
+      <inkml:brushProperty name="color" value="#FFACD5"/>
+      <inkml:brushProperty name="tip" value="rectangle"/>
+      <inkml:brushProperty name="rasterOp" value="maskPen"/>
+    </inkml:brush>
+  </inkml:definitions>
+  <inkml:trace contextRef="#ctx0" brushRef="#br0">0 0,'0'77,"0"10,0 5,0 5,0-11,0-25,0-21,0-22,0-1,2 17,8 18,6 8,5-8,-4-20,-7-17,-4-9,37-14,8-4,11-4,4-1,9-2,2 0,-6 0,2 0,2-1,0 0,3-1,0 0,0 1,-2-1,13-3,-3 1,-6 0,10-2,-10 2,14-5,-53 15,-22 9,-13 3,-2 1</inkml:trace>
+</inkml:ink>
+</file>
+
+<file path=ppt/ink/ink32.xml><?xml version="1.0" encoding="utf-8"?>
+<inkml:ink xmlns:inkml="http://www.w3.org/2003/InkML">
+  <inkml:definitions>
+    <inkml:context xml:id="ctx0">
+      <inkml:inkSource xml:id="inkSrc0">
+        <inkml:traceFormat>
+          <inkml:channel name="X" type="integer" min="-2.14748E9" max="2.14748E9" units="cm"/>
+          <inkml:channel name="Y" type="integer" min="-2.14748E9" max="2.14748E9" units="cm"/>
+        </inkml:traceFormat>
+        <inkml:channelProperties>
+          <inkml:channelProperty channel="X" name="resolution" value="1000" units="1/cm"/>
+          <inkml:channelProperty channel="Y" name="resolution" value="1000" units="1/cm"/>
+        </inkml:channelProperties>
+      </inkml:inkSource>
+      <inkml:timestamp xml:id="ts0" timeString="2024-05-20T06:42:54.724"/>
+    </inkml:context>
+    <inkml:brush xml:id="br0">
+      <inkml:brushProperty name="width" value="0.2" units="cm"/>
+      <inkml:brushProperty name="height" value="0.4" units="cm"/>
+      <inkml:brushProperty name="color" value="#FFACD5"/>
+      <inkml:brushProperty name="tip" value="rectangle"/>
+      <inkml:brushProperty name="rasterOp" value="maskPen"/>
+    </inkml:brush>
+  </inkml:definitions>
+  <inkml:trace contextRef="#ctx0" brushRef="#br0">755 4536,'-4'-52,"1"1,-4-40,1-14,3 34,1-5,-1-3,1-3,0 3,0-5,0-1,0-2,1 0,-1-6,1-1,0-2,0 1,0 0,1 1,-1 0,1 0,0 1,1 1,1 4,-1 0,1 1,1 1,3 2,3-12,2 1,4 2,4 2,4 5,5 2,3 2,7 2,5 3,6 2,5 3,4 2,7-1,6 3,4 2,3 3,-11 11,3 3,2 1,1 2,1 2,2 1,1 1,1 3,1 1,0 1,-1 3,0 1,1 1,0 2,0 2,-2 3,0 1,0 2,0 1,1 1,17-3,1 3,0 1,1 3,-17 4,0 2,1 1,0 2,2 0,4 0,1 1,1 2,0 0,2 0,6 1,0 1,2 1,1-1,0 2,-11-1,1 1,0 0,1 0,1 0,0 1,4-1,1 0,0 0,1 0,0 0,0 0,1 0,0-1,0 1,0 0,0 0,-1 1,-3-1,1 1,-1 0,-1 1,0 0,0 0,-4 0,-1 1,0 0,0 1,-1 0,-1 0,11 2,-1 1,0 0,-2 1,-1 0,-4 1,-2 1,0 0,-1 1,-1 0,-4 0,-1 1,-1 0,-1 0,-1 1,14 3,-2 1,-1 0,-1 1,-4-1,-2 1,0 0,-2 1,16 4,-2 1,-2 1,-8-2,-2 1,-1 1,-4-1,-2 2,0 0,-3 2,0 1,0 1,-2 0,0 0,0 2,-2 0,0 1,-1 0,-3-1,0-1,-2 0,28 14,0-1,-26-13,1 0,0-2,-1-1,1-1,0-1,-1-1,0-1,-1-1,25 7,-2-2,-12-5,-2-2,-5 0,-1 1,4 3,0 0,3 3,-1 0,-1 1,-2 1,-9-4,-3 1,24 20,-21 4,-5 18,-24-23,0 2,5 6,-1 2,2 1,-2 1,-3-2,-3 0,-2 0,-2 2,-3 6,-4 2,-2 10,-3 4,-2 11,-4 3,-4-27,-1 1,0 0,-1 0,-1-1,-1 1,2-1,-1 1,-2-1,-2 28,-5-2,-4-2,-5-2,-5-3,-6-2,-12 0,-10-2,2-24,-6-2,-6-1,4-11,-4-1,-4-1,-4-1,2-4,-4-1,-3 0,-2-2,-1 1,-10 1,-2 0,-2-1,-1-1,-1 0,14-5,-2-1,0 0,0 0,-1-2,0 1,-1-1,-1-1,0 0,-1-1,1 0,-1-3,0 0,-1-1,0-1,0-2,-1 0,0-2,-3-1,-1-1,0-1,-1-2,0 0,-2-1,10-2,-2-1,0 0,-1-1,-1 0,1-2,-2 0,-3 0,-1-2,0 0,-1 0,0-2,0 1,1-2,-2 0,0-1,0-1,1 0,-1 0,1-2,0 1,3-1,-1 0,1-1,1 0,0-1,0 0,2-1,-10-1,1 0,1-1,1-1,1 1,0-1,8 2,0-1,1 0,0 1,2-1,0 1,-9-1,1 0,0 0,1 0,1 1,3 1,0 0,1 0,1 1,0 1,1 1,2 0,-1 1,1 0,-1 1,1 1,-1-1,0 2,1-1,-1 1,1 1,0 0,0 0,0 0,0 1,-18 0,0 0,0 0,0 0,1 0,1-1,0 1,1-2,5 0,0 0,2-1,1-1,4-1,2 0,0-1,2-2,-21-3,2-2,2-1,9-2,2-1,2-1,4 1,1-1,1-1,6 1,1-1,2 0,3 2,2 0,0 1,-31-6,1 2,2 1,0 3,4 3,1 2,5 1,3 1,10 1,2-1,7 1,1-1,1-1,0-1,-1-1,-1-1,0 0,2 0,7 1,3-1,-17-6,36 8,19 5</inkml:trace>
+</inkml:ink>
+</file>
+
+<file path=ppt/ink/ink33.xml><?xml version="1.0" encoding="utf-8"?>
+<inkml:ink xmlns:inkml="http://www.w3.org/2003/InkML">
+  <inkml:definitions>
+    <inkml:context xml:id="ctx0">
+      <inkml:inkSource xml:id="inkSrc0">
+        <inkml:traceFormat>
+          <inkml:channel name="X" type="integer" min="-2.14748E9" max="2.14748E9" units="cm"/>
+          <inkml:channel name="Y" type="integer" min="-2.14748E9" max="2.14748E9" units="cm"/>
+        </inkml:traceFormat>
+        <inkml:channelProperties>
+          <inkml:channelProperty channel="X" name="resolution" value="1000" units="1/cm"/>
+          <inkml:channelProperty channel="Y" name="resolution" value="1000" units="1/cm"/>
+        </inkml:channelProperties>
+      </inkml:inkSource>
+      <inkml:timestamp xml:id="ts0" timeString="2024-05-20T06:43:19.406"/>
+    </inkml:context>
+    <inkml:brush xml:id="br0">
+      <inkml:brushProperty name="width" value="0.2" units="cm"/>
+      <inkml:brushProperty name="height" value="0.4" units="cm"/>
+      <inkml:brushProperty name="color" value="#FFACD5"/>
+      <inkml:brushProperty name="tip" value="rectangle"/>
+      <inkml:brushProperty name="rasterOp" value="maskPen"/>
+    </inkml:brush>
+  </inkml:definitions>
+  <inkml:trace contextRef="#ctx0" brushRef="#br0">0 0,'0'0</inkml:trace>
+</inkml:ink>
+</file>
+
+<file path=ppt/ink/ink34.xml><?xml version="1.0" encoding="utf-8"?>
+<inkml:ink xmlns:inkml="http://www.w3.org/2003/InkML">
+  <inkml:definitions>
+    <inkml:context xml:id="ctx0">
+      <inkml:inkSource xml:id="inkSrc0">
+        <inkml:traceFormat>
+          <inkml:channel name="X" type="integer" min="-2.14748E9" max="2.14748E9" units="cm"/>
+          <inkml:channel name="Y" type="integer" min="-2.14748E9" max="2.14748E9" units="cm"/>
+        </inkml:traceFormat>
+        <inkml:channelProperties>
+          <inkml:channelProperty channel="X" name="resolution" value="1000" units="1/cm"/>
+          <inkml:channelProperty channel="Y" name="resolution" value="1000" units="1/cm"/>
+        </inkml:channelProperties>
+      </inkml:inkSource>
+      <inkml:timestamp xml:id="ts0" timeString="2024-05-20T06:43:20.540"/>
+    </inkml:context>
+    <inkml:brush xml:id="br0">
+      <inkml:brushProperty name="width" value="0.2" units="cm"/>
+      <inkml:brushProperty name="height" value="0.4" units="cm"/>
+      <inkml:brushProperty name="color" value="#FFACD5"/>
+      <inkml:brushProperty name="tip" value="rectangle"/>
+      <inkml:brushProperty name="rasterOp" value="maskPen"/>
+    </inkml:brush>
+  </inkml:definitions>
+  <inkml:trace contextRef="#ctx0" brushRef="#br0">0 120,'58'0,"-1"0,5 0,8 0,5 0,7 0,6 0,5 0,3 0,-2 0,3 0,3 0,1 0,2 0,-10 0,1 0,2 0,1 0,-1 0,0 0,1 0,0 0,0 0,0 0,-1 0,-1 0,-6 0,0 0,-2 0,0 0,-1 0,-2 0,9 1,-1-1,-2 0,-1 0,-2-1,11 0,-3-1,-2 0,-1 0,-10 0,-1-1,-1 1,-2-1,16 0,-2 0,-2 0,-9-1,-2 0,-1 1,-7 1,-1 1,-2 0,22-1,-4 0,-11 0,-3 0,-10 0,-3 1,-8-1,-1 0,46-1,-45 1,0 1,6 1,0 0,5 0,0 0,-2 0,-2 0,37 0,-32 0,-29-2,-14-1,-4-2,18-3,40-1,-22 3,5 1,5-1,1 2,-5 1,-5 0,20 0,-30 3,-21 0,-4 0,10 0,10 0,5 0,-6 0,-13 0,-15 0,-4 0</inkml:trace>
+</inkml:ink>
+</file>
+
+<file path=ppt/ink/ink35.xml><?xml version="1.0" encoding="utf-8"?>
+<inkml:ink xmlns:inkml="http://www.w3.org/2003/InkML">
+  <inkml:definitions>
+    <inkml:context xml:id="ctx0">
+      <inkml:inkSource xml:id="inkSrc0">
+        <inkml:traceFormat>
+          <inkml:channel name="X" type="integer" min="-2.14748E9" max="2.14748E9" units="cm"/>
+          <inkml:channel name="Y" type="integer" min="-2.14748E9" max="2.14748E9" units="cm"/>
+        </inkml:traceFormat>
+        <inkml:channelProperties>
+          <inkml:channelProperty channel="X" name="resolution" value="1000" units="1/cm"/>
+          <inkml:channelProperty channel="Y" name="resolution" value="1000" units="1/cm"/>
+        </inkml:channelProperties>
+      </inkml:inkSource>
+      <inkml:timestamp xml:id="ts0" timeString="2024-05-20T06:43:35.325"/>
+    </inkml:context>
+    <inkml:brush xml:id="br0">
+      <inkml:brushProperty name="width" value="0.2" units="cm"/>
+      <inkml:brushProperty name="height" value="0.4" units="cm"/>
+      <inkml:brushProperty name="color" value="#FFACD5"/>
+      <inkml:brushProperty name="tip" value="rectangle"/>
+      <inkml:brushProperty name="rasterOp" value="maskPen"/>
+    </inkml:brush>
+  </inkml:definitions>
+  <inkml:trace contextRef="#ctx0" brushRef="#br0">0 71,'89'-3,"0"1,-15 0,4 1,4 0,-3 1,3 0,3 0,2 0,9 0,2 0,2 0,2 0,-16 0,1 0,1 0,0 0,-1 0,-1 0,-1 0,1 0,-2 0,-1 0,13 0,-1 0,-2 1,-2-2,-12 0,-1 0,-3-1,-4 0,3-1,-5-1,-4 0,9-3,-6 0,30-8,-22 7,14 3,-38 4,2 0,-2 1,-1 0,33 0,-29 0,-26 0,-17 0,-8 0</inkml:trace>
+</inkml:ink>
+</file>
+
+<file path=ppt/ink/ink36.xml><?xml version="1.0" encoding="utf-8"?>
+<inkml:ink xmlns:inkml="http://www.w3.org/2003/InkML">
+  <inkml:definitions>
+    <inkml:context xml:id="ctx0">
+      <inkml:inkSource xml:id="inkSrc0">
+        <inkml:traceFormat>
+          <inkml:channel name="X" type="integer" min="-2.14748E9" max="2.14748E9" units="cm"/>
+          <inkml:channel name="Y" type="integer" min="-2.14748E9" max="2.14748E9" units="cm"/>
+        </inkml:traceFormat>
+        <inkml:channelProperties>
+          <inkml:channelProperty channel="X" name="resolution" value="1000" units="1/cm"/>
+          <inkml:channelProperty channel="Y" name="resolution" value="1000" units="1/cm"/>
+        </inkml:channelProperties>
+      </inkml:inkSource>
+      <inkml:timestamp xml:id="ts0" timeString="2024-05-20T06:43:48.072"/>
+    </inkml:context>
+    <inkml:brush xml:id="br0">
+      <inkml:brushProperty name="width" value="0.2" units="cm"/>
+      <inkml:brushProperty name="height" value="0.4" units="cm"/>
+      <inkml:brushProperty name="color" value="#FFACD5"/>
+      <inkml:brushProperty name="tip" value="rectangle"/>
+      <inkml:brushProperty name="rasterOp" value="maskPen"/>
+    </inkml:brush>
+  </inkml:definitions>
+  <inkml:trace contextRef="#ctx0" brushRef="#br0">0 1,'96'0,"-11"0,13 0,-29 0,5 0,3 0,3 0,-1 0,2 0,2 0,3 0,0 0,9 0,2 0,2 0,0 0,1 0,-14 0,0 0,1 0,0 0,0 0,-2 0,12 0,0 0,-1 0,-1 0,-2 0,-8 0,0 0,-2 0,0 0,-3 0,12 0,-2 0,-2 0,-1 0,-10 0,-2 0,0 0,0 0,25 0,-1 0,1 0,-24 0,0 0,1 0,-1 0,1 0,1 0,-1 0,0 0,-1 0,0 0,-1 0,0 0,21 0,0 0,-2 0,-8 0,-2 0,-1 0,-8-1,0 1,-2 1,-1-1,-1 1,-1 0,28 0,-1 1,-4 1,1 1,4 3,3 1,-30-2,2 2,1 0,6 1,1 1,0 1,3 0,-1 0,1 0,-3 0,0-1,-2-1,-3 0,-2 0,0-1,-2 0,1-1,-2-1,-2-1,-1 0,0-1,29 3,-2-1,-3-1,-4-2,-13 0,-3 0,-10-1,-3 1,31 0,-20 2,-18 1,-13-1,-15 2,-13-2,-6 0,-4 1</inkml:trace>
+</inkml:ink>
+</file>
+
+<file path=ppt/ink/ink37.xml><?xml version="1.0" encoding="utf-8"?>
+<inkml:ink xmlns:inkml="http://www.w3.org/2003/InkML">
+  <inkml:definitions>
+    <inkml:context xml:id="ctx0">
+      <inkml:inkSource xml:id="inkSrc0">
+        <inkml:traceFormat>
+          <inkml:channel name="X" type="integer" min="-2.14748E9" max="2.14748E9" units="cm"/>
+          <inkml:channel name="Y" type="integer" min="-2.14748E9" max="2.14748E9" units="cm"/>
+        </inkml:traceFormat>
+        <inkml:channelProperties>
+          <inkml:channelProperty channel="X" name="resolution" value="1000" units="1/cm"/>
+          <inkml:channelProperty channel="Y" name="resolution" value="1000" units="1/cm"/>
+        </inkml:channelProperties>
+      </inkml:inkSource>
+      <inkml:timestamp xml:id="ts0" timeString="2024-05-20T06:44:00.755"/>
+    </inkml:context>
+    <inkml:brush xml:id="br0">
+      <inkml:brushProperty name="width" value="0.2" units="cm"/>
+      <inkml:brushProperty name="height" value="0.4" units="cm"/>
+      <inkml:brushProperty name="color" value="#FFACD5"/>
+      <inkml:brushProperty name="tip" value="rectangle"/>
+      <inkml:brushProperty name="rasterOp" value="maskPen"/>
+    </inkml:brush>
+  </inkml:definitions>
+  <inkml:trace contextRef="#ctx0" brushRef="#br0">1 272,'62'0,"0"0,3 0,7 0,5 0,-1 0,5 0,3 0,1 0,-7 0,1 0,2 0,1 0,-1 0,2 0,1 0,1 0,-1 0,-1 0,17 0,0 0,-1 0,-1 0,-4 0,-2 0,-1 0,0 0,-6 0,-1 0,-1 0,0 0,-1-1,-1 0,-1 0,-1-1,18 0,-1-1,-1 0,0-1,-1 0,-1-1,-9 0,-2-2,0 1,-6 0,-1 0,-1-1,-3 1,-1 0,-1-1,26-2,-3 0,-4 3,-2 1,-10 1,-2 0,-6 3,-2-1,-2 2,1 0,-3 0,-1-1,-3-1,-1 1,38-3,-29 1,-22 2,-18-1,10-3,34-5,-14 2,5 0,18-2,4-1,9 0,2 0,0 1,-1 0,-8 1,-3 1,-11 2,-4 0,-14 2,-4 0,20 0,-22 3,-19 1,-16 0,-5 0</inkml:trace>
+</inkml:ink>
+</file>
+
+<file path=ppt/ink/ink38.xml><?xml version="1.0" encoding="utf-8"?>
+<inkml:ink xmlns:inkml="http://www.w3.org/2003/InkML">
+  <inkml:definitions>
+    <inkml:context xml:id="ctx0">
+      <inkml:inkSource xml:id="inkSrc0">
+        <inkml:traceFormat>
+          <inkml:channel name="X" type="integer" min="-2.14748E9" max="2.14748E9" units="cm"/>
+          <inkml:channel name="Y" type="integer" min="-2.14748E9" max="2.14748E9" units="cm"/>
+        </inkml:traceFormat>
+        <inkml:channelProperties>
+          <inkml:channelProperty channel="X" name="resolution" value="1000" units="1/cm"/>
+          <inkml:channelProperty channel="Y" name="resolution" value="1000" units="1/cm"/>
+        </inkml:channelProperties>
+      </inkml:inkSource>
+      <inkml:timestamp xml:id="ts0" timeString="2024-05-20T06:44:03.156"/>
+    </inkml:context>
+    <inkml:brush xml:id="br0">
+      <inkml:brushProperty name="width" value="0.2" units="cm"/>
+      <inkml:brushProperty name="height" value="0.4" units="cm"/>
+      <inkml:brushProperty name="color" value="#FFACD5"/>
+      <inkml:brushProperty name="tip" value="rectangle"/>
+      <inkml:brushProperty name="rasterOp" value="maskPen"/>
+    </inkml:brush>
+  </inkml:definitions>
+  <inkml:trace contextRef="#ctx0" brushRef="#br0">1 20,'50'0,"1"0,18 0,8 0,-11 0,5 0,1 0,7 0,3 0,-1 0,3 0,-1 0,2 0,4 0,1 0,1 0,4 0,1 0,0 0,2 0,1 0,-1 0,-4 0,-2 0,-1 0,-9 0,-2 0,-2 0,24 0,-7 0,-18 0,-5 0,-17 0,-6 0,10 0,-29 0,-15-1,-5-1,17-3,38 0,-6 3,8 1,17-1,6 1,8 1,1 0,-8 0,-5 0,-18 0,-6 0,20 0,-44 0,-22 0,-10 0</inkml:trace>
+</inkml:ink>
+</file>
+
+<file path=ppt/ink/ink39.xml><?xml version="1.0" encoding="utf-8"?>
+<inkml:ink xmlns:inkml="http://www.w3.org/2003/InkML">
+  <inkml:definitions>
+    <inkml:context xml:id="ctx0">
+      <inkml:inkSource xml:id="inkSrc0">
+        <inkml:traceFormat>
+          <inkml:channel name="X" type="integer" min="-2.14748E9" max="2.14748E9" units="cm"/>
+          <inkml:channel name="Y" type="integer" min="-2.14748E9" max="2.14748E9" units="cm"/>
+        </inkml:traceFormat>
+        <inkml:channelProperties>
+          <inkml:channelProperty channel="X" name="resolution" value="1000" units="1/cm"/>
+          <inkml:channelProperty channel="Y" name="resolution" value="1000" units="1/cm"/>
+        </inkml:channelProperties>
+      </inkml:inkSource>
+      <inkml:timestamp xml:id="ts0" timeString="2024-05-20T06:44:37.089"/>
+    </inkml:context>
+    <inkml:brush xml:id="br0">
+      <inkml:brushProperty name="width" value="0.2" units="cm"/>
+      <inkml:brushProperty name="height" value="0.4" units="cm"/>
+      <inkml:brushProperty name="color" value="#FFACD5"/>
+      <inkml:brushProperty name="tip" value="rectangle"/>
+      <inkml:brushProperty name="rasterOp" value="maskPen"/>
+    </inkml:brush>
+  </inkml:definitions>
+  <inkml:trace contextRef="#ctx0" brushRef="#br0">1 66,'96'0,"-16"1,10-2,-12 0,5-2,2-1,9 1,3-2,-3 0,-7 0,-3-1,-4 0,13-3,-9 2,-26 2,-8 2,1 0,-32 3,-12 0</inkml:trace>
 </inkml:ink>
 </file>
 
@@ -409,6 +1081,286 @@
 </inkml:ink>
 </file>
 
+<file path=ppt/ink/ink40.xml><?xml version="1.0" encoding="utf-8"?>
+<inkml:ink xmlns:inkml="http://www.w3.org/2003/InkML">
+  <inkml:definitions>
+    <inkml:context xml:id="ctx0">
+      <inkml:inkSource xml:id="inkSrc0">
+        <inkml:traceFormat>
+          <inkml:channel name="X" type="integer" min="-2.14748E9" max="2.14748E9" units="cm"/>
+          <inkml:channel name="Y" type="integer" min="-2.14748E9" max="2.14748E9" units="cm"/>
+        </inkml:traceFormat>
+        <inkml:channelProperties>
+          <inkml:channelProperty channel="X" name="resolution" value="1000" units="1/cm"/>
+          <inkml:channelProperty channel="Y" name="resolution" value="1000" units="1/cm"/>
+        </inkml:channelProperties>
+      </inkml:inkSource>
+      <inkml:timestamp xml:id="ts0" timeString="2024-05-20T06:44:47.371"/>
+    </inkml:context>
+    <inkml:brush xml:id="br0">
+      <inkml:brushProperty name="width" value="0.2" units="cm"/>
+      <inkml:brushProperty name="height" value="0.4" units="cm"/>
+      <inkml:brushProperty name="color" value="#FFACD5"/>
+      <inkml:brushProperty name="tip" value="rectangle"/>
+      <inkml:brushProperty name="rasterOp" value="maskPen"/>
+    </inkml:brush>
+  </inkml:definitions>
+  <inkml:trace contextRef="#ctx0" brushRef="#br0">1 1,'98'0,"-44"0,0 0,3 0,-1 0,38 0,-33 0,-29 0,-14 0,3 5,8 3,3 2,-2 1,-13-3,-10-2,-4-2</inkml:trace>
+</inkml:ink>
+</file>
+
+<file path=ppt/ink/ink41.xml><?xml version="1.0" encoding="utf-8"?>
+<inkml:ink xmlns:inkml="http://www.w3.org/2003/InkML">
+  <inkml:definitions>
+    <inkml:context xml:id="ctx0">
+      <inkml:inkSource xml:id="inkSrc0">
+        <inkml:traceFormat>
+          <inkml:channel name="X" type="integer" min="-2.14748E9" max="2.14748E9" units="cm"/>
+          <inkml:channel name="Y" type="integer" min="-2.14748E9" max="2.14748E9" units="cm"/>
+        </inkml:traceFormat>
+        <inkml:channelProperties>
+          <inkml:channelProperty channel="X" name="resolution" value="1000" units="1/cm"/>
+          <inkml:channelProperty channel="Y" name="resolution" value="1000" units="1/cm"/>
+        </inkml:channelProperties>
+      </inkml:inkSource>
+      <inkml:timestamp xml:id="ts0" timeString="2024-05-20T06:44:51.437"/>
+    </inkml:context>
+    <inkml:brush xml:id="br0">
+      <inkml:brushProperty name="width" value="0.2" units="cm"/>
+      <inkml:brushProperty name="height" value="0.4" units="cm"/>
+      <inkml:brushProperty name="color" value="#FFACD5"/>
+      <inkml:brushProperty name="tip" value="rectangle"/>
+      <inkml:brushProperty name="rasterOp" value="maskPen"/>
+    </inkml:brush>
+  </inkml:definitions>
+  <inkml:trace contextRef="#ctx0" brushRef="#br0">0 0,'1'58,"0"-1,5 2,2 1,7 8,4 1,8 8,7 1,10 9,5 1,-16-28,1 0,1 0,0-1,2-1,-1 0,17 27,-2-1,-3-7,-2 0,1-2,-1 0,-5-7,-1-2,-5-7,-1-1,-4-5,-1-2,-3-3,0-2,20 41,-2-3,0-5,-3-4,2 0,0-2,-1 5,3 8,-24-42,1 2,-1 3,1 1,2 4,0 1,1 4,0 0,0 1,0-1,-2-4,-1-2,13 29,-8-22,-4-4,7 11,-8-23,1 3,5 5,0 1,1-1,0-2,17 32,-15-25,-8-13,-3 6,1 13,-2 5,-4-6,-5-18,-3-11,2 10,5 16,6 23,3 5,-1-14,-5-23,-8-28,-5-10</inkml:trace>
+</inkml:ink>
+</file>
+
+<file path=ppt/ink/ink42.xml><?xml version="1.0" encoding="utf-8"?>
+<inkml:ink xmlns:inkml="http://www.w3.org/2003/InkML">
+  <inkml:definitions>
+    <inkml:context xml:id="ctx0">
+      <inkml:inkSource xml:id="inkSrc0">
+        <inkml:traceFormat>
+          <inkml:channel name="X" type="integer" min="-2.14748E9" max="2.14748E9" units="cm"/>
+          <inkml:channel name="Y" type="integer" min="-2.14748E9" max="2.14748E9" units="cm"/>
+        </inkml:traceFormat>
+        <inkml:channelProperties>
+          <inkml:channelProperty channel="X" name="resolution" value="1000" units="1/cm"/>
+          <inkml:channelProperty channel="Y" name="resolution" value="1000" units="1/cm"/>
+        </inkml:channelProperties>
+      </inkml:inkSource>
+      <inkml:timestamp xml:id="ts0" timeString="2024-05-20T06:44:58.338"/>
+    </inkml:context>
+    <inkml:brush xml:id="br0">
+      <inkml:brushProperty name="width" value="0.2" units="cm"/>
+      <inkml:brushProperty name="height" value="0.4" units="cm"/>
+      <inkml:brushProperty name="color" value="#FFFC00"/>
+      <inkml:brushProperty name="tip" value="rectangle"/>
+      <inkml:brushProperty name="rasterOp" value="maskPen"/>
+    </inkml:brush>
+  </inkml:definitions>
+  <inkml:trace contextRef="#ctx0" brushRef="#br0">0 0,'85'0,"-35"0,2 0,8 0,2 0,-6 0,-4 0,23 0,-32 0,-22 1,2 4,19 2,24 6,18 2,-3-1,-19-3,-25-4,-20-2,-10-1,-6 1</inkml:trace>
+</inkml:ink>
+</file>
+
+<file path=ppt/ink/ink43.xml><?xml version="1.0" encoding="utf-8"?>
+<inkml:ink xmlns:inkml="http://www.w3.org/2003/InkML">
+  <inkml:definitions>
+    <inkml:context xml:id="ctx0">
+      <inkml:inkSource xml:id="inkSrc0">
+        <inkml:traceFormat>
+          <inkml:channel name="X" type="integer" min="-2.14748E9" max="2.14748E9" units="cm"/>
+          <inkml:channel name="Y" type="integer" min="-2.14748E9" max="2.14748E9" units="cm"/>
+        </inkml:traceFormat>
+        <inkml:channelProperties>
+          <inkml:channelProperty channel="X" name="resolution" value="1000" units="1/cm"/>
+          <inkml:channelProperty channel="Y" name="resolution" value="1000" units="1/cm"/>
+        </inkml:channelProperties>
+      </inkml:inkSource>
+      <inkml:timestamp xml:id="ts0" timeString="2024-05-20T06:45:01.404"/>
+    </inkml:context>
+    <inkml:brush xml:id="br0">
+      <inkml:brushProperty name="width" value="0.2" units="cm"/>
+      <inkml:brushProperty name="height" value="0.4" units="cm"/>
+      <inkml:brushProperty name="color" value="#FFFC00"/>
+      <inkml:brushProperty name="tip" value="rectangle"/>
+      <inkml:brushProperty name="rasterOp" value="maskPen"/>
+    </inkml:brush>
+  </inkml:definitions>
+  <inkml:trace contextRef="#ctx0" brushRef="#br0">392 0,'-13'64,"1"0,-3 1,-1 1,-5 8,-2 2,-2 1,1 2,1 5,2 0,0 1,2 0,2-4,2-1,2-6,2-2,1-10,1-5,-5 39,3-13,-3 4,7-37,1 2,-1 5,0 2,2 1,0-1,3-1,0-1,0 0,1-1,1 1,0 0,0 3,1 0,2 2,2-1,3-3,2-2,4-5,2-2,27 37,6-15,6-5,-1-11,-4-13,-2-8,7-8,20 0,17 0,-43-14,1 1,40 11,-16-4,-6 0,6-3,22 1,-40-7,2 1,4 0,1 0,1 3,-1 0,1 0,0 0,-1 0,-1 0,3 0,-1 0,1-1,1 0,-3 2,0 0,0 2,-1 0,-7-1,-1 1,39 16,-6 1,-3 8,-37-18,1 0,5 2,0 1,1-2,-2 0,-3-3,-1-2,39 21,-12-1,-3 1,-7 0,-12-5,-17-6,-17-10,-9 0,-2 6,2 10,4 7,1 0,-2-6,0-7,2 3,3 10,5 11,5 5,-2-4,-6-10,-9-2,-7 3,-4 5,0-1,0-11,0-14,0-14,0-6</inkml:trace>
+</inkml:ink>
+</file>
+
+<file path=ppt/ink/ink44.xml><?xml version="1.0" encoding="utf-8"?>
+<inkml:ink xmlns:inkml="http://www.w3.org/2003/InkML">
+  <inkml:definitions>
+    <inkml:context xml:id="ctx0">
+      <inkml:inkSource xml:id="inkSrc0">
+        <inkml:traceFormat>
+          <inkml:channel name="X" type="integer" min="-2.14748E9" max="2.14748E9" units="cm"/>
+          <inkml:channel name="Y" type="integer" min="-2.14748E9" max="2.14748E9" units="cm"/>
+        </inkml:traceFormat>
+        <inkml:channelProperties>
+          <inkml:channelProperty channel="X" name="resolution" value="1000" units="1/cm"/>
+          <inkml:channelProperty channel="Y" name="resolution" value="1000" units="1/cm"/>
+        </inkml:channelProperties>
+      </inkml:inkSource>
+      <inkml:timestamp xml:id="ts0" timeString="2024-05-20T06:45:02.604"/>
+    </inkml:context>
+    <inkml:brush xml:id="br0">
+      <inkml:brushProperty name="width" value="0.2" units="cm"/>
+      <inkml:brushProperty name="height" value="0.4" units="cm"/>
+      <inkml:brushProperty name="color" value="#FFFC00"/>
+      <inkml:brushProperty name="tip" value="rectangle"/>
+      <inkml:brushProperty name="rasterOp" value="maskPen"/>
+    </inkml:brush>
+  </inkml:definitions>
+  <inkml:trace contextRef="#ctx0" brushRef="#br0">0 1,'65'1,"4"2,-10 3,-4-1,-11-1,-16 0,-15-4,-7 2</inkml:trace>
+</inkml:ink>
+</file>
+
+<file path=ppt/ink/ink45.xml><?xml version="1.0" encoding="utf-8"?>
+<inkml:ink xmlns:inkml="http://www.w3.org/2003/InkML">
+  <inkml:definitions>
+    <inkml:context xml:id="ctx0">
+      <inkml:inkSource xml:id="inkSrc0">
+        <inkml:traceFormat>
+          <inkml:channel name="X" type="integer" min="-2.14748E9" max="2.14748E9" units="cm"/>
+          <inkml:channel name="Y" type="integer" min="-2.14748E9" max="2.14748E9" units="cm"/>
+        </inkml:traceFormat>
+        <inkml:channelProperties>
+          <inkml:channelProperty channel="X" name="resolution" value="1000" units="1/cm"/>
+          <inkml:channelProperty channel="Y" name="resolution" value="1000" units="1/cm"/>
+        </inkml:channelProperties>
+      </inkml:inkSource>
+      <inkml:timestamp xml:id="ts0" timeString="2024-05-20T06:45:17.754"/>
+    </inkml:context>
+    <inkml:brush xml:id="br0">
+      <inkml:brushProperty name="width" value="0.2" units="cm"/>
+      <inkml:brushProperty name="height" value="0.4" units="cm"/>
+      <inkml:brushProperty name="color" value="#FFFC00"/>
+      <inkml:brushProperty name="tip" value="rectangle"/>
+      <inkml:brushProperty name="rasterOp" value="maskPen"/>
+    </inkml:brush>
+  </inkml:definitions>
+  <inkml:trace contextRef="#ctx0" brushRef="#br0">0 1,'84'0,"-35"0,2 0,5 1,-1 1,-2 0,-4 1,16 3,-29 1,-21 0,-12-2,6 1,2 0,9 1,-1 1,-1 0,-6-1,-5-3,-4-1</inkml:trace>
+</inkml:ink>
+</file>
+
+<file path=ppt/ink/ink46.xml><?xml version="1.0" encoding="utf-8"?>
+<inkml:ink xmlns:inkml="http://www.w3.org/2003/InkML">
+  <inkml:definitions>
+    <inkml:context xml:id="ctx0">
+      <inkml:inkSource xml:id="inkSrc0">
+        <inkml:traceFormat>
+          <inkml:channel name="X" type="integer" min="-2.14748E9" max="2.14748E9" units="cm"/>
+          <inkml:channel name="Y" type="integer" min="-2.14748E9" max="2.14748E9" units="cm"/>
+        </inkml:traceFormat>
+        <inkml:channelProperties>
+          <inkml:channelProperty channel="X" name="resolution" value="1000" units="1/cm"/>
+          <inkml:channelProperty channel="Y" name="resolution" value="1000" units="1/cm"/>
+        </inkml:channelProperties>
+      </inkml:inkSource>
+      <inkml:timestamp xml:id="ts0" timeString="2024-05-20T06:45:23.704"/>
+    </inkml:context>
+    <inkml:brush xml:id="br0">
+      <inkml:brushProperty name="width" value="0.2" units="cm"/>
+      <inkml:brushProperty name="height" value="0.4" units="cm"/>
+      <inkml:brushProperty name="color" value="#FFACD5"/>
+      <inkml:brushProperty name="tip" value="rectangle"/>
+      <inkml:brushProperty name="rasterOp" value="maskPen"/>
+    </inkml:brush>
+  </inkml:definitions>
+  <inkml:trace contextRef="#ctx0" brushRef="#br0">1 1,'65'0,"4"0,-6 0,-10 0,-19 0,-15 0,-7 0,-5 0,4 0,3 0</inkml:trace>
+</inkml:ink>
+</file>
+
+<file path=ppt/ink/ink47.xml><?xml version="1.0" encoding="utf-8"?>
+<inkml:ink xmlns:inkml="http://www.w3.org/2003/InkML">
+  <inkml:definitions>
+    <inkml:context xml:id="ctx0">
+      <inkml:inkSource xml:id="inkSrc0">
+        <inkml:traceFormat>
+          <inkml:channel name="X" type="integer" min="-2.14748E9" max="2.14748E9" units="cm"/>
+          <inkml:channel name="Y" type="integer" min="-2.14748E9" max="2.14748E9" units="cm"/>
+        </inkml:traceFormat>
+        <inkml:channelProperties>
+          <inkml:channelProperty channel="X" name="resolution" value="1000" units="1/cm"/>
+          <inkml:channelProperty channel="Y" name="resolution" value="1000" units="1/cm"/>
+        </inkml:channelProperties>
+      </inkml:inkSource>
+      <inkml:timestamp xml:id="ts0" timeString="2024-05-20T06:45:26.371"/>
+    </inkml:context>
+    <inkml:brush xml:id="br0">
+      <inkml:brushProperty name="width" value="0.2" units="cm"/>
+      <inkml:brushProperty name="height" value="0.4" units="cm"/>
+      <inkml:brushProperty name="color" value="#FFACD5"/>
+      <inkml:brushProperty name="tip" value="rectangle"/>
+      <inkml:brushProperty name="rasterOp" value="maskPen"/>
+    </inkml:brush>
+  </inkml:definitions>
+  <inkml:trace contextRef="#ctx0" brushRef="#br0">0 0,'72'0,"-1"0,1 0,16 0,4 0,6 0,-5 0,6 0,3 0,2 0,-11 0,2 0,2 0,0 0,0 0,-14 0,0 0,-1 0,2 0,0 0,1 0,6 0,1 0,0 0,1 0,0 0,0 0,-1 0,1 0,-1 0,1 0,0 0,0 0,1 0,0 0,1 0,-1 0,1 0,-1 0,0 0,1 0,0 0,-1 0,0 0,-1 0,-5 0,-1 0,-1 0,0 0,0 0,-1 0,15 0,0 0,-1 0,-1 0,-2 0,-9 0,-1 0,-1 0,-1 0,-2 0,13 0,-1 0,-2 0,-1 0,-6 0,-1 0,-2 0,0 0,-5 0,-1 0,0 0,-2 0,20 0,-1 0,-1 0,-6 0,-1 0,-3 0,-9 0,-1 0,-2 0,29 0,-2 0,1 0,-2 0,-7 0,-3 0,-9 0,-3 0,-11 0,-2 0,-7 0,-1 0,0 0,-1 0,0 0,-2 0,39 0,-14 0,-9 0,12 0,19 0,-42 0,-1 0,-1 1,-3-1,27 2,-29 3,-25 0,-14 1,-6-1,-3-1</inkml:trace>
+</inkml:ink>
+</file>
+
+<file path=ppt/ink/ink48.xml><?xml version="1.0" encoding="utf-8"?>
+<inkml:ink xmlns:inkml="http://www.w3.org/2003/InkML">
+  <inkml:definitions>
+    <inkml:context xml:id="ctx0">
+      <inkml:inkSource xml:id="inkSrc0">
+        <inkml:traceFormat>
+          <inkml:channel name="X" type="integer" min="-2.14748E9" max="2.14748E9" units="cm"/>
+          <inkml:channel name="Y" type="integer" min="-2.14748E9" max="2.14748E9" units="cm"/>
+        </inkml:traceFormat>
+        <inkml:channelProperties>
+          <inkml:channelProperty channel="X" name="resolution" value="1000" units="1/cm"/>
+          <inkml:channelProperty channel="Y" name="resolution" value="1000" units="1/cm"/>
+        </inkml:channelProperties>
+      </inkml:inkSource>
+      <inkml:timestamp xml:id="ts0" timeString="2024-05-20T06:46:16.703"/>
+    </inkml:context>
+    <inkml:brush xml:id="br0">
+      <inkml:brushProperty name="width" value="0.2" units="cm"/>
+      <inkml:brushProperty name="height" value="0.4" units="cm"/>
+      <inkml:brushProperty name="color" value="#FFACD5"/>
+      <inkml:brushProperty name="tip" value="rectangle"/>
+      <inkml:brushProperty name="rasterOp" value="maskPen"/>
+    </inkml:brush>
+  </inkml:definitions>
+  <inkml:trace contextRef="#ctx0" brushRef="#br0">1 0,'97'0,"-1"0,-13 0,5 0,3 0,-7 0,2 0,3 0,1 0,6 0,1 0,0 0,0 0,-3 0,0 0,0 0,-3 0,-6 0,-2 0,-1 0,0 0,-5 0,0 0,-1 0,-1 0,21 0,0 0,-2 0,-3 0,-1 0,1 0,1 0,1 0,-1 0,-2 0,-1 0,0 0,-5 1,-1 0,0 1,-1 0,0 1,0 1,1 1,-1 1,1 1,-1 1,0 1,0 0,3 1,1 0,0 0,-2 0,0 0,1 0,1 1,1-1,0 0,2 0,1 0,0 1,1 0,0-1,0 1,-1 1,1-1,-2 1,-6-1,-1 1,0-2,-2 1,0-2,-2 1,-4-1,0 0,-3 0,28 3,-4-1,-8-1,-2-1,-8 0,-1-1,3-2,0-2,3 0,1-1,6-1,0-1,2-1,0 0,-3 0,-1 0,-3 0,0 0,-6 0,-3 0,-8 0,-2 0,-12 0,-3 0,24 0,-29 0,-5 0,31 0,-7 0,10 0,-5 0,7 0,2 0,9-1,4 1,-1-2,3-1,-1-1,-2 0,-11-1,-3 0,-5-1,8-2,-8 0,23-5,-51 7,-26 4,-9 0</inkml:trace>
+</inkml:ink>
+</file>
+
+<file path=ppt/ink/ink49.xml><?xml version="1.0" encoding="utf-8"?>
+<inkml:ink xmlns:inkml="http://www.w3.org/2003/InkML">
+  <inkml:definitions>
+    <inkml:context xml:id="ctx0">
+      <inkml:inkSource xml:id="inkSrc0">
+        <inkml:traceFormat>
+          <inkml:channel name="X" type="integer" min="-2.14748E9" max="2.14748E9" units="cm"/>
+          <inkml:channel name="Y" type="integer" min="-2.14748E9" max="2.14748E9" units="cm"/>
+        </inkml:traceFormat>
+        <inkml:channelProperties>
+          <inkml:channelProperty channel="X" name="resolution" value="1000" units="1/cm"/>
+          <inkml:channelProperty channel="Y" name="resolution" value="1000" units="1/cm"/>
+        </inkml:channelProperties>
+      </inkml:inkSource>
+      <inkml:timestamp xml:id="ts0" timeString="2024-05-20T06:49:06.549"/>
+    </inkml:context>
+    <inkml:brush xml:id="br0">
+      <inkml:brushProperty name="width" value="0.2" units="cm"/>
+      <inkml:brushProperty name="height" value="0.4" units="cm"/>
+      <inkml:brushProperty name="color" value="#00F900"/>
+      <inkml:brushProperty name="tip" value="rectangle"/>
+      <inkml:brushProperty name="rasterOp" value="maskPen"/>
+    </inkml:brush>
+  </inkml:definitions>
+  <inkml:trace contextRef="#ctx0" brushRef="#br0">1 399,'76'0,"0"0,-11-1,4 0,4-1,21 1,6-1,4 0,-13 0,4-1,2 1,2-1,-12 0,2 0,2 0,0 0,0 0,4 0,1-1,0 1,1-1,-1 0,0 0,0-1,0-1,0 1,-1 0,-3-1,0 1,-1 0,0-1,-2 0,-3 0,-1 0,-1 0,-1 0,-1-1,15-1,-2-1,0 0,-2 0,-3 1,0-1,-1 0,-1 0,-3-1,0 1,0-1,-2 1,-5 0,-1 0,-1 1,-1 0,21-2,-1 0,-2 1,-8 1,-2 0,-1 1,-7 1,-1 0,-1 1,-4-1,0 1,-2 0,25-2,-2 1,-8 1,-3 0,-8 2,-2 0,-5 1,-1 0,-5 1,1 0,-1 1,0 0,1 0,1 0,4 0,3 0,3 0,3 0,3 0,2 0,4 0,2 0,3 0,2 0,3 0,0 0,2 0,1 0,1 0,0 0,-4 0,0 0,-1 1,0 0,0 2,-1 1,-3 2,-1 2,-1 2,1 1,-3 2,-1 0,-4 0,-1-1,-4-1,-1-2,-5-1,-1 0,-4-1,-2-1,-3 1,-1 0,-3 0,-1 0,42 7,-9-1,-3 0,2-4,-2 1,-9-2,-18-2,-19-1,-16-1,-9-2,-4 0,7-1,15 0,19 1,6 0,-3 1,-16-1,-16 0,-10 0,-7 1</inkml:trace>
+</inkml:ink>
+</file>
+
 <file path=ppt/ink/ink5.xml><?xml version="1.0" encoding="utf-8"?>
 <inkml:ink xmlns:inkml="http://www.w3.org/2003/InkML">
   <inkml:definitions>
@@ -434,6 +1386,286 @@
     </inkml:brush>
   </inkml:definitions>
   <inkml:trace contextRef="#ctx0" brushRef="#br0">0 0,'89'0,"1"0,-15 0,9 0,1 0,6 0,-2 0,-10 0,-16 0,-20 0,-15 0,-16 0,-6 0</inkml:trace>
+</inkml:ink>
+</file>
+
+<file path=ppt/ink/ink50.xml><?xml version="1.0" encoding="utf-8"?>
+<inkml:ink xmlns:inkml="http://www.w3.org/2003/InkML">
+  <inkml:definitions>
+    <inkml:context xml:id="ctx0">
+      <inkml:inkSource xml:id="inkSrc0">
+        <inkml:traceFormat>
+          <inkml:channel name="X" type="integer" min="-2.14748E9" max="2.14748E9" units="cm"/>
+          <inkml:channel name="Y" type="integer" min="-2.14748E9" max="2.14748E9" units="cm"/>
+          <inkml:channel name="F" type="integer" max="32767" units="dev"/>
+        </inkml:traceFormat>
+        <inkml:channelProperties>
+          <inkml:channelProperty channel="X" name="resolution" value="1000" units="1/cm"/>
+          <inkml:channelProperty channel="Y" name="resolution" value="1000" units="1/cm"/>
+          <inkml:channelProperty channel="F" name="resolution" value="0" units="1/dev"/>
+        </inkml:channelProperties>
+      </inkml:inkSource>
+      <inkml:timestamp xml:id="ts0" timeString="2023-10-24T05:25:29.929"/>
+    </inkml:context>
+    <inkml:brush xml:id="br0">
+      <inkml:brushProperty name="width" value="0.2" units="cm"/>
+      <inkml:brushProperty name="height" value="0.2" units="cm"/>
+      <inkml:brushProperty name="color" value="#00A0D7"/>
+    </inkml:brush>
+  </inkml:definitions>
+  <inkml:trace contextRef="#ctx0" brushRef="#br0">420 1 24575,'-41'0'0,"-2"0"0,2 0 0,1 0 0,3 0 0,5 2 0,1 9 0,0 13 0,3 13 0,3 8 0,4 5 0,4 1 0,3-1 0,4-4 0,5-6 0,2-6 0,3-1 0,0 0 0,0 1 0,0-3 0,2 0 0,4-3 0,5-1 0,3-4 0,0-4 0,-2-5 0,-3-4 0,-1-3 0,0-2 0,3 4 0,1 2 0,3-1 0,-1-2 0,-2-3 0,-3-3 0,1-1 0,-6-1 0,3 0 0</inkml:trace>
+</inkml:ink>
+</file>
+
+<file path=ppt/ink/ink51.xml><?xml version="1.0" encoding="utf-8"?>
+<inkml:ink xmlns:inkml="http://www.w3.org/2003/InkML">
+  <inkml:definitions>
+    <inkml:context xml:id="ctx0">
+      <inkml:inkSource xml:id="inkSrc0">
+        <inkml:traceFormat>
+          <inkml:channel name="X" type="integer" min="-2.14748E9" max="2.14748E9" units="cm"/>
+          <inkml:channel name="Y" type="integer" min="-2.14748E9" max="2.14748E9" units="cm"/>
+        </inkml:traceFormat>
+        <inkml:channelProperties>
+          <inkml:channelProperty channel="X" name="resolution" value="1000" units="1/cm"/>
+          <inkml:channelProperty channel="Y" name="resolution" value="1000" units="1/cm"/>
+        </inkml:channelProperties>
+      </inkml:inkSource>
+      <inkml:timestamp xml:id="ts0" timeString="2024-05-20T06:46:29.771"/>
+    </inkml:context>
+    <inkml:brush xml:id="br0">
+      <inkml:brushProperty name="width" value="0.2" units="cm"/>
+      <inkml:brushProperty name="height" value="0.4" units="cm"/>
+      <inkml:brushProperty name="color" value="#FFACD5"/>
+      <inkml:brushProperty name="tip" value="rectangle"/>
+      <inkml:brushProperty name="rasterOp" value="maskPen"/>
+    </inkml:brush>
+  </inkml:definitions>
+  <inkml:trace contextRef="#ctx0" brushRef="#br0">0 0,'79'0,"0"0,6 0,2 0,8 0,0 0,-11 0,-4 0,-20 0,-7 0,16 0,-28 0,20 0,-9 0,7 0,18 0,6 0,11 0,2 0,-8 0,-5 0,-18 0,-7 0,19 0,-42 0,-23 0,-9 0,-5 0</inkml:trace>
+</inkml:ink>
+</file>
+
+<file path=ppt/ink/ink52.xml><?xml version="1.0" encoding="utf-8"?>
+<inkml:ink xmlns:inkml="http://www.w3.org/2003/InkML">
+  <inkml:definitions>
+    <inkml:context xml:id="ctx0">
+      <inkml:inkSource xml:id="inkSrc0">
+        <inkml:traceFormat>
+          <inkml:channel name="X" type="integer" min="-2.14748E9" max="2.14748E9" units="cm"/>
+          <inkml:channel name="Y" type="integer" min="-2.14748E9" max="2.14748E9" units="cm"/>
+        </inkml:traceFormat>
+        <inkml:channelProperties>
+          <inkml:channelProperty channel="X" name="resolution" value="1000" units="1/cm"/>
+          <inkml:channelProperty channel="Y" name="resolution" value="1000" units="1/cm"/>
+        </inkml:channelProperties>
+      </inkml:inkSource>
+      <inkml:timestamp xml:id="ts0" timeString="2024-05-20T06:46:43.369"/>
+    </inkml:context>
+    <inkml:brush xml:id="br0">
+      <inkml:brushProperty name="width" value="0.2" units="cm"/>
+      <inkml:brushProperty name="height" value="0.4" units="cm"/>
+      <inkml:brushProperty name="color" value="#FFACD5"/>
+      <inkml:brushProperty name="tip" value="rectangle"/>
+      <inkml:brushProperty name="rasterOp" value="maskPen"/>
+    </inkml:brush>
+  </inkml:definitions>
+  <inkml:trace contextRef="#ctx0" brushRef="#br0">1 1,'99'4,"-20"-3,11 1,-8-2,7 0,3 0,-15 0,2 0,2 0,-1 0,3 0,1 0,-1 0,-1 0,-5 0,0 0,-2 0,0 0,15 0,-2 0,-1 0,1 0,-1 0,-1 0,-7 0,-1 0,-1 0,-3 0,-1 0,-1 0,28 0,-3 0,-17 0,-5 0,-12 0,-5 0,14 0,-29 0,13 0,-3-1,9 2,1 1,5 0,3 1,13 0,2 1,1-1,0 2,0-1,-3 1,-13 0,-2 1,-6-1,1 0,-8 1,7 6,-39-3,-17-1,-5-3,-2-1</inkml:trace>
+</inkml:ink>
+</file>
+
+<file path=ppt/ink/ink53.xml><?xml version="1.0" encoding="utf-8"?>
+<inkml:ink xmlns:inkml="http://www.w3.org/2003/InkML">
+  <inkml:definitions>
+    <inkml:context xml:id="ctx0">
+      <inkml:inkSource xml:id="inkSrc0">
+        <inkml:traceFormat>
+          <inkml:channel name="X" type="integer" min="-2.14748E9" max="2.14748E9" units="cm"/>
+          <inkml:channel name="Y" type="integer" min="-2.14748E9" max="2.14748E9" units="cm"/>
+        </inkml:traceFormat>
+        <inkml:channelProperties>
+          <inkml:channelProperty channel="X" name="resolution" value="1000" units="1/cm"/>
+          <inkml:channelProperty channel="Y" name="resolution" value="1000" units="1/cm"/>
+        </inkml:channelProperties>
+      </inkml:inkSource>
+      <inkml:timestamp xml:id="ts0" timeString="2024-05-20T06:46:47.036"/>
+    </inkml:context>
+    <inkml:brush xml:id="br0">
+      <inkml:brushProperty name="width" value="0.2" units="cm"/>
+      <inkml:brushProperty name="height" value="0.4" units="cm"/>
+      <inkml:brushProperty name="color" value="#FFACD5"/>
+      <inkml:brushProperty name="tip" value="rectangle"/>
+      <inkml:brushProperty name="rasterOp" value="maskPen"/>
+    </inkml:brush>
+  </inkml:definitions>
+  <inkml:trace contextRef="#ctx0" brushRef="#br0">0 1,'89'0,"0"0,-14 0,4 0,4 0,-7 0,3 0,2 0,2 0,5 0,3 0,0 0,1 0,2 0,1 0,0 0,-1 0,-4 0,-1 0,0 0,1 0,4 0,1 0,1 0,0 0,3 0,1 0,-1 0,2 0,-19 0,1 0,0 0,1 0,-1 1,2-1,1 1,0 0,-1 0,-2 0,10 1,-2-1,-1 0,-2 1,-8-1,-2 0,-1 1,-2-1,11 0,-3 0,-2 0,-10-1,-1 0,-2 0,25 0,-4 0,-9 1,-3 1,-13 0,-3 0,29 1,-16 3,7 1,-21-1,6 0,18 2,6-1,-21-2,2 0,0 0,0-1,1 0,-2 1,25 1,-2 0,-9 0,-2-1,-2-1,2-1,8 0,2-1,6-1,1-1,-29 0,0 0,0 0,30 0,-2 0,-10 1,-3 0,-11 1,-4 1,-11 1,-4 0,36 5,-17-2,-14-1,-18-3,-17 0,-10-1,-4-2,12 0,13 0,7 2,-1 1,-14-1,-12 2,-9-2,18 5,12 3,15 5,2-2,-16 0,-15-4,-9-1,-11-1,-3-1</inkml:trace>
+</inkml:ink>
+</file>
+
+<file path=ppt/ink/ink54.xml><?xml version="1.0" encoding="utf-8"?>
+<inkml:ink xmlns:inkml="http://www.w3.org/2003/InkML">
+  <inkml:definitions>
+    <inkml:context xml:id="ctx0">
+      <inkml:inkSource xml:id="inkSrc0">
+        <inkml:traceFormat>
+          <inkml:channel name="X" type="integer" min="-2.14748E9" max="2.14748E9" units="cm"/>
+          <inkml:channel name="Y" type="integer" min="-2.14748E9" max="2.14748E9" units="cm"/>
+        </inkml:traceFormat>
+        <inkml:channelProperties>
+          <inkml:channelProperty channel="X" name="resolution" value="1000" units="1/cm"/>
+          <inkml:channelProperty channel="Y" name="resolution" value="1000" units="1/cm"/>
+        </inkml:channelProperties>
+      </inkml:inkSource>
+      <inkml:timestamp xml:id="ts0" timeString="2024-05-20T06:47:12.918"/>
+    </inkml:context>
+    <inkml:brush xml:id="br0">
+      <inkml:brushProperty name="width" value="0.2" units="cm"/>
+      <inkml:brushProperty name="height" value="0.4" units="cm"/>
+      <inkml:brushProperty name="color" value="#FFACD5"/>
+      <inkml:brushProperty name="tip" value="rectangle"/>
+      <inkml:brushProperty name="rasterOp" value="maskPen"/>
+    </inkml:brush>
+  </inkml:definitions>
+  <inkml:trace contextRef="#ctx0" brushRef="#br0">383 0,'-65'0,"11"0,10 0,22 2,11 2,9 4,2 6,0 1,0 10,-2 5,-3 5,-3 1,1-7,3-8,-1 5,1 7,-4 10,0 8,0-4,1-5,2-5,-2-1,0 1,1 1,1-4,3-8,4-11,1-7,4-1,1-1,-20-36,6 14,-20-37,9 22,1-1,4 0,3 3,5-4,1-3,2-3,1 2,0 8,1 7,1 7,7 3,10-4,10-5,6-3,-1 3,-8 6,-13 8,-7 4</inkml:trace>
+</inkml:ink>
+</file>
+
+<file path=ppt/ink/ink55.xml><?xml version="1.0" encoding="utf-8"?>
+<inkml:ink xmlns:inkml="http://www.w3.org/2003/InkML">
+  <inkml:definitions>
+    <inkml:context xml:id="ctx0">
+      <inkml:inkSource xml:id="inkSrc0">
+        <inkml:traceFormat>
+          <inkml:channel name="X" type="integer" min="-2.14748E9" max="2.14748E9" units="cm"/>
+          <inkml:channel name="Y" type="integer" min="-2.14748E9" max="2.14748E9" units="cm"/>
+        </inkml:traceFormat>
+        <inkml:channelProperties>
+          <inkml:channelProperty channel="X" name="resolution" value="1000" units="1/cm"/>
+          <inkml:channelProperty channel="Y" name="resolution" value="1000" units="1/cm"/>
+        </inkml:channelProperties>
+      </inkml:inkSource>
+      <inkml:timestamp xml:id="ts0" timeString="2024-05-20T06:48:20.083"/>
+    </inkml:context>
+    <inkml:brush xml:id="br0">
+      <inkml:brushProperty name="width" value="0.2" units="cm"/>
+      <inkml:brushProperty name="height" value="0.4" units="cm"/>
+      <inkml:brushProperty name="color" value="#00FDFF"/>
+      <inkml:brushProperty name="tip" value="rectangle"/>
+      <inkml:brushProperty name="rasterOp" value="maskPen"/>
+    </inkml:brush>
+  </inkml:definitions>
+  <inkml:trace contextRef="#ctx0" brushRef="#br0">0 1,'0'0</inkml:trace>
+</inkml:ink>
+</file>
+
+<file path=ppt/ink/ink56.xml><?xml version="1.0" encoding="utf-8"?>
+<inkml:ink xmlns:inkml="http://www.w3.org/2003/InkML">
+  <inkml:definitions>
+    <inkml:context xml:id="ctx0">
+      <inkml:inkSource xml:id="inkSrc0">
+        <inkml:traceFormat>
+          <inkml:channel name="X" type="integer" min="-2.14748E9" max="2.14748E9" units="cm"/>
+          <inkml:channel name="Y" type="integer" min="-2.14748E9" max="2.14748E9" units="cm"/>
+        </inkml:traceFormat>
+        <inkml:channelProperties>
+          <inkml:channelProperty channel="X" name="resolution" value="1000" units="1/cm"/>
+          <inkml:channelProperty channel="Y" name="resolution" value="1000" units="1/cm"/>
+        </inkml:channelProperties>
+      </inkml:inkSource>
+      <inkml:timestamp xml:id="ts0" timeString="2024-05-20T06:48:21.683"/>
+    </inkml:context>
+    <inkml:brush xml:id="br0">
+      <inkml:brushProperty name="width" value="0.2" units="cm"/>
+      <inkml:brushProperty name="height" value="0.4" units="cm"/>
+      <inkml:brushProperty name="color" value="#00FDFF"/>
+      <inkml:brushProperty name="tip" value="rectangle"/>
+      <inkml:brushProperty name="rasterOp" value="maskPen"/>
+    </inkml:brush>
+  </inkml:definitions>
+  <inkml:trace contextRef="#ctx0" brushRef="#br0">0 1,'98'0,"-33"0,6 0,25 0,7 0,-24 0,3 0,1 0,6 0,1 0,2 0,6 0,1 0,1 0,-23 0,0 0,0 0,0 0,23 0,-1 0,0 0,-2 1,0-1,-2 2,-6 1,-2 1,0 0,-5 0,0 0,-2 1,-3 0,-1 0,-2 0,-5-1,-2 0,-2-1,25 0,-4-1,-9-1,-3 0,-9 0,-3 1,32 3,-29 0,-25 1,-20-2,5 3,30 7,-4-2,8 2,19 4,4 1,7 1,0 1,-10-1,-5 0,-20-4,-7-2,5 4,-33-11,-14-4</inkml:trace>
+</inkml:ink>
+</file>
+
+<file path=ppt/ink/ink57.xml><?xml version="1.0" encoding="utf-8"?>
+<inkml:ink xmlns:inkml="http://www.w3.org/2003/InkML">
+  <inkml:definitions>
+    <inkml:context xml:id="ctx0">
+      <inkml:inkSource xml:id="inkSrc0">
+        <inkml:traceFormat>
+          <inkml:channel name="X" type="integer" min="-2.14748E9" max="2.14748E9" units="cm"/>
+          <inkml:channel name="Y" type="integer" min="-2.14748E9" max="2.14748E9" units="cm"/>
+        </inkml:traceFormat>
+        <inkml:channelProperties>
+          <inkml:channelProperty channel="X" name="resolution" value="1000" units="1/cm"/>
+          <inkml:channelProperty channel="Y" name="resolution" value="1000" units="1/cm"/>
+        </inkml:channelProperties>
+      </inkml:inkSource>
+      <inkml:timestamp xml:id="ts0" timeString="2024-05-20T06:48:25.800"/>
+    </inkml:context>
+    <inkml:brush xml:id="br0">
+      <inkml:brushProperty name="width" value="0.2" units="cm"/>
+      <inkml:brushProperty name="height" value="0.4" units="cm"/>
+      <inkml:brushProperty name="color" value="#00F900"/>
+      <inkml:brushProperty name="tip" value="rectangle"/>
+      <inkml:brushProperty name="rasterOp" value="maskPen"/>
+    </inkml:brush>
+  </inkml:definitions>
+  <inkml:trace contextRef="#ctx0" brushRef="#br0">0 1,'55'0,"0"0,30 0,10 0,-8 0,7 0,1 0,-20 0,2 0,-1 0,0 0,19 0,-1 0,-4 0,-13 0,-3 0,-7 0,4 0,-7 0,31 0,-33 0,-3 0,26 0,-33 0,2 0,1 0,0 0,39 0,-32 0,-27 0,-18 0,-3 0,6 1,6 2,2 0,-4-1,-9-3,-9-1,-4-2</inkml:trace>
+</inkml:ink>
+</file>
+
+<file path=ppt/ink/ink58.xml><?xml version="1.0" encoding="utf-8"?>
+<inkml:ink xmlns:inkml="http://www.w3.org/2003/InkML">
+  <inkml:definitions>
+    <inkml:context xml:id="ctx0">
+      <inkml:inkSource xml:id="inkSrc0">
+        <inkml:traceFormat>
+          <inkml:channel name="X" type="integer" min="-2.14748E9" max="2.14748E9" units="cm"/>
+          <inkml:channel name="Y" type="integer" min="-2.14748E9" max="2.14748E9" units="cm"/>
+        </inkml:traceFormat>
+        <inkml:channelProperties>
+          <inkml:channelProperty channel="X" name="resolution" value="1000" units="1/cm"/>
+          <inkml:channelProperty channel="Y" name="resolution" value="1000" units="1/cm"/>
+        </inkml:channelProperties>
+      </inkml:inkSource>
+      <inkml:timestamp xml:id="ts0" timeString="2024-05-20T06:52:26.445"/>
+    </inkml:context>
+    <inkml:brush xml:id="br0">
+      <inkml:brushProperty name="width" value="0.2" units="cm"/>
+      <inkml:brushProperty name="height" value="0.4" units="cm"/>
+      <inkml:brushProperty name="color" value="#00F900"/>
+      <inkml:brushProperty name="tip" value="rectangle"/>
+      <inkml:brushProperty name="rasterOp" value="maskPen"/>
+    </inkml:brush>
+  </inkml:definitions>
+  <inkml:trace contextRef="#ctx0" brushRef="#br0">1 1,'29'60,"1"-1,2 4,2 0,6 2,3 1,4 5,1 2,3 5,0 0,2 3,1 0,-2-3,-1-1,-2-5,0-2,-6-8,1-2,-3-6,-1-2,-2-4,-2-1,-1-5,-1-1,-1-2,-1-1,25 30,-5-2,-5-3,-6-6,-5-6,-8-12,-7-12,-4-2,7 9,19 20,23 21,-24-30,2 2,1 1,1 1,-2 0,-1 1,1 0,-1 2,-1 1,1 0,0 2,0 2,0 1,0 0,-1 0,-1 0,0-2,0-1,0-2,-1 0,-1-4,-1-1,-3-3,1 1,3 5,2 1,2 4,1 2,5 6,2 1,5 5,1 1,-3-3,0-1,2 1,0-1,-2-3,-1-2,-1-2,-1-1,-1-3,-2 0,-4-5,-2-1,-2-2,-1 1,-1-2,-1 1,1 2,1 1,3 2,1 0,0 2,1 1,0-1,1 0,0 1,0-1,-2 1,1-1,-2-3,-1 0,-2-1,0-1,-1-1,0-1,-2-2,1 0,0 2,0 0,0-1,0 0,-2 0,1-1,-1-1,0 0,-1-2,0-1,0 1,0-1,2 0,-1-1,0-3,0 0,28 31,-6-8,-4-4,3 4,8 11,-29-32,1 1,2 4,2 0,1 3,1 1,1 2,2 1,2 1,0 1,0-2,0-1,-2-3,-1-2,-3-4,-2-2,27 27,-4-6,-3-5,2-2,0 3,0 0,-3-1,-4-1,-5-4,-1-3,-4-5,0-5,-2 0,-2-2,-1-2,1-1,-3-4,0-3,-1-2,-1-3,-1 1,-3-5,-5-4,-4-3,0-4,1 0,0-2,-1-1,-7-1,-6 1,-4 11,-1 15,7 22,9 19,8 6,5 2,1-11,-1-11,1-9,1-9,-2-5,-2-2,-4-4,-3 1,-3-2,-3-1,0 0,-3-5,-4-1,-3-5,-1-3,1 0,3 1,3 2,1 3,4 0,4-1,0-1,0 1,-4 0,-1 1,-1 0,-1 0,-4-4,-3-4,-5-3,4 9,-1 8,5 32,-6-28,-1 9</inkml:trace>
+</inkml:ink>
+</file>
+
+<file path=ppt/ink/ink59.xml><?xml version="1.0" encoding="utf-8"?>
+<inkml:ink xmlns:inkml="http://www.w3.org/2003/InkML">
+  <inkml:definitions>
+    <inkml:context xml:id="ctx0">
+      <inkml:inkSource xml:id="inkSrc0">
+        <inkml:traceFormat>
+          <inkml:channel name="X" type="integer" min="-2.14748E9" max="2.14748E9" units="cm"/>
+          <inkml:channel name="Y" type="integer" min="-2.14748E9" max="2.14748E9" units="cm"/>
+        </inkml:traceFormat>
+        <inkml:channelProperties>
+          <inkml:channelProperty channel="X" name="resolution" value="1000" units="1/cm"/>
+          <inkml:channelProperty channel="Y" name="resolution" value="1000" units="1/cm"/>
+        </inkml:channelProperties>
+      </inkml:inkSource>
+      <inkml:timestamp xml:id="ts0" timeString="2024-05-20T06:52:33.029"/>
+    </inkml:context>
+    <inkml:brush xml:id="br0">
+      <inkml:brushProperty name="width" value="0.2" units="cm"/>
+      <inkml:brushProperty name="height" value="0.4" units="cm"/>
+      <inkml:brushProperty name="color" value="#00F900"/>
+      <inkml:brushProperty name="tip" value="rectangle"/>
+      <inkml:brushProperty name="rasterOp" value="maskPen"/>
+    </inkml:brush>
+  </inkml:definitions>
+  <inkml:trace contextRef="#ctx0" brushRef="#br0">0 0,'55'0,"0"0,26 0,8 0,-8 0,5 0,4 0,-11 0,4 0,1 0,0 0,5 0,2 0,-1 0,-1 0,-4 0,0 0,-1 0,-3 0,17 0,-2 0,-3 0,-11 0,-2 0,-1 0,-2 0,-1 0,-1 0,0 0,-1 0,-1 0,0 0,-1 0,-1 0,27 0,-3 1,-14 2,-4 0,-6 2,-4 1,-10 1,-4 1,40 10,-10 1,1 5,0 2,-4 2,-5 0,-6-2,4-4,7-2,8-4,-5-2,-19-2,-21-5,-21-3,-6 0,7 2,10 1,6 2,1 1,-10-3,-11-3,-7-1,-7 1,-7 10,-8-6,-23 6,-44-12,15-1,-7-1,-27 0,-7 0,20 0,-3 0,-1 0,-2 0,-1 0,1 0,0 0,0 0,1 0,2 0,1 0,1 0,2 0,2 0,0 0,0 0,-1 0,2 0,2 0,1 0,2 0,3 0,2 0,1 0,-29 0,1 0,3 0,1 0,4 0,1 0,4 0,1 0,2 0,2 0,5 0,1 0,7-2,3 0,8 0,3-2,-30-7,22-2,21 1,15 1,7 3,-10 0,-23 0,-29-5,28 5,-1-2,-1 0,1-2,-32-11,26 3,28 5,15 3,9 5,50-1,41 5,-2 1,13 0,-14 3,5 0,4 2,-11-1,3 0,1 0,1 1,0 0,0 1,1-1,-2 1,-4 0,0 1,-2-1,-3 0,14 1,-2-1,-5 0,-11 0,-3 0,-2-1,24 1,-4-1,-9 0,-2-2,-9 1,-2-1,-2 0,-1-2,0 1,1 0,-2 0,0 0,0 1,0 1,-2 1,-1 0,-2 1,-1 1,-3 0,-1-1,-1 0,0-2,43 1,-13-3,-15 0,-21 0,-16 0,-10 0,6 0,25 0,33 0,-28-1,1 0,-1-1,-1 0,32-4,-32 1,-24 3,-18 0,-6 2</inkml:trace>
 </inkml:ink>
 </file>
 
@@ -465,6 +1697,286 @@
 </inkml:ink>
 </file>
 
+<file path=ppt/ink/ink60.xml><?xml version="1.0" encoding="utf-8"?>
+<inkml:ink xmlns:inkml="http://www.w3.org/2003/InkML">
+  <inkml:definitions>
+    <inkml:context xml:id="ctx0">
+      <inkml:inkSource xml:id="inkSrc0">
+        <inkml:traceFormat>
+          <inkml:channel name="X" type="integer" min="-2.14748E9" max="2.14748E9" units="cm"/>
+          <inkml:channel name="Y" type="integer" min="-2.14748E9" max="2.14748E9" units="cm"/>
+        </inkml:traceFormat>
+        <inkml:channelProperties>
+          <inkml:channelProperty channel="X" name="resolution" value="1000" units="1/cm"/>
+          <inkml:channelProperty channel="Y" name="resolution" value="1000" units="1/cm"/>
+        </inkml:channelProperties>
+      </inkml:inkSource>
+      <inkml:timestamp xml:id="ts0" timeString="2024-05-20T06:52:53.077"/>
+    </inkml:context>
+    <inkml:brush xml:id="br0">
+      <inkml:brushProperty name="width" value="0.2" units="cm"/>
+      <inkml:brushProperty name="height" value="0.4" units="cm"/>
+      <inkml:brushProperty name="color" value="#00F900"/>
+      <inkml:brushProperty name="tip" value="rectangle"/>
+      <inkml:brushProperty name="rasterOp" value="maskPen"/>
+    </inkml:brush>
+  </inkml:definitions>
+  <inkml:trace contextRef="#ctx0" brushRef="#br0">545 36,'-66'0,"-24"0,38 0,-3 0,0-1,2 0,-30-4,33-2,27-2,12 3,6 2,3 2</inkml:trace>
+</inkml:ink>
+</file>
+
+<file path=ppt/ink/ink61.xml><?xml version="1.0" encoding="utf-8"?>
+<inkml:ink xmlns:inkml="http://www.w3.org/2003/InkML">
+  <inkml:definitions>
+    <inkml:context xml:id="ctx0">
+      <inkml:inkSource xml:id="inkSrc0">
+        <inkml:traceFormat>
+          <inkml:channel name="X" type="integer" min="-2.14748E9" max="2.14748E9" units="cm"/>
+          <inkml:channel name="Y" type="integer" min="-2.14748E9" max="2.14748E9" units="cm"/>
+        </inkml:traceFormat>
+        <inkml:channelProperties>
+          <inkml:channelProperty channel="X" name="resolution" value="1000" units="1/cm"/>
+          <inkml:channelProperty channel="Y" name="resolution" value="1000" units="1/cm"/>
+        </inkml:channelProperties>
+      </inkml:inkSource>
+      <inkml:timestamp xml:id="ts0" timeString="2024-05-20T06:52:55.498"/>
+    </inkml:context>
+    <inkml:brush xml:id="br0">
+      <inkml:brushProperty name="width" value="0.2" units="cm"/>
+      <inkml:brushProperty name="height" value="0.4" units="cm"/>
+      <inkml:brushProperty name="color" value="#00F900"/>
+      <inkml:brushProperty name="tip" value="rectangle"/>
+      <inkml:brushProperty name="rasterOp" value="maskPen"/>
+    </inkml:brush>
+  </inkml:definitions>
+  <inkml:trace contextRef="#ctx0" brushRef="#br0">455 2021,'-36'-61,"-5"-2,3 3,-6-5,-2-5,4 4,5-2,5-2,1-6,2-5,3 1,5 6,6 11,6 12,4 12,2 4,3-6,0-9,0-16,0-3,4 5,3 10,8 7,6 4,5-1,3 4,-2 9,5 0,30-8,-10 9,7-1,17-7,6 0,-21 9,3 1,-2 1,27-10,-4 2,-18 10,-5 3,27-5,-24 17,16 8,-26 2,3 0,11 1,0 2,0 2,-3 1,-12 1,-4 2,21 15,-24 11,-8 15,7 18,5 16,-25-38,0 0,-1 2,-3 0,15 44,-10-3,-10-4,-7 3,-6 4,-4-1,0-13,-2-16,-11-11,-19 2,-26 17,18-28,-4 1,-3 3,0-1,2-4,2-2,-23 20,24-25,3-16,-25-7,12-4,-8 0,-21 3,-7 1,22-3,-1 0,-1 0,0 0,0 0,2-1,-23 3,4-2,20-2,5-2,-21 2,30-7,15-10,-4-8,-12-10,-5-3,3-1,15 6,19 11,13 7</inkml:trace>
+</inkml:ink>
+</file>
+
+<file path=ppt/ink/ink62.xml><?xml version="1.0" encoding="utf-8"?>
+<inkml:ink xmlns:inkml="http://www.w3.org/2003/InkML">
+  <inkml:definitions>
+    <inkml:context xml:id="ctx0">
+      <inkml:inkSource xml:id="inkSrc0">
+        <inkml:traceFormat>
+          <inkml:channel name="X" type="integer" min="-2.14748E9" max="2.14748E9" units="cm"/>
+          <inkml:channel name="Y" type="integer" min="-2.14748E9" max="2.14748E9" units="cm"/>
+        </inkml:traceFormat>
+        <inkml:channelProperties>
+          <inkml:channelProperty channel="X" name="resolution" value="1000" units="1/cm"/>
+          <inkml:channelProperty channel="Y" name="resolution" value="1000" units="1/cm"/>
+        </inkml:channelProperties>
+      </inkml:inkSource>
+      <inkml:timestamp xml:id="ts0" timeString="2024-05-20T06:53:05.194"/>
+    </inkml:context>
+    <inkml:brush xml:id="br0">
+      <inkml:brushProperty name="width" value="0.2" units="cm"/>
+      <inkml:brushProperty name="height" value="0.4" units="cm"/>
+      <inkml:brushProperty name="color" value="#00F900"/>
+      <inkml:brushProperty name="tip" value="rectangle"/>
+      <inkml:brushProperty name="rasterOp" value="maskPen"/>
+    </inkml:brush>
+  </inkml:definitions>
+  <inkml:trace contextRef="#ctx0" brushRef="#br0">0 11,'90'0,"-34"0,3 0,18 0,4 0,4 0,2 0,3 0,-1 0,-7 0,-2 0,-7 0,-2 0,-2 0,-2 0,-5 0,-2 0,-4-1,-3 0,38-2,-18 0,-18 0,-15 3,-10 0,-11 0,-7 0,-6 0</inkml:trace>
+</inkml:ink>
+</file>
+
+<file path=ppt/ink/ink63.xml><?xml version="1.0" encoding="utf-8"?>
+<inkml:ink xmlns:inkml="http://www.w3.org/2003/InkML">
+  <inkml:definitions>
+    <inkml:context xml:id="ctx0">
+      <inkml:inkSource xml:id="inkSrc0">
+        <inkml:traceFormat>
+          <inkml:channel name="X" type="integer" min="-2.14748E9" max="2.14748E9" units="cm"/>
+          <inkml:channel name="Y" type="integer" min="-2.14748E9" max="2.14748E9" units="cm"/>
+        </inkml:traceFormat>
+        <inkml:channelProperties>
+          <inkml:channelProperty channel="X" name="resolution" value="1000" units="1/cm"/>
+          <inkml:channelProperty channel="Y" name="resolution" value="1000" units="1/cm"/>
+        </inkml:channelProperties>
+      </inkml:inkSource>
+      <inkml:timestamp xml:id="ts0" timeString="2024-05-20T06:53:13.743"/>
+    </inkml:context>
+    <inkml:brush xml:id="br0">
+      <inkml:brushProperty name="width" value="0.2" units="cm"/>
+      <inkml:brushProperty name="height" value="0.4" units="cm"/>
+      <inkml:brushProperty name="color" value="#FFACD5"/>
+      <inkml:brushProperty name="tip" value="rectangle"/>
+      <inkml:brushProperty name="rasterOp" value="maskPen"/>
+    </inkml:brush>
+  </inkml:definitions>
+  <inkml:trace contextRef="#ctx0" brushRef="#br0">1 0,'0'0</inkml:trace>
+</inkml:ink>
+</file>
+
+<file path=ppt/ink/ink64.xml><?xml version="1.0" encoding="utf-8"?>
+<inkml:ink xmlns:inkml="http://www.w3.org/2003/InkML">
+  <inkml:definitions>
+    <inkml:context xml:id="ctx0">
+      <inkml:inkSource xml:id="inkSrc0">
+        <inkml:traceFormat>
+          <inkml:channel name="X" type="integer" min="-2.14748E9" max="2.14748E9" units="cm"/>
+          <inkml:channel name="Y" type="integer" min="-2.14748E9" max="2.14748E9" units="cm"/>
+        </inkml:traceFormat>
+        <inkml:channelProperties>
+          <inkml:channelProperty channel="X" name="resolution" value="1000" units="1/cm"/>
+          <inkml:channelProperty channel="Y" name="resolution" value="1000" units="1/cm"/>
+        </inkml:channelProperties>
+      </inkml:inkSource>
+      <inkml:timestamp xml:id="ts0" timeString="2024-05-20T06:53:16.994"/>
+    </inkml:context>
+    <inkml:brush xml:id="br0">
+      <inkml:brushProperty name="width" value="0.2" units="cm"/>
+      <inkml:brushProperty name="height" value="0.4" units="cm"/>
+      <inkml:brushProperty name="color" value="#FFACD5"/>
+      <inkml:brushProperty name="tip" value="rectangle"/>
+      <inkml:brushProperty name="rasterOp" value="maskPen"/>
+    </inkml:brush>
+  </inkml:definitions>
+  <inkml:trace contextRef="#ctx0" brushRef="#br0">1449 1223,'-60'0,"-5"0,-4 0,6 0,6-3,-12-14,17 1,-7-4,-18-9,-7-4,21 7,-3-1,0-1,-1-2,1 0,1-1,-19-14,5 0,17 6,6 0,-15-26,37 20,22 11,9 3,3-11,6-21,11-17,10-6,8 12,0 21,3 18,30 7,-14 10,7 2,21-1,7 1,-21 5,3 1,1 1,2 1,0 1,1 2,-2 1,1 2,-2 0,-3 0,0 1,-2 0,29 1,-3 2,-7 2,-4 3,-9 1,-4 5,-10 1,-3 4,-6 3,-3 3,-1 1,-2 3,1 3,0 2,0 2,0-1,-5-1,-2-2,22 23,-20-16,-19-12,-10-2,-6 7,-4 10,-1 6,-12 10,-19 3,-36 9,13-27,-8-2,-10 1,-6-3,-12 1,-3-5,-2-3,-1-6,3-6,1-4,1-5,2-2,6-3,2-2,6-2,3-1,10 0,3 0,-34-2,32-3,28-3,19-2,11 2,3 1</inkml:trace>
+</inkml:ink>
+</file>
+
+<file path=ppt/ink/ink65.xml><?xml version="1.0" encoding="utf-8"?>
+<inkml:ink xmlns:inkml="http://www.w3.org/2003/InkML">
+  <inkml:definitions>
+    <inkml:context xml:id="ctx0">
+      <inkml:inkSource xml:id="inkSrc0">
+        <inkml:traceFormat>
+          <inkml:channel name="X" type="integer" min="-2.14748E9" max="2.14748E9" units="cm"/>
+          <inkml:channel name="Y" type="integer" min="-2.14748E9" max="2.14748E9" units="cm"/>
+        </inkml:traceFormat>
+        <inkml:channelProperties>
+          <inkml:channelProperty channel="X" name="resolution" value="1000" units="1/cm"/>
+          <inkml:channelProperty channel="Y" name="resolution" value="1000" units="1/cm"/>
+        </inkml:channelProperties>
+      </inkml:inkSource>
+      <inkml:timestamp xml:id="ts0" timeString="2024-05-20T06:53:24.493"/>
+    </inkml:context>
+    <inkml:brush xml:id="br0">
+      <inkml:brushProperty name="width" value="0.2" units="cm"/>
+      <inkml:brushProperty name="height" value="0.4" units="cm"/>
+      <inkml:brushProperty name="color" value="#FFACD5"/>
+      <inkml:brushProperty name="tip" value="rectangle"/>
+      <inkml:brushProperty name="rasterOp" value="maskPen"/>
+    </inkml:brush>
+  </inkml:definitions>
+  <inkml:trace contextRef="#ctx0" brushRef="#br0">765 1746,'-35'0,"6"0,15 0,-3-3,-12-10,-25-16,-20-16,30 17,0-1,-1-1,2-1,-35-29,10 1,13 2,10-1,10 0,11 2,7 5,8 12,5 7,3 2,1-14,2-20,7-20,7-9,9 1,8 2,8 2,4 5,1 5,2 11,3 10,6 8,6 6,7 6,5 6,6 10,1 9,2 8,12 4,-42-1,1 2,7-1,1 2,7 1,1 3,-1 1,-1 2,-2 2,-3 1,-4 1,-4 0,38 12,-15 5,-7 9,2 13,0 10,-2 2,-11-2,-15-2,-9 4,-9 9,-7 7,-9 4,-7 4,-10 4,-15 4,3-47,-4-1,-27 35,1-18,2-15,-10-5,-23 5,25-19,-4 0,-7 2,-2-2,-3 0,-1-3,1-3,-1-4,4-5,-2-4,-4-3,-3-3,-5-6,-3-5,-7-5,-1-5,-4-4,0-3,5-3,3-2,7 2,5 0,11 4,5 2,-27-9,29 12,29 9,14 5</inkml:trace>
+</inkml:ink>
+</file>
+
+<file path=ppt/ink/ink66.xml><?xml version="1.0" encoding="utf-8"?>
+<inkml:ink xmlns:inkml="http://www.w3.org/2003/InkML">
+  <inkml:definitions>
+    <inkml:context xml:id="ctx0">
+      <inkml:inkSource xml:id="inkSrc0">
+        <inkml:traceFormat>
+          <inkml:channel name="X" type="integer" min="-2.14748E9" max="2.14748E9" units="cm"/>
+          <inkml:channel name="Y" type="integer" min="-2.14748E9" max="2.14748E9" units="cm"/>
+        </inkml:traceFormat>
+        <inkml:channelProperties>
+          <inkml:channelProperty channel="X" name="resolution" value="1000" units="1/cm"/>
+          <inkml:channelProperty channel="Y" name="resolution" value="1000" units="1/cm"/>
+        </inkml:channelProperties>
+      </inkml:inkSource>
+      <inkml:timestamp xml:id="ts0" timeString="2024-05-20T06:57:00.522"/>
+    </inkml:context>
+    <inkml:brush xml:id="br0">
+      <inkml:brushProperty name="width" value="0.2" units="cm"/>
+      <inkml:brushProperty name="height" value="0.4" units="cm"/>
+      <inkml:brushProperty name="color" value="#FFACD5"/>
+      <inkml:brushProperty name="tip" value="rectangle"/>
+      <inkml:brushProperty name="rasterOp" value="maskPen"/>
+    </inkml:brush>
+  </inkml:definitions>
+  <inkml:trace contextRef="#ctx0" brushRef="#br0">1 0,'62'0,"15"0,22 0,-48 0,-1 0,49 0,-11 0,-11 0,-15 0,-20 0,-15 0,-12 0,-7 0,-4 0</inkml:trace>
+</inkml:ink>
+</file>
+
+<file path=ppt/ink/ink67.xml><?xml version="1.0" encoding="utf-8"?>
+<inkml:ink xmlns:inkml="http://www.w3.org/2003/InkML">
+  <inkml:definitions>
+    <inkml:context xml:id="ctx0">
+      <inkml:inkSource xml:id="inkSrc0">
+        <inkml:traceFormat>
+          <inkml:channel name="X" type="integer" min="-2.14748E9" max="2.14748E9" units="cm"/>
+          <inkml:channel name="Y" type="integer" min="-2.14748E9" max="2.14748E9" units="cm"/>
+        </inkml:traceFormat>
+        <inkml:channelProperties>
+          <inkml:channelProperty channel="X" name="resolution" value="1000" units="1/cm"/>
+          <inkml:channelProperty channel="Y" name="resolution" value="1000" units="1/cm"/>
+        </inkml:channelProperties>
+      </inkml:inkSource>
+      <inkml:timestamp xml:id="ts0" timeString="2024-05-20T06:57:02.055"/>
+    </inkml:context>
+    <inkml:brush xml:id="br0">
+      <inkml:brushProperty name="width" value="0.2" units="cm"/>
+      <inkml:brushProperty name="height" value="0.4" units="cm"/>
+      <inkml:brushProperty name="color" value="#FFACD5"/>
+      <inkml:brushProperty name="tip" value="rectangle"/>
+      <inkml:brushProperty name="rasterOp" value="maskPen"/>
+    </inkml:brush>
+  </inkml:definitions>
+  <inkml:trace contextRef="#ctx0" brushRef="#br0">1 0,'68'0,"0"0,13 0,4 0,-19 0,2 1,1-1,0 1,0 1,-3 0,23 1,-7 1,-20 0,-6 0,16 3,-37-3,-17-2,-9-1,-3-1</inkml:trace>
+</inkml:ink>
+</file>
+
+<file path=ppt/ink/ink68.xml><?xml version="1.0" encoding="utf-8"?>
+<inkml:ink xmlns:inkml="http://www.w3.org/2003/InkML">
+  <inkml:definitions>
+    <inkml:context xml:id="ctx0">
+      <inkml:inkSource xml:id="inkSrc0">
+        <inkml:traceFormat>
+          <inkml:channel name="X" type="integer" min="-2.14748E9" max="2.14748E9" units="cm"/>
+          <inkml:channel name="Y" type="integer" min="-2.14748E9" max="2.14748E9" units="cm"/>
+        </inkml:traceFormat>
+        <inkml:channelProperties>
+          <inkml:channelProperty channel="X" name="resolution" value="1000" units="1/cm"/>
+          <inkml:channelProperty channel="Y" name="resolution" value="1000" units="1/cm"/>
+        </inkml:channelProperties>
+      </inkml:inkSource>
+      <inkml:timestamp xml:id="ts0" timeString="2024-05-20T06:57:53.453"/>
+    </inkml:context>
+    <inkml:brush xml:id="br0">
+      <inkml:brushProperty name="width" value="0.2" units="cm"/>
+      <inkml:brushProperty name="height" value="0.4" units="cm"/>
+      <inkml:brushProperty name="color" value="#FFFC00"/>
+      <inkml:brushProperty name="tip" value="rectangle"/>
+      <inkml:brushProperty name="rasterOp" value="maskPen"/>
+    </inkml:brush>
+  </inkml:definitions>
+  <inkml:trace contextRef="#ctx0" brushRef="#br0">1 1,'57'0,"20"0,10 0,-5 0,-24 0,-28 0,-15 0,-8 0,2 6,0 2</inkml:trace>
+</inkml:ink>
+</file>
+
+<file path=ppt/ink/ink69.xml><?xml version="1.0" encoding="utf-8"?>
+<inkml:ink xmlns:inkml="http://www.w3.org/2003/InkML">
+  <inkml:definitions>
+    <inkml:context xml:id="ctx0">
+      <inkml:inkSource xml:id="inkSrc0">
+        <inkml:traceFormat>
+          <inkml:channel name="X" type="integer" min="-2.14748E9" max="2.14748E9" units="cm"/>
+          <inkml:channel name="Y" type="integer" min="-2.14748E9" max="2.14748E9" units="cm"/>
+        </inkml:traceFormat>
+        <inkml:channelProperties>
+          <inkml:channelProperty channel="X" name="resolution" value="1000" units="1/cm"/>
+          <inkml:channelProperty channel="Y" name="resolution" value="1000" units="1/cm"/>
+        </inkml:channelProperties>
+      </inkml:inkSource>
+      <inkml:timestamp xml:id="ts0" timeString="2024-05-20T06:57:54.637"/>
+    </inkml:context>
+    <inkml:brush xml:id="br0">
+      <inkml:brushProperty name="width" value="0.2" units="cm"/>
+      <inkml:brushProperty name="height" value="0.4" units="cm"/>
+      <inkml:brushProperty name="color" value="#FFFC00"/>
+      <inkml:brushProperty name="tip" value="rectangle"/>
+      <inkml:brushProperty name="rasterOp" value="maskPen"/>
+    </inkml:brush>
+  </inkml:definitions>
+  <inkml:trace contextRef="#ctx0" brushRef="#br0">1 0,'74'0,"23"0,-42 0,0 0,1 0,-3 0,21 0,-29 0,-26 0,-13 0</inkml:trace>
+</inkml:ink>
+</file>
+
 <file path=ppt/ink/ink7.xml><?xml version="1.0" encoding="utf-8"?>
 <inkml:ink xmlns:inkml="http://www.w3.org/2003/InkML">
   <inkml:definitions>
@@ -490,6 +2002,62 @@
     </inkml:brush>
   </inkml:definitions>
   <inkml:trace contextRef="#ctx0" brushRef="#br0">1 46,'75'0,"0"0,21 0,8 0,-15 0,5 0,5 0,-13 0,2 0,3 0,1 0,-12 0,2 0,1 0,1 0,0 0,3 0,1 0,1 0,0 0,-1 0,0 0,0 0,0 0,0 0,-1 0,-3 0,1 0,-2-1,0 2,-1-1,15 0,0 0,-3 1,-1 0,-8 1,-2 0,-1 0,-2 1,18 2,-2 1,-3 1,-10 0,-4 1,0 1,-7-1,-2 0,-1 1,28 2,-3 1,-7-3,-1-1,-3-1,-3-2,-7 0,-2-2,-7-1,-2-1,-7 0,-1 0,42-1,-15 0,-13 0,-7 0,-9 0,-7 2,-8 0,-10 1,-8 1,0-3,15 1,1-2,10 2,-13 0,-9 0,-8-1,17 2,-2-2,21 2,-1-3,1 0,-10 0,-10 0,-13 0,6 0,28 0,-1-2,9-1,25-4,7-3,-17 2,4-2,1-1,2-1,1-1,-1-1,-2 1,0-1,-2 1,-6 1,0 1,-3 0,20-3,-3 1,-10 5,-3 0,-12 4,-5 0,32 2,-14 2,-14 0,-10 0,-11 0,-14 0,-10 0,-5 0</inkml:trace>
+</inkml:ink>
+</file>
+
+<file path=ppt/ink/ink70.xml><?xml version="1.0" encoding="utf-8"?>
+<inkml:ink xmlns:inkml="http://www.w3.org/2003/InkML">
+  <inkml:definitions>
+    <inkml:context xml:id="ctx0">
+      <inkml:inkSource xml:id="inkSrc0">
+        <inkml:traceFormat>
+          <inkml:channel name="X" type="integer" min="-2.14748E9" max="2.14748E9" units="cm"/>
+          <inkml:channel name="Y" type="integer" min="-2.14748E9" max="2.14748E9" units="cm"/>
+        </inkml:traceFormat>
+        <inkml:channelProperties>
+          <inkml:channelProperty channel="X" name="resolution" value="1000" units="1/cm"/>
+          <inkml:channelProperty channel="Y" name="resolution" value="1000" units="1/cm"/>
+        </inkml:channelProperties>
+      </inkml:inkSource>
+      <inkml:timestamp xml:id="ts0" timeString="2024-05-20T07:08:42.906"/>
+    </inkml:context>
+    <inkml:brush xml:id="br0">
+      <inkml:brushProperty name="width" value="0.2" units="cm"/>
+      <inkml:brushProperty name="height" value="0.4" units="cm"/>
+      <inkml:brushProperty name="color" value="#FFFC00"/>
+      <inkml:brushProperty name="tip" value="rectangle"/>
+      <inkml:brushProperty name="rasterOp" value="maskPen"/>
+    </inkml:brush>
+  </inkml:definitions>
+  <inkml:trace contextRef="#ctx0" brushRef="#br0">0 1,'59'0,"32"0,-35 0,2 0,3 0,-1 0,36 0,-35 0,-27 0,0 1,13 5,16 3,9 2,-9-1,-19-3,-21-2,-14-3,-9 0</inkml:trace>
+</inkml:ink>
+</file>
+
+<file path=ppt/ink/ink71.xml><?xml version="1.0" encoding="utf-8"?>
+<inkml:ink xmlns:inkml="http://www.w3.org/2003/InkML">
+  <inkml:definitions>
+    <inkml:context xml:id="ctx0">
+      <inkml:inkSource xml:id="inkSrc0">
+        <inkml:traceFormat>
+          <inkml:channel name="X" type="integer" min="-2.14748E9" max="2.14748E9" units="cm"/>
+          <inkml:channel name="Y" type="integer" min="-2.14748E9" max="2.14748E9" units="cm"/>
+        </inkml:traceFormat>
+        <inkml:channelProperties>
+          <inkml:channelProperty channel="X" name="resolution" value="1000" units="1/cm"/>
+          <inkml:channelProperty channel="Y" name="resolution" value="1000" units="1/cm"/>
+        </inkml:channelProperties>
+      </inkml:inkSource>
+      <inkml:timestamp xml:id="ts0" timeString="2024-05-20T07:08:48.457"/>
+    </inkml:context>
+    <inkml:brush xml:id="br0">
+      <inkml:brushProperty name="width" value="0.2" units="cm"/>
+      <inkml:brushProperty name="height" value="0.4" units="cm"/>
+      <inkml:brushProperty name="color" value="#FFFC00"/>
+      <inkml:brushProperty name="tip" value="rectangle"/>
+      <inkml:brushProperty name="rasterOp" value="maskPen"/>
+    </inkml:brush>
+  </inkml:definitions>
+  <inkml:trace contextRef="#ctx0" brushRef="#br0">0 1,'55'0,"38"0,-34 1,3 1,13 1,1 1,-3-1,-3 1,-16 0,-6 0,16 0,-33-1,-18-1,-5-1,2-1,1 0,0 0,1 0,-4 0,3-2,-1 0,0-5,-2 2,0-3</inkml:trace>
 </inkml:ink>
 </file>
 
@@ -696,7 +2264,7 @@
           <a:p>
             <a:fld id="{946D7A36-F86F-41AC-8E25-10121D59FE00}" type="datetimeFigureOut">
               <a:rPr kumimoji="1" lang="ja-JP" altLang="en-US" smtClean="0"/>
-              <a:t>2023/10/24</a:t>
+              <a:t>2024/5/20</a:t>
             </a:fld>
             <a:endParaRPr kumimoji="1" lang="ja-JP" altLang="en-US"/>
           </a:p>
@@ -926,7 +2494,7 @@
           <a:p>
             <a:fld id="{946D7A36-F86F-41AC-8E25-10121D59FE00}" type="datetimeFigureOut">
               <a:rPr kumimoji="1" lang="ja-JP" altLang="en-US" smtClean="0"/>
-              <a:t>2023/10/24</a:t>
+              <a:t>2024/5/20</a:t>
             </a:fld>
             <a:endParaRPr kumimoji="1" lang="ja-JP" altLang="en-US"/>
           </a:p>
@@ -1166,7 +2734,7 @@
           <a:p>
             <a:fld id="{946D7A36-F86F-41AC-8E25-10121D59FE00}" type="datetimeFigureOut">
               <a:rPr kumimoji="1" lang="ja-JP" altLang="en-US" smtClean="0"/>
-              <a:t>2023/10/24</a:t>
+              <a:t>2024/5/20</a:t>
             </a:fld>
             <a:endParaRPr kumimoji="1" lang="ja-JP" altLang="en-US"/>
           </a:p>
@@ -1396,7 +2964,7 @@
           <a:p>
             <a:fld id="{946D7A36-F86F-41AC-8E25-10121D59FE00}" type="datetimeFigureOut">
               <a:rPr kumimoji="1" lang="ja-JP" altLang="en-US" smtClean="0"/>
-              <a:t>2023/10/24</a:t>
+              <a:t>2024/5/20</a:t>
             </a:fld>
             <a:endParaRPr kumimoji="1" lang="ja-JP" altLang="en-US"/>
           </a:p>
@@ -1671,7 +3239,7 @@
           <a:p>
             <a:fld id="{946D7A36-F86F-41AC-8E25-10121D59FE00}" type="datetimeFigureOut">
               <a:rPr kumimoji="1" lang="ja-JP" altLang="en-US" smtClean="0"/>
-              <a:t>2023/10/24</a:t>
+              <a:t>2024/5/20</a:t>
             </a:fld>
             <a:endParaRPr kumimoji="1" lang="ja-JP" altLang="en-US"/>
           </a:p>
@@ -2000,7 +3568,7 @@
           <a:p>
             <a:fld id="{946D7A36-F86F-41AC-8E25-10121D59FE00}" type="datetimeFigureOut">
               <a:rPr kumimoji="1" lang="ja-JP" altLang="en-US" smtClean="0"/>
-              <a:t>2023/10/24</a:t>
+              <a:t>2024/5/20</a:t>
             </a:fld>
             <a:endParaRPr kumimoji="1" lang="ja-JP" altLang="en-US"/>
           </a:p>
@@ -2476,7 +4044,7 @@
           <a:p>
             <a:fld id="{946D7A36-F86F-41AC-8E25-10121D59FE00}" type="datetimeFigureOut">
               <a:rPr kumimoji="1" lang="ja-JP" altLang="en-US" smtClean="0"/>
-              <a:t>2023/10/24</a:t>
+              <a:t>2024/5/20</a:t>
             </a:fld>
             <a:endParaRPr kumimoji="1" lang="ja-JP" altLang="en-US"/>
           </a:p>
@@ -2617,7 +4185,7 @@
           <a:p>
             <a:fld id="{946D7A36-F86F-41AC-8E25-10121D59FE00}" type="datetimeFigureOut">
               <a:rPr kumimoji="1" lang="ja-JP" altLang="en-US" smtClean="0"/>
-              <a:t>2023/10/24</a:t>
+              <a:t>2024/5/20</a:t>
             </a:fld>
             <a:endParaRPr kumimoji="1" lang="ja-JP" altLang="en-US"/>
           </a:p>
@@ -2730,7 +4298,7 @@
           <a:p>
             <a:fld id="{946D7A36-F86F-41AC-8E25-10121D59FE00}" type="datetimeFigureOut">
               <a:rPr kumimoji="1" lang="ja-JP" altLang="en-US" smtClean="0"/>
-              <a:t>2023/10/24</a:t>
+              <a:t>2024/5/20</a:t>
             </a:fld>
             <a:endParaRPr kumimoji="1" lang="ja-JP" altLang="en-US"/>
           </a:p>
@@ -3073,7 +4641,7 @@
           <a:p>
             <a:fld id="{946D7A36-F86F-41AC-8E25-10121D59FE00}" type="datetimeFigureOut">
               <a:rPr kumimoji="1" lang="ja-JP" altLang="en-US" smtClean="0"/>
-              <a:t>2023/10/24</a:t>
+              <a:t>2024/5/20</a:t>
             </a:fld>
             <a:endParaRPr kumimoji="1" lang="ja-JP" altLang="en-US"/>
           </a:p>
@@ -3361,7 +4929,7 @@
           <a:p>
             <a:fld id="{946D7A36-F86F-41AC-8E25-10121D59FE00}" type="datetimeFigureOut">
               <a:rPr kumimoji="1" lang="ja-JP" altLang="en-US" smtClean="0"/>
-              <a:t>2023/10/24</a:t>
+              <a:t>2024/5/20</a:t>
             </a:fld>
             <a:endParaRPr kumimoji="1" lang="ja-JP" altLang="en-US"/>
           </a:p>
@@ -3634,7 +5202,7 @@
           <a:p>
             <a:fld id="{946D7A36-F86F-41AC-8E25-10121D59FE00}" type="datetimeFigureOut">
               <a:rPr kumimoji="1" lang="ja-JP" altLang="en-US" smtClean="0"/>
-              <a:t>2023/10/24</a:t>
+              <a:t>2024/5/20</a:t>
             </a:fld>
             <a:endParaRPr kumimoji="1" lang="ja-JP" altLang="en-US"/>
           </a:p>
@@ -4121,8 +5689,8 @@
           </a:p>
         </p:txBody>
       </p:sp>
-      <mc:AlternateContent xmlns:mc="http://schemas.openxmlformats.org/markup-compatibility/2006">
-        <mc:Choice xmlns:p14="http://schemas.microsoft.com/office/powerpoint/2010/main" Requires="p14">
+      <mc:AlternateContent xmlns:mc="http://schemas.openxmlformats.org/markup-compatibility/2006" xmlns:p14="http://schemas.microsoft.com/office/powerpoint/2010/main">
+        <mc:Choice Requires="p14">
           <p:contentPart p14:bwMode="auto" r:id="rId2">
             <p14:nvContentPartPr>
               <p14:cNvPr id="4" name="Ink 3">
@@ -4141,7 +5709,7 @@
             </p14:xfrm>
           </p:contentPart>
         </mc:Choice>
-        <mc:Fallback>
+        <mc:Fallback xmlns="">
           <p:pic>
             <p:nvPicPr>
               <p:cNvPr id="4" name="Ink 3">
@@ -11056,8 +12624,8 @@
           </a:p>
         </p:txBody>
       </p:sp>
-      <mc:AlternateContent xmlns:mc="http://schemas.openxmlformats.org/markup-compatibility/2006">
-        <mc:Choice xmlns:p14="http://schemas.microsoft.com/office/powerpoint/2010/main" Requires="p14">
+      <mc:AlternateContent xmlns:mc="http://schemas.openxmlformats.org/markup-compatibility/2006" xmlns:p14="http://schemas.microsoft.com/office/powerpoint/2010/main">
+        <mc:Choice Requires="p14">
           <p:contentPart p14:bwMode="auto" r:id="rId3">
             <p14:nvContentPartPr>
               <p14:cNvPr id="4" name="Ink 3">
@@ -11076,7 +12644,7 @@
             </p14:xfrm>
           </p:contentPart>
         </mc:Choice>
-        <mc:Fallback>
+        <mc:Fallback xmlns="">
           <p:pic>
             <p:nvPicPr>
               <p:cNvPr id="4" name="Ink 3">
@@ -11107,8 +12675,8 @@
           </p:pic>
         </mc:Fallback>
       </mc:AlternateContent>
-      <mc:AlternateContent xmlns:mc="http://schemas.openxmlformats.org/markup-compatibility/2006">
-        <mc:Choice xmlns:p14="http://schemas.microsoft.com/office/powerpoint/2010/main" Requires="p14">
+      <mc:AlternateContent xmlns:mc="http://schemas.openxmlformats.org/markup-compatibility/2006" xmlns:p14="http://schemas.microsoft.com/office/powerpoint/2010/main">
+        <mc:Choice Requires="p14">
           <p:contentPart p14:bwMode="auto" r:id="rId5">
             <p14:nvContentPartPr>
               <p14:cNvPr id="6" name="Ink 5">
@@ -11127,7 +12695,7 @@
             </p14:xfrm>
           </p:contentPart>
         </mc:Choice>
-        <mc:Fallback>
+        <mc:Fallback xmlns="">
           <p:pic>
             <p:nvPicPr>
               <p:cNvPr id="6" name="Ink 5">
@@ -11158,8 +12726,8 @@
           </p:pic>
         </mc:Fallback>
       </mc:AlternateContent>
-      <mc:AlternateContent xmlns:mc="http://schemas.openxmlformats.org/markup-compatibility/2006">
-        <mc:Choice xmlns:p14="http://schemas.microsoft.com/office/powerpoint/2010/main" Requires="p14">
+      <mc:AlternateContent xmlns:mc="http://schemas.openxmlformats.org/markup-compatibility/2006" xmlns:p14="http://schemas.microsoft.com/office/powerpoint/2010/main">
+        <mc:Choice Requires="p14">
           <p:contentPart p14:bwMode="auto" r:id="rId7">
             <p14:nvContentPartPr>
               <p14:cNvPr id="7" name="Ink 6">
@@ -11178,7 +12746,7 @@
             </p14:xfrm>
           </p:contentPart>
         </mc:Choice>
-        <mc:Fallback>
+        <mc:Fallback xmlns="">
           <p:pic>
             <p:nvPicPr>
               <p:cNvPr id="7" name="Ink 6">
@@ -11209,8 +12777,8 @@
           </p:pic>
         </mc:Fallback>
       </mc:AlternateContent>
-      <mc:AlternateContent xmlns:mc="http://schemas.openxmlformats.org/markup-compatibility/2006">
-        <mc:Choice xmlns:p14="http://schemas.microsoft.com/office/powerpoint/2010/main" Requires="p14">
+      <mc:AlternateContent xmlns:mc="http://schemas.openxmlformats.org/markup-compatibility/2006" xmlns:p14="http://schemas.microsoft.com/office/powerpoint/2010/main">
+        <mc:Choice Requires="p14">
           <p:contentPart p14:bwMode="auto" r:id="rId9">
             <p14:nvContentPartPr>
               <p14:cNvPr id="9" name="Ink 8">
@@ -11229,7 +12797,7 @@
             </p14:xfrm>
           </p:contentPart>
         </mc:Choice>
-        <mc:Fallback>
+        <mc:Fallback xmlns="">
           <p:pic>
             <p:nvPicPr>
               <p:cNvPr id="9" name="Ink 8">
@@ -11260,8 +12828,8 @@
           </p:pic>
         </mc:Fallback>
       </mc:AlternateContent>
-      <mc:AlternateContent xmlns:mc="http://schemas.openxmlformats.org/markup-compatibility/2006">
-        <mc:Choice xmlns:p14="http://schemas.microsoft.com/office/powerpoint/2010/main" Requires="p14">
+      <mc:AlternateContent xmlns:mc="http://schemas.openxmlformats.org/markup-compatibility/2006" xmlns:p14="http://schemas.microsoft.com/office/powerpoint/2010/main">
+        <mc:Choice Requires="p14">
           <p:contentPart p14:bwMode="auto" r:id="rId11">
             <p14:nvContentPartPr>
               <p14:cNvPr id="10" name="Ink 9">
@@ -11280,7 +12848,7 @@
             </p14:xfrm>
           </p:contentPart>
         </mc:Choice>
-        <mc:Fallback>
+        <mc:Fallback xmlns="">
           <p:pic>
             <p:nvPicPr>
               <p:cNvPr id="10" name="Ink 9">
@@ -11311,8 +12879,8 @@
           </p:pic>
         </mc:Fallback>
       </mc:AlternateContent>
-      <mc:AlternateContent xmlns:mc="http://schemas.openxmlformats.org/markup-compatibility/2006">
-        <mc:Choice xmlns:p14="http://schemas.microsoft.com/office/powerpoint/2010/main" Requires="p14">
+      <mc:AlternateContent xmlns:mc="http://schemas.openxmlformats.org/markup-compatibility/2006" xmlns:p14="http://schemas.microsoft.com/office/powerpoint/2010/main">
+        <mc:Choice Requires="p14">
           <p:contentPart p14:bwMode="auto" r:id="rId13">
             <p14:nvContentPartPr>
               <p14:cNvPr id="11" name="Ink 10">
@@ -11331,7 +12899,7 @@
             </p14:xfrm>
           </p:contentPart>
         </mc:Choice>
-        <mc:Fallback>
+        <mc:Fallback xmlns="">
           <p:pic>
             <p:nvPicPr>
               <p:cNvPr id="11" name="Ink 10">
@@ -11362,8 +12930,8 @@
           </p:pic>
         </mc:Fallback>
       </mc:AlternateContent>
-      <mc:AlternateContent xmlns:mc="http://schemas.openxmlformats.org/markup-compatibility/2006">
-        <mc:Choice xmlns:p14="http://schemas.microsoft.com/office/powerpoint/2010/main" Requires="p14">
+      <mc:AlternateContent xmlns:mc="http://schemas.openxmlformats.org/markup-compatibility/2006" xmlns:p14="http://schemas.microsoft.com/office/powerpoint/2010/main">
+        <mc:Choice Requires="p14">
           <p:contentPart p14:bwMode="auto" r:id="rId15">
             <p14:nvContentPartPr>
               <p14:cNvPr id="14" name="Ink 13">
@@ -11382,7 +12950,7 @@
             </p14:xfrm>
           </p:contentPart>
         </mc:Choice>
-        <mc:Fallback>
+        <mc:Fallback xmlns="">
           <p:pic>
             <p:nvPicPr>
               <p:cNvPr id="14" name="Ink 13">
@@ -11413,8 +12981,8 @@
           </p:pic>
         </mc:Fallback>
       </mc:AlternateContent>
-      <mc:AlternateContent xmlns:mc="http://schemas.openxmlformats.org/markup-compatibility/2006">
-        <mc:Choice xmlns:p14="http://schemas.microsoft.com/office/powerpoint/2010/main" Requires="p14">
+      <mc:AlternateContent xmlns:mc="http://schemas.openxmlformats.org/markup-compatibility/2006" xmlns:p14="http://schemas.microsoft.com/office/powerpoint/2010/main">
+        <mc:Choice Requires="p14">
           <p:contentPart p14:bwMode="auto" r:id="rId17">
             <p14:nvContentPartPr>
               <p14:cNvPr id="17" name="Ink 16">
@@ -11433,7 +13001,7 @@
             </p14:xfrm>
           </p:contentPart>
         </mc:Choice>
-        <mc:Fallback>
+        <mc:Fallback xmlns="">
           <p:pic>
             <p:nvPicPr>
               <p:cNvPr id="17" name="Ink 16">
@@ -11464,8 +13032,8 @@
           </p:pic>
         </mc:Fallback>
       </mc:AlternateContent>
-      <mc:AlternateContent xmlns:mc="http://schemas.openxmlformats.org/markup-compatibility/2006">
-        <mc:Choice xmlns:p14="http://schemas.microsoft.com/office/powerpoint/2010/main" Requires="p14">
+      <mc:AlternateContent xmlns:mc="http://schemas.openxmlformats.org/markup-compatibility/2006" xmlns:p14="http://schemas.microsoft.com/office/powerpoint/2010/main">
+        <mc:Choice Requires="p14">
           <p:contentPart p14:bwMode="auto" r:id="rId19">
             <p14:nvContentPartPr>
               <p14:cNvPr id="18" name="Ink 17">
@@ -11484,7 +13052,7 @@
             </p14:xfrm>
           </p:contentPart>
         </mc:Choice>
-        <mc:Fallback>
+        <mc:Fallback xmlns="">
           <p:pic>
             <p:nvPicPr>
               <p:cNvPr id="18" name="Ink 17">
@@ -11515,8 +13083,8 @@
           </p:pic>
         </mc:Fallback>
       </mc:AlternateContent>
-      <mc:AlternateContent xmlns:mc="http://schemas.openxmlformats.org/markup-compatibility/2006">
-        <mc:Choice xmlns:p14="http://schemas.microsoft.com/office/powerpoint/2010/main" Requires="p14">
+      <mc:AlternateContent xmlns:mc="http://schemas.openxmlformats.org/markup-compatibility/2006" xmlns:p14="http://schemas.microsoft.com/office/powerpoint/2010/main">
+        <mc:Choice Requires="p14">
           <p:contentPart p14:bwMode="auto" r:id="rId21">
             <p14:nvContentPartPr>
               <p14:cNvPr id="19" name="Ink 18">
@@ -11535,7 +13103,7 @@
             </p14:xfrm>
           </p:contentPart>
         </mc:Choice>
-        <mc:Fallback>
+        <mc:Fallback xmlns="">
           <p:pic>
             <p:nvPicPr>
               <p:cNvPr id="19" name="Ink 18">
@@ -11566,8 +13134,8 @@
           </p:pic>
         </mc:Fallback>
       </mc:AlternateContent>
-      <mc:AlternateContent xmlns:mc="http://schemas.openxmlformats.org/markup-compatibility/2006">
-        <mc:Choice xmlns:p14="http://schemas.microsoft.com/office/powerpoint/2010/main" Requires="p14">
+      <mc:AlternateContent xmlns:mc="http://schemas.openxmlformats.org/markup-compatibility/2006" xmlns:p14="http://schemas.microsoft.com/office/powerpoint/2010/main">
+        <mc:Choice Requires="p14">
           <p:contentPart p14:bwMode="auto" r:id="rId23">
             <p14:nvContentPartPr>
               <p14:cNvPr id="20" name="Ink 19">
@@ -11586,7 +13154,7 @@
             </p14:xfrm>
           </p:contentPart>
         </mc:Choice>
-        <mc:Fallback>
+        <mc:Fallback xmlns="">
           <p:pic>
             <p:nvPicPr>
               <p:cNvPr id="20" name="Ink 19">
@@ -11617,8 +13185,8 @@
           </p:pic>
         </mc:Fallback>
       </mc:AlternateContent>
-      <mc:AlternateContent xmlns:mc="http://schemas.openxmlformats.org/markup-compatibility/2006">
-        <mc:Choice xmlns:p14="http://schemas.microsoft.com/office/powerpoint/2010/main" Requires="p14">
+      <mc:AlternateContent xmlns:mc="http://schemas.openxmlformats.org/markup-compatibility/2006" xmlns:p14="http://schemas.microsoft.com/office/powerpoint/2010/main">
+        <mc:Choice Requires="p14">
           <p:contentPart p14:bwMode="auto" r:id="rId25">
             <p14:nvContentPartPr>
               <p14:cNvPr id="21" name="Ink 20">
@@ -11637,7 +13205,7 @@
             </p14:xfrm>
           </p:contentPart>
         </mc:Choice>
-        <mc:Fallback>
+        <mc:Fallback xmlns="">
           <p:pic>
             <p:nvPicPr>
               <p:cNvPr id="21" name="Ink 20">
@@ -11660,6 +13228,159 @@
               <a:xfrm>
                 <a:off x="660286" y="5220669"/>
                 <a:ext cx="1157400" cy="250560"/>
+              </a:xfrm>
+              <a:prstGeom prst="rect">
+                <a:avLst/>
+              </a:prstGeom>
+            </p:spPr>
+          </p:pic>
+        </mc:Fallback>
+      </mc:AlternateContent>
+      <mc:AlternateContent xmlns:mc="http://schemas.openxmlformats.org/markup-compatibility/2006">
+        <mc:Choice xmlns:p14="http://schemas.microsoft.com/office/powerpoint/2010/main" Requires="p14">
+          <p:contentPart p14:bwMode="auto" r:id="rId27">
+            <p14:nvContentPartPr>
+              <p14:cNvPr id="12" name="Ink 11">
+                <a:extLst>
+                  <a:ext uri="{FF2B5EF4-FFF2-40B4-BE49-F238E27FC236}">
+                    <a16:creationId xmlns:a16="http://schemas.microsoft.com/office/drawing/2014/main" id="{56A05461-222B-71CF-2D32-92E6383DE5BF}"/>
+                  </a:ext>
+                </a:extLst>
+              </p14:cNvPr>
+              <p14:cNvContentPartPr/>
+              <p14:nvPr/>
+            </p14:nvContentPartPr>
+            <p14:xfrm>
+              <a:off x="10103444" y="2120602"/>
+              <a:ext cx="295920" cy="254880"/>
+            </p14:xfrm>
+          </p:contentPart>
+        </mc:Choice>
+        <mc:Fallback>
+          <p:pic>
+            <p:nvPicPr>
+              <p:cNvPr id="12" name="Ink 11">
+                <a:extLst>
+                  <a:ext uri="{FF2B5EF4-FFF2-40B4-BE49-F238E27FC236}">
+                    <a16:creationId xmlns:a16="http://schemas.microsoft.com/office/drawing/2014/main" id="{56A05461-222B-71CF-2D32-92E6383DE5BF}"/>
+                  </a:ext>
+                </a:extLst>
+              </p:cNvPr>
+              <p:cNvPicPr/>
+              <p:nvPr/>
+            </p:nvPicPr>
+            <p:blipFill>
+              <a:blip r:embed="rId28"/>
+              <a:stretch>
+                <a:fillRect/>
+              </a:stretch>
+            </p:blipFill>
+            <p:spPr>
+              <a:xfrm>
+                <a:off x="10067444" y="2084602"/>
+                <a:ext cx="367560" cy="326520"/>
+              </a:xfrm>
+              <a:prstGeom prst="rect">
+                <a:avLst/>
+              </a:prstGeom>
+            </p:spPr>
+          </p:pic>
+        </mc:Fallback>
+      </mc:AlternateContent>
+      <mc:AlternateContent xmlns:mc="http://schemas.openxmlformats.org/markup-compatibility/2006">
+        <mc:Choice xmlns:p14="http://schemas.microsoft.com/office/powerpoint/2010/main" Requires="p14">
+          <p:contentPart p14:bwMode="auto" r:id="rId29">
+            <p14:nvContentPartPr>
+              <p14:cNvPr id="13" name="Ink 12">
+                <a:extLst>
+                  <a:ext uri="{FF2B5EF4-FFF2-40B4-BE49-F238E27FC236}">
+                    <a16:creationId xmlns:a16="http://schemas.microsoft.com/office/drawing/2014/main" id="{776D3EBE-B82C-3BBC-D652-F9CE795DE547}"/>
+                  </a:ext>
+                </a:extLst>
+              </p14:cNvPr>
+              <p14:cNvContentPartPr/>
+              <p14:nvPr/>
+            </p14:nvContentPartPr>
+            <p14:xfrm>
+              <a:off x="7813124" y="3270442"/>
+              <a:ext cx="1594440" cy="747000"/>
+            </p14:xfrm>
+          </p:contentPart>
+        </mc:Choice>
+        <mc:Fallback>
+          <p:pic>
+            <p:nvPicPr>
+              <p:cNvPr id="13" name="Ink 12">
+                <a:extLst>
+                  <a:ext uri="{FF2B5EF4-FFF2-40B4-BE49-F238E27FC236}">
+                    <a16:creationId xmlns:a16="http://schemas.microsoft.com/office/drawing/2014/main" id="{776D3EBE-B82C-3BBC-D652-F9CE795DE547}"/>
+                  </a:ext>
+                </a:extLst>
+              </p:cNvPr>
+              <p:cNvPicPr/>
+              <p:nvPr/>
+            </p:nvPicPr>
+            <p:blipFill>
+              <a:blip r:embed="rId30"/>
+              <a:stretch>
+                <a:fillRect/>
+              </a:stretch>
+            </p:blipFill>
+            <p:spPr>
+              <a:xfrm>
+                <a:off x="7777124" y="3234802"/>
+                <a:ext cx="1666080" cy="818640"/>
+              </a:xfrm>
+              <a:prstGeom prst="rect">
+                <a:avLst/>
+              </a:prstGeom>
+            </p:spPr>
+          </p:pic>
+        </mc:Fallback>
+      </mc:AlternateContent>
+      <mc:AlternateContent xmlns:mc="http://schemas.openxmlformats.org/markup-compatibility/2006">
+        <mc:Choice xmlns:p14="http://schemas.microsoft.com/office/powerpoint/2010/main" Requires="p14">
+          <p:contentPart p14:bwMode="auto" r:id="rId31">
+            <p14:nvContentPartPr>
+              <p14:cNvPr id="15" name="Ink 14">
+                <a:extLst>
+                  <a:ext uri="{FF2B5EF4-FFF2-40B4-BE49-F238E27FC236}">
+                    <a16:creationId xmlns:a16="http://schemas.microsoft.com/office/drawing/2014/main" id="{5CB2F99D-2219-0892-FC88-8B61B8709D14}"/>
+                  </a:ext>
+                </a:extLst>
+              </p14:cNvPr>
+              <p14:cNvContentPartPr/>
+              <p14:nvPr/>
+            </p14:nvContentPartPr>
+            <p14:xfrm>
+              <a:off x="10247444" y="2542522"/>
+              <a:ext cx="152640" cy="210960"/>
+            </p14:xfrm>
+          </p:contentPart>
+        </mc:Choice>
+        <mc:Fallback>
+          <p:pic>
+            <p:nvPicPr>
+              <p:cNvPr id="15" name="Ink 14">
+                <a:extLst>
+                  <a:ext uri="{FF2B5EF4-FFF2-40B4-BE49-F238E27FC236}">
+                    <a16:creationId xmlns:a16="http://schemas.microsoft.com/office/drawing/2014/main" id="{5CB2F99D-2219-0892-FC88-8B61B8709D14}"/>
+                  </a:ext>
+                </a:extLst>
+              </p:cNvPr>
+              <p:cNvPicPr/>
+              <p:nvPr/>
+            </p:nvPicPr>
+            <p:blipFill>
+              <a:blip r:embed="rId32"/>
+              <a:stretch>
+                <a:fillRect/>
+              </a:stretch>
+            </p:blipFill>
+            <p:spPr>
+              <a:xfrm>
+                <a:off x="10211444" y="2506882"/>
+                <a:ext cx="224280" cy="282600"/>
               </a:xfrm>
               <a:prstGeom prst="rect">
                 <a:avLst/>
@@ -11743,14 +13464,14 @@
           <p:nvPr>
             <p:extLst>
               <p:ext uri="{D42A27DB-BD31-4B8C-83A1-F6EECF244321}">
-                <p14:modId xmlns:p14="http://schemas.microsoft.com/office/powerpoint/2010/main" val="4288756086"/>
+                <p14:modId xmlns:p14="http://schemas.microsoft.com/office/powerpoint/2010/main" val="2269572873"/>
               </p:ext>
             </p:extLst>
           </p:nvPr>
         </p:nvGraphicFramePr>
         <p:xfrm>
-          <a:off x="1298575" y="3562766"/>
-          <a:ext cx="9036051" cy="1790283"/>
+          <a:off x="367990" y="3562766"/>
+          <a:ext cx="11686479" cy="1790283"/>
         </p:xfrm>
         <a:graphic>
           <a:graphicData uri="http://schemas.openxmlformats.org/drawingml/2006/table">
@@ -11759,21 +13480,21 @@
                 <a:tableStyleId>{5C22544A-7EE6-4342-B048-85BDC9FD1C3A}</a:tableStyleId>
               </a:tblPr>
               <a:tblGrid>
-                <a:gridCol w="3012017">
+                <a:gridCol w="3895493">
                   <a:extLst>
                     <a:ext uri="{9D8B030D-6E8A-4147-A177-3AD203B41FA5}">
                       <a16:colId xmlns:a16="http://schemas.microsoft.com/office/drawing/2014/main" val="2351436422"/>
                     </a:ext>
                   </a:extLst>
                 </a:gridCol>
-                <a:gridCol w="3012017">
+                <a:gridCol w="2750634">
                   <a:extLst>
                     <a:ext uri="{9D8B030D-6E8A-4147-A177-3AD203B41FA5}">
                       <a16:colId xmlns:a16="http://schemas.microsoft.com/office/drawing/2014/main" val="968066233"/>
                     </a:ext>
                   </a:extLst>
                 </a:gridCol>
-                <a:gridCol w="3012017">
+                <a:gridCol w="5040352">
                   <a:extLst>
                     <a:ext uri="{9D8B030D-6E8A-4147-A177-3AD203B41FA5}">
                       <a16:colId xmlns:a16="http://schemas.microsoft.com/office/drawing/2014/main" val="800831773"/>
@@ -11938,7 +13659,7 @@
                     <a:p>
                       <a:r>
                         <a:rPr lang="en-JP" sz="3200" dirty="0"/>
-                        <a:t>8/10=0.8</a:t>
+                        <a:t>8/10=0.8個のリンゴ</a:t>
                       </a:r>
                     </a:p>
                   </a:txBody>
@@ -12134,8 +13855,8 @@
         </p:nvSpPr>
         <p:spPr>
           <a:xfrm>
-            <a:off x="8535174" y="4574320"/>
-            <a:ext cx="774184" cy="842259"/>
+            <a:off x="8274191" y="4580440"/>
+            <a:ext cx="936715" cy="853200"/>
           </a:xfrm>
           <a:prstGeom prst="ellipse">
             <a:avLst/>
@@ -12163,6 +13884,393 @@
           <a:p>
             <a:pPr algn="ctr"/>
             <a:endParaRPr lang="en-JP"/>
+          </a:p>
+        </p:txBody>
+      </p:sp>
+      <p:grpSp>
+        <p:nvGrpSpPr>
+          <p:cNvPr id="14" name="Group 13">
+            <a:extLst>
+              <a:ext uri="{FF2B5EF4-FFF2-40B4-BE49-F238E27FC236}">
+                <a16:creationId xmlns:a16="http://schemas.microsoft.com/office/drawing/2014/main" id="{F9E818E9-D05C-29E8-D806-9F91AA4820C5}"/>
+              </a:ext>
+            </a:extLst>
+          </p:cNvPr>
+          <p:cNvGrpSpPr/>
+          <p:nvPr/>
+        </p:nvGrpSpPr>
+        <p:grpSpPr>
+          <a:xfrm>
+            <a:off x="3489164" y="1431202"/>
+            <a:ext cx="1670400" cy="2929680"/>
+            <a:chOff x="3489164" y="1431202"/>
+            <a:chExt cx="1670400" cy="2929680"/>
+          </a:xfrm>
+        </p:grpSpPr>
+        <mc:AlternateContent xmlns:mc="http://schemas.openxmlformats.org/markup-compatibility/2006">
+          <mc:Choice xmlns:p14="http://schemas.microsoft.com/office/powerpoint/2010/main" Requires="p14">
+            <p:contentPart p14:bwMode="auto" r:id="rId3">
+              <p14:nvContentPartPr>
+                <p14:cNvPr id="5" name="Ink 4">
+                  <a:extLst>
+                    <a:ext uri="{FF2B5EF4-FFF2-40B4-BE49-F238E27FC236}">
+                      <a16:creationId xmlns:a16="http://schemas.microsoft.com/office/drawing/2014/main" id="{F8158533-A07E-3A2E-6C34-CA6EE7EF9BC2}"/>
+                    </a:ext>
+                  </a:extLst>
+                </p14:cNvPr>
+                <p14:cNvContentPartPr/>
+                <p14:nvPr/>
+              </p14:nvContentPartPr>
+              <p14:xfrm>
+                <a:off x="3489164" y="1431202"/>
+                <a:ext cx="1197360" cy="2929680"/>
+              </p14:xfrm>
+            </p:contentPart>
+          </mc:Choice>
+          <mc:Fallback>
+            <p:pic>
+              <p:nvPicPr>
+                <p:cNvPr id="5" name="Ink 4">
+                  <a:extLst>
+                    <a:ext uri="{FF2B5EF4-FFF2-40B4-BE49-F238E27FC236}">
+                      <a16:creationId xmlns:a16="http://schemas.microsoft.com/office/drawing/2014/main" id="{F8158533-A07E-3A2E-6C34-CA6EE7EF9BC2}"/>
+                    </a:ext>
+                  </a:extLst>
+                </p:cNvPr>
+                <p:cNvPicPr/>
+                <p:nvPr/>
+              </p:nvPicPr>
+              <p:blipFill>
+                <a:blip r:embed="rId4"/>
+                <a:stretch>
+                  <a:fillRect/>
+                </a:stretch>
+              </p:blipFill>
+              <p:spPr>
+                <a:xfrm>
+                  <a:off x="3453164" y="1395202"/>
+                  <a:ext cx="1269000" cy="3001320"/>
+                </a:xfrm>
+                <a:prstGeom prst="rect">
+                  <a:avLst/>
+                </a:prstGeom>
+              </p:spPr>
+            </p:pic>
+          </mc:Fallback>
+        </mc:AlternateContent>
+        <mc:AlternateContent xmlns:mc="http://schemas.openxmlformats.org/markup-compatibility/2006">
+          <mc:Choice xmlns:p14="http://schemas.microsoft.com/office/powerpoint/2010/main" Requires="p14">
+            <p:contentPart p14:bwMode="auto" r:id="rId5">
+              <p14:nvContentPartPr>
+                <p14:cNvPr id="8" name="Ink 7">
+                  <a:extLst>
+                    <a:ext uri="{FF2B5EF4-FFF2-40B4-BE49-F238E27FC236}">
+                      <a16:creationId xmlns:a16="http://schemas.microsoft.com/office/drawing/2014/main" id="{43370B2F-AC70-D0F9-AF30-E4AEC12E25FB}"/>
+                    </a:ext>
+                  </a:extLst>
+                </p14:cNvPr>
+                <p14:cNvContentPartPr/>
+                <p14:nvPr/>
+              </p14:nvContentPartPr>
+              <p14:xfrm>
+                <a:off x="3877964" y="4071082"/>
+                <a:ext cx="205560" cy="285840"/>
+              </p14:xfrm>
+            </p:contentPart>
+          </mc:Choice>
+          <mc:Fallback>
+            <p:pic>
+              <p:nvPicPr>
+                <p:cNvPr id="8" name="Ink 7">
+                  <a:extLst>
+                    <a:ext uri="{FF2B5EF4-FFF2-40B4-BE49-F238E27FC236}">
+                      <a16:creationId xmlns:a16="http://schemas.microsoft.com/office/drawing/2014/main" id="{43370B2F-AC70-D0F9-AF30-E4AEC12E25FB}"/>
+                    </a:ext>
+                  </a:extLst>
+                </p:cNvPr>
+                <p:cNvPicPr/>
+                <p:nvPr/>
+              </p:nvPicPr>
+              <p:blipFill>
+                <a:blip r:embed="rId6"/>
+                <a:stretch>
+                  <a:fillRect/>
+                </a:stretch>
+              </p:blipFill>
+              <p:spPr>
+                <a:xfrm>
+                  <a:off x="3841964" y="4035082"/>
+                  <a:ext cx="277200" cy="357480"/>
+                </a:xfrm>
+                <a:prstGeom prst="rect">
+                  <a:avLst/>
+                </a:prstGeom>
+              </p:spPr>
+            </p:pic>
+          </mc:Fallback>
+        </mc:AlternateContent>
+        <mc:AlternateContent xmlns:mc="http://schemas.openxmlformats.org/markup-compatibility/2006">
+          <mc:Choice xmlns:p14="http://schemas.microsoft.com/office/powerpoint/2010/main" Requires="p14">
+            <p:contentPart p14:bwMode="auto" r:id="rId7">
+              <p14:nvContentPartPr>
+                <p14:cNvPr id="11" name="Ink 10">
+                  <a:extLst>
+                    <a:ext uri="{FF2B5EF4-FFF2-40B4-BE49-F238E27FC236}">
+                      <a16:creationId xmlns:a16="http://schemas.microsoft.com/office/drawing/2014/main" id="{6B773F57-6852-DA0A-CC54-F9F382F883DD}"/>
+                    </a:ext>
+                  </a:extLst>
+                </p14:cNvPr>
+                <p14:cNvContentPartPr/>
+                <p14:nvPr/>
+              </p14:nvContentPartPr>
+              <p14:xfrm>
+                <a:off x="4902884" y="1622362"/>
+                <a:ext cx="256680" cy="2640600"/>
+              </p14:xfrm>
+            </p:contentPart>
+          </mc:Choice>
+          <mc:Fallback>
+            <p:pic>
+              <p:nvPicPr>
+                <p:cNvPr id="11" name="Ink 10">
+                  <a:extLst>
+                    <a:ext uri="{FF2B5EF4-FFF2-40B4-BE49-F238E27FC236}">
+                      <a16:creationId xmlns:a16="http://schemas.microsoft.com/office/drawing/2014/main" id="{6B773F57-6852-DA0A-CC54-F9F382F883DD}"/>
+                    </a:ext>
+                  </a:extLst>
+                </p:cNvPr>
+                <p:cNvPicPr/>
+                <p:nvPr/>
+              </p:nvPicPr>
+              <p:blipFill>
+                <a:blip r:embed="rId8"/>
+                <a:stretch>
+                  <a:fillRect/>
+                </a:stretch>
+              </p:blipFill>
+              <p:spPr>
+                <a:xfrm>
+                  <a:off x="4867244" y="1586722"/>
+                  <a:ext cx="328320" cy="2712240"/>
+                </a:xfrm>
+                <a:prstGeom prst="rect">
+                  <a:avLst/>
+                </a:prstGeom>
+              </p:spPr>
+            </p:pic>
+          </mc:Fallback>
+        </mc:AlternateContent>
+        <mc:AlternateContent xmlns:mc="http://schemas.openxmlformats.org/markup-compatibility/2006">
+          <mc:Choice xmlns:p14="http://schemas.microsoft.com/office/powerpoint/2010/main" Requires="p14">
+            <p:contentPart p14:bwMode="auto" r:id="rId9">
+              <p14:nvContentPartPr>
+                <p14:cNvPr id="12" name="Ink 11">
+                  <a:extLst>
+                    <a:ext uri="{FF2B5EF4-FFF2-40B4-BE49-F238E27FC236}">
+                      <a16:creationId xmlns:a16="http://schemas.microsoft.com/office/drawing/2014/main" id="{8A0EE808-A011-B751-9203-A4D447BF5717}"/>
+                    </a:ext>
+                  </a:extLst>
+                </p14:cNvPr>
+                <p14:cNvContentPartPr/>
+                <p14:nvPr/>
+              </p14:nvContentPartPr>
+              <p14:xfrm>
+                <a:off x="4806044" y="3947602"/>
+                <a:ext cx="300240" cy="222480"/>
+              </p14:xfrm>
+            </p:contentPart>
+          </mc:Choice>
+          <mc:Fallback>
+            <p:pic>
+              <p:nvPicPr>
+                <p:cNvPr id="12" name="Ink 11">
+                  <a:extLst>
+                    <a:ext uri="{FF2B5EF4-FFF2-40B4-BE49-F238E27FC236}">
+                      <a16:creationId xmlns:a16="http://schemas.microsoft.com/office/drawing/2014/main" id="{8A0EE808-A011-B751-9203-A4D447BF5717}"/>
+                    </a:ext>
+                  </a:extLst>
+                </p:cNvPr>
+                <p:cNvPicPr/>
+                <p:nvPr/>
+              </p:nvPicPr>
+              <p:blipFill>
+                <a:blip r:embed="rId10"/>
+                <a:stretch>
+                  <a:fillRect/>
+                </a:stretch>
+              </p:blipFill>
+              <p:spPr>
+                <a:xfrm>
+                  <a:off x="4770404" y="3911602"/>
+                  <a:ext cx="371880" cy="294120"/>
+                </a:xfrm>
+                <a:prstGeom prst="rect">
+                  <a:avLst/>
+                </a:prstGeom>
+              </p:spPr>
+            </p:pic>
+          </mc:Fallback>
+        </mc:AlternateContent>
+      </p:grpSp>
+      <mc:AlternateContent xmlns:mc="http://schemas.openxmlformats.org/markup-compatibility/2006">
+        <mc:Choice xmlns:p14="http://schemas.microsoft.com/office/powerpoint/2010/main" Requires="p14">
+          <p:contentPart p14:bwMode="auto" r:id="rId11">
+            <p14:nvContentPartPr>
+              <p14:cNvPr id="15" name="Ink 14">
+                <a:extLst>
+                  <a:ext uri="{FF2B5EF4-FFF2-40B4-BE49-F238E27FC236}">
+                    <a16:creationId xmlns:a16="http://schemas.microsoft.com/office/drawing/2014/main" id="{8E0F6E50-0417-0837-E093-AB3B2758B97D}"/>
+                  </a:ext>
+                </a:extLst>
+              </p14:cNvPr>
+              <p14:cNvContentPartPr/>
+              <p14:nvPr/>
+            </p14:nvContentPartPr>
+            <p14:xfrm>
+              <a:off x="4192604" y="4598122"/>
+              <a:ext cx="1804320" cy="853200"/>
+            </p14:xfrm>
+          </p:contentPart>
+        </mc:Choice>
+        <mc:Fallback>
+          <p:pic>
+            <p:nvPicPr>
+              <p:cNvPr id="15" name="Ink 14">
+                <a:extLst>
+                  <a:ext uri="{FF2B5EF4-FFF2-40B4-BE49-F238E27FC236}">
+                    <a16:creationId xmlns:a16="http://schemas.microsoft.com/office/drawing/2014/main" id="{8E0F6E50-0417-0837-E093-AB3B2758B97D}"/>
+                  </a:ext>
+                </a:extLst>
+              </p:cNvPr>
+              <p:cNvPicPr/>
+              <p:nvPr/>
+            </p:nvPicPr>
+            <p:blipFill>
+              <a:blip r:embed="rId12"/>
+              <a:stretch>
+                <a:fillRect/>
+              </a:stretch>
+            </p:blipFill>
+            <p:spPr>
+              <a:xfrm>
+                <a:off x="4156964" y="4526122"/>
+                <a:ext cx="1875960" cy="996840"/>
+              </a:xfrm>
+              <a:prstGeom prst="rect">
+                <a:avLst/>
+              </a:prstGeom>
+            </p:spPr>
+          </p:pic>
+        </mc:Fallback>
+      </mc:AlternateContent>
+      <p:sp>
+        <p:nvSpPr>
+          <p:cNvPr id="16" name="TextBox 15">
+            <a:extLst>
+              <a:ext uri="{FF2B5EF4-FFF2-40B4-BE49-F238E27FC236}">
+                <a16:creationId xmlns:a16="http://schemas.microsoft.com/office/drawing/2014/main" id="{50A001ED-B683-AFF5-47A8-4659942DB613}"/>
+              </a:ext>
+            </a:extLst>
+          </p:cNvPr>
+          <p:cNvSpPr txBox="1"/>
+          <p:nvPr/>
+        </p:nvSpPr>
+        <p:spPr>
+          <a:xfrm>
+            <a:off x="531024" y="5879362"/>
+            <a:ext cx="3661580" cy="646331"/>
+          </a:xfrm>
+          <a:prstGeom prst="rect">
+            <a:avLst/>
+          </a:prstGeom>
+          <a:noFill/>
+          <a:ln>
+            <a:solidFill>
+              <a:schemeClr val="tx1"/>
+            </a:solidFill>
+          </a:ln>
+        </p:spPr>
+        <p:txBody>
+          <a:bodyPr wrap="none" rtlCol="0">
+            <a:spAutoFit/>
+          </a:bodyPr>
+          <a:lstStyle/>
+          <a:p>
+            <a:r>
+              <a:rPr lang="en-JP" dirty="0"/>
+              <a:t>日本：リンゴ1個＝コメ0.5個分</a:t>
+            </a:r>
+          </a:p>
+          <a:p>
+            <a:r>
+              <a:rPr lang="en-JP" dirty="0"/>
+              <a:t>タイ：リンゴ1個＝コメ1.25個分</a:t>
+            </a:r>
+          </a:p>
+        </p:txBody>
+      </p:sp>
+      <p:sp>
+        <p:nvSpPr>
+          <p:cNvPr id="18" name="TextBox 17">
+            <a:extLst>
+              <a:ext uri="{FF2B5EF4-FFF2-40B4-BE49-F238E27FC236}">
+                <a16:creationId xmlns:a16="http://schemas.microsoft.com/office/drawing/2014/main" id="{2CA76387-9116-5C51-76D0-DCC4FC287632}"/>
+              </a:ext>
+            </a:extLst>
+          </p:cNvPr>
+          <p:cNvSpPr txBox="1"/>
+          <p:nvPr/>
+        </p:nvSpPr>
+        <p:spPr>
+          <a:xfrm>
+            <a:off x="4192604" y="5730392"/>
+            <a:ext cx="8013732" cy="923330"/>
+          </a:xfrm>
+          <a:prstGeom prst="rect">
+            <a:avLst/>
+          </a:prstGeom>
+          <a:noFill/>
+        </p:spPr>
+        <p:txBody>
+          <a:bodyPr wrap="none" rtlCol="0">
+            <a:spAutoFit/>
+          </a:bodyPr>
+          <a:lstStyle/>
+          <a:p>
+            <a:r>
+              <a:rPr lang="en-JP" dirty="0"/>
+              <a:t>日本はリンゴ1個につき、コメ0.5個より多くもらえたらbetter off。</a:t>
+            </a:r>
+          </a:p>
+          <a:p>
+            <a:r>
+              <a:rPr lang="en-JP" dirty="0"/>
+              <a:t>タイはリンゴ1個もらうにつき、コメ1.25個未満あげたらbetter off。</a:t>
+            </a:r>
+          </a:p>
+          <a:p>
+            <a:r>
+              <a:rPr lang="en-JP" dirty="0">
+                <a:sym typeface="Wingdings" pitchFamily="2" charset="2"/>
+              </a:rPr>
+              <a:t></a:t>
+            </a:r>
+            <a:r>
+              <a:rPr lang="en-JP" dirty="0"/>
+              <a:t>リンゴ1個＝コメ0.5個より多く〜コメ1.25個未満（交換比率：</a:t>
+            </a:r>
+            <a:r>
+              <a:rPr lang="en-JP" b="1" dirty="0">
+                <a:highlight>
+                  <a:srgbClr val="FFFF00"/>
+                </a:highlight>
+              </a:rPr>
+              <a:t>交易条件</a:t>
+            </a:r>
+            <a:r>
+              <a:rPr lang="en-JP" dirty="0"/>
+              <a:t>）</a:t>
+            </a:r>
           </a:p>
         </p:txBody>
       </p:sp>
@@ -12278,7 +14386,19 @@
             </a:r>
             <a:r>
               <a:rPr lang="ja-JP" altLang="en-US" dirty="0"/>
-              <a:t>単位の生産のために犠牲にするコメの生産量は，</a:t>
+              <a:t>単位の生産のために</a:t>
+            </a:r>
+            <a:r>
+              <a:rPr lang="ja-JP" altLang="en-US" dirty="0">
+                <a:highlight>
+                  <a:srgbClr val="FFFF00"/>
+                </a:highlight>
+              </a:rPr>
+              <a:t>犠牲にする</a:t>
+            </a:r>
+            <a:r>
+              <a:rPr lang="ja-JP" altLang="en-US" dirty="0"/>
+              <a:t>コメの生産量は，</a:t>
             </a:r>
             <a:r>
               <a:rPr lang="en-US" altLang="ja-JP" dirty="0"/>
@@ -12297,10 +14417,22 @@
             </a:r>
             <a:r>
               <a:rPr lang="ja-JP" altLang="en-US" dirty="0"/>
-              <a:t>日本のリンゴ生産の（コメの生産量で測った）機会費用は</a:t>
-            </a:r>
-            <a:r>
-              <a:rPr lang="en-US" altLang="ja-JP" dirty="0"/>
+              <a:t>日本のリンゴ生産の（コメの生産量で測った）</a:t>
+            </a:r>
+            <a:r>
+              <a:rPr lang="ja-JP" altLang="en-US" dirty="0">
+                <a:highlight>
+                  <a:srgbClr val="FFFF00"/>
+                </a:highlight>
+              </a:rPr>
+              <a:t>機会費用は</a:t>
+            </a:r>
+            <a:r>
+              <a:rPr lang="en-US" altLang="ja-JP" dirty="0">
+                <a:highlight>
+                  <a:srgbClr val="FFFF00"/>
+                </a:highlight>
+              </a:rPr>
               <a:t>0.5</a:t>
             </a:r>
           </a:p>
@@ -12316,18 +14448,38 @@
             </a:r>
             <a:r>
               <a:rPr lang="ja-JP" altLang="en-US" dirty="0"/>
-              <a:t>タイのリンゴ生産の（コメの生産量で測った）機会費用は</a:t>
-            </a:r>
-            <a:r>
-              <a:rPr lang="en-US" altLang="ja-JP" dirty="0"/>
+              <a:t>タイのリンゴ生産の（コメの生産量で測った）</a:t>
+            </a:r>
+            <a:r>
+              <a:rPr lang="ja-JP" altLang="en-US" dirty="0">
+                <a:highlight>
+                  <a:srgbClr val="FFFF00"/>
+                </a:highlight>
+              </a:rPr>
+              <a:t>機会費用は</a:t>
+            </a:r>
+            <a:r>
+              <a:rPr lang="en-US" altLang="ja-JP" dirty="0">
+                <a:highlight>
+                  <a:srgbClr val="FFFF00"/>
+                </a:highlight>
+              </a:rPr>
               <a:t>10/8 </a:t>
             </a:r>
             <a:r>
-              <a:rPr lang="ja-JP" altLang="en-US" dirty="0"/>
+              <a:rPr lang="ja-JP" altLang="en-US" dirty="0">
+                <a:highlight>
+                  <a:srgbClr val="FFFF00"/>
+                </a:highlight>
+              </a:rPr>
               <a:t>＝</a:t>
             </a:r>
             <a:r>
-              <a:rPr lang="en-US" altLang="ja-JP" dirty="0"/>
+              <a:rPr lang="en-US" altLang="ja-JP" dirty="0">
+                <a:highlight>
+                  <a:srgbClr val="FFFF00"/>
+                </a:highlight>
+              </a:rPr>
               <a:t>1.25 </a:t>
             </a:r>
           </a:p>
@@ -12341,8 +14493,16 @@
               <a:t>=</a:t>
             </a:r>
             <a:r>
+              <a:rPr lang="ja-JP" altLang="en-US" dirty="0">
+                <a:highlight>
+                  <a:srgbClr val="FFFF00"/>
+                </a:highlight>
+              </a:rPr>
+              <a:t>日本に比較優位がある</a:t>
+            </a:r>
+            <a:r>
               <a:rPr lang="ja-JP" altLang="en-US" dirty="0"/>
-              <a:t>日本に比較優位があると考えられる</a:t>
+              <a:t>と考えられる</a:t>
             </a:r>
             <a:endParaRPr lang="en-US" altLang="ja-JP" dirty="0"/>
           </a:p>
@@ -12410,57 +14570,6 @@
           </a:prstGeom>
         </p:spPr>
       </p:pic>
-      <mc:AlternateContent xmlns:mc="http://schemas.openxmlformats.org/markup-compatibility/2006">
-        <mc:Choice xmlns:p14="http://schemas.microsoft.com/office/powerpoint/2010/main" Requires="p14">
-          <p:contentPart p14:bwMode="auto" r:id="rId3">
-            <p14:nvContentPartPr>
-              <p14:cNvPr id="4" name="Ink 3">
-                <a:extLst>
-                  <a:ext uri="{FF2B5EF4-FFF2-40B4-BE49-F238E27FC236}">
-                    <a16:creationId xmlns:a16="http://schemas.microsoft.com/office/drawing/2014/main" id="{2A51A054-7146-96B6-62A0-6203747B67A6}"/>
-                  </a:ext>
-                </a:extLst>
-              </p14:cNvPr>
-              <p14:cNvContentPartPr/>
-              <p14:nvPr/>
-            </p14:nvContentPartPr>
-            <p14:xfrm>
-              <a:off x="8189385" y="2476275"/>
-              <a:ext cx="1262520" cy="167400"/>
-            </p14:xfrm>
-          </p:contentPart>
-        </mc:Choice>
-        <mc:Fallback>
-          <p:pic>
-            <p:nvPicPr>
-              <p:cNvPr id="4" name="Ink 3">
-                <a:extLst>
-                  <a:ext uri="{FF2B5EF4-FFF2-40B4-BE49-F238E27FC236}">
-                    <a16:creationId xmlns:a16="http://schemas.microsoft.com/office/drawing/2014/main" id="{2A51A054-7146-96B6-62A0-6203747B67A6}"/>
-                  </a:ext>
-                </a:extLst>
-              </p:cNvPr>
-              <p:cNvPicPr/>
-              <p:nvPr/>
-            </p:nvPicPr>
-            <p:blipFill>
-              <a:blip r:embed="rId4"/>
-              <a:stretch>
-                <a:fillRect/>
-              </a:stretch>
-            </p:blipFill>
-            <p:spPr>
-              <a:xfrm>
-                <a:off x="8153385" y="2404275"/>
-                <a:ext cx="1334160" cy="311040"/>
-              </a:xfrm>
-              <a:prstGeom prst="rect">
-                <a:avLst/>
-              </a:prstGeom>
-            </p:spPr>
-          </p:pic>
-        </mc:Fallback>
-      </mc:AlternateContent>
     </p:spTree>
     <p:extLst>
       <p:ext uri="{BB962C8B-B14F-4D97-AF65-F5344CB8AC3E}">
@@ -12847,6 +14956,970 @@
           </a:graphicData>
         </a:graphic>
       </p:graphicFrame>
+      <mc:AlternateContent xmlns:mc="http://schemas.openxmlformats.org/markup-compatibility/2006">
+        <mc:Choice xmlns:p14="http://schemas.microsoft.com/office/powerpoint/2010/main" Requires="p14">
+          <p:contentPart p14:bwMode="auto" r:id="rId4">
+            <p14:nvContentPartPr>
+              <p14:cNvPr id="2" name="Ink 1">
+                <a:extLst>
+                  <a:ext uri="{FF2B5EF4-FFF2-40B4-BE49-F238E27FC236}">
+                    <a16:creationId xmlns:a16="http://schemas.microsoft.com/office/drawing/2014/main" id="{0F7E6714-4D44-B056-1E64-FB07E5CF1014}"/>
+                  </a:ext>
+                </a:extLst>
+              </p14:cNvPr>
+              <p14:cNvContentPartPr/>
+              <p14:nvPr/>
+            </p14:nvContentPartPr>
+            <p14:xfrm>
+              <a:off x="4181444" y="1774282"/>
+              <a:ext cx="486720" cy="52560"/>
+            </p14:xfrm>
+          </p:contentPart>
+        </mc:Choice>
+        <mc:Fallback>
+          <p:pic>
+            <p:nvPicPr>
+              <p:cNvPr id="2" name="Ink 1">
+                <a:extLst>
+                  <a:ext uri="{FF2B5EF4-FFF2-40B4-BE49-F238E27FC236}">
+                    <a16:creationId xmlns:a16="http://schemas.microsoft.com/office/drawing/2014/main" id="{0F7E6714-4D44-B056-1E64-FB07E5CF1014}"/>
+                  </a:ext>
+                </a:extLst>
+              </p:cNvPr>
+              <p:cNvPicPr/>
+              <p:nvPr/>
+            </p:nvPicPr>
+            <p:blipFill>
+              <a:blip r:embed="rId5"/>
+              <a:stretch>
+                <a:fillRect/>
+              </a:stretch>
+            </p:blipFill>
+            <p:spPr>
+              <a:xfrm>
+                <a:off x="4145444" y="1702642"/>
+                <a:ext cx="558360" cy="196200"/>
+              </a:xfrm>
+              <a:prstGeom prst="rect">
+                <a:avLst/>
+              </a:prstGeom>
+            </p:spPr>
+          </p:pic>
+        </mc:Fallback>
+      </mc:AlternateContent>
+      <mc:AlternateContent xmlns:mc="http://schemas.openxmlformats.org/markup-compatibility/2006">
+        <mc:Choice xmlns:p14="http://schemas.microsoft.com/office/powerpoint/2010/main" Requires="p14">
+          <p:contentPart p14:bwMode="auto" r:id="rId6">
+            <p14:nvContentPartPr>
+              <p14:cNvPr id="3" name="Ink 2">
+                <a:extLst>
+                  <a:ext uri="{FF2B5EF4-FFF2-40B4-BE49-F238E27FC236}">
+                    <a16:creationId xmlns:a16="http://schemas.microsoft.com/office/drawing/2014/main" id="{9A2F21AA-2B21-7270-BAFB-2E55D40A94EC}"/>
+                  </a:ext>
+                </a:extLst>
+              </p14:cNvPr>
+              <p14:cNvContentPartPr/>
+              <p14:nvPr/>
+            </p14:nvContentPartPr>
+            <p14:xfrm>
+              <a:off x="5461604" y="1764922"/>
+              <a:ext cx="628560" cy="4320"/>
+            </p14:xfrm>
+          </p:contentPart>
+        </mc:Choice>
+        <mc:Fallback>
+          <p:pic>
+            <p:nvPicPr>
+              <p:cNvPr id="3" name="Ink 2">
+                <a:extLst>
+                  <a:ext uri="{FF2B5EF4-FFF2-40B4-BE49-F238E27FC236}">
+                    <a16:creationId xmlns:a16="http://schemas.microsoft.com/office/drawing/2014/main" id="{9A2F21AA-2B21-7270-BAFB-2E55D40A94EC}"/>
+                  </a:ext>
+                </a:extLst>
+              </p:cNvPr>
+              <p:cNvPicPr/>
+              <p:nvPr/>
+            </p:nvPicPr>
+            <p:blipFill>
+              <a:blip r:embed="rId7"/>
+              <a:stretch>
+                <a:fillRect/>
+              </a:stretch>
+            </p:blipFill>
+            <p:spPr>
+              <a:xfrm>
+                <a:off x="5425964" y="1692922"/>
+                <a:ext cx="700200" cy="147960"/>
+              </a:xfrm>
+              <a:prstGeom prst="rect">
+                <a:avLst/>
+              </a:prstGeom>
+            </p:spPr>
+          </p:pic>
+        </mc:Fallback>
+      </mc:AlternateContent>
+      <p:sp>
+        <p:nvSpPr>
+          <p:cNvPr id="4" name="TextBox 3">
+            <a:extLst>
+              <a:ext uri="{FF2B5EF4-FFF2-40B4-BE49-F238E27FC236}">
+                <a16:creationId xmlns:a16="http://schemas.microsoft.com/office/drawing/2014/main" id="{1A4087B6-3E61-A674-D5C0-9731688EC82C}"/>
+              </a:ext>
+            </a:extLst>
+          </p:cNvPr>
+          <p:cNvSpPr txBox="1"/>
+          <p:nvPr/>
+        </p:nvSpPr>
+        <p:spPr>
+          <a:xfrm>
+            <a:off x="3742862" y="2466976"/>
+            <a:ext cx="877163" cy="369332"/>
+          </a:xfrm>
+          <a:prstGeom prst="rect">
+            <a:avLst/>
+          </a:prstGeom>
+          <a:noFill/>
+        </p:spPr>
+        <p:txBody>
+          <a:bodyPr wrap="none" rtlCol="0">
+            <a:spAutoFit/>
+          </a:bodyPr>
+          <a:lstStyle/>
+          <a:p>
+            <a:r>
+              <a:rPr lang="en-JP" b="1" dirty="0"/>
+              <a:t>生産量</a:t>
+            </a:r>
+          </a:p>
+        </p:txBody>
+      </p:sp>
+      <p:grpSp>
+        <p:nvGrpSpPr>
+          <p:cNvPr id="19" name="Group 18">
+            <a:extLst>
+              <a:ext uri="{FF2B5EF4-FFF2-40B4-BE49-F238E27FC236}">
+                <a16:creationId xmlns:a16="http://schemas.microsoft.com/office/drawing/2014/main" id="{018DF832-ACFE-BFD9-03E0-4A6BABB09F50}"/>
+              </a:ext>
+            </a:extLst>
+          </p:cNvPr>
+          <p:cNvGrpSpPr/>
+          <p:nvPr/>
+        </p:nvGrpSpPr>
+        <p:grpSpPr>
+          <a:xfrm>
+            <a:off x="3573764" y="1004242"/>
+            <a:ext cx="1900440" cy="4599000"/>
+            <a:chOff x="3573764" y="1004242"/>
+            <a:chExt cx="1900440" cy="4599000"/>
+          </a:xfrm>
+        </p:grpSpPr>
+        <mc:AlternateContent xmlns:mc="http://schemas.openxmlformats.org/markup-compatibility/2006">
+          <mc:Choice xmlns:p14="http://schemas.microsoft.com/office/powerpoint/2010/main" Requires="p14">
+            <p:contentPart p14:bwMode="auto" r:id="rId8">
+              <p14:nvContentPartPr>
+                <p14:cNvPr id="5" name="Ink 4">
+                  <a:extLst>
+                    <a:ext uri="{FF2B5EF4-FFF2-40B4-BE49-F238E27FC236}">
+                      <a16:creationId xmlns:a16="http://schemas.microsoft.com/office/drawing/2014/main" id="{E2424F65-603B-1868-C900-55654B94E679}"/>
+                    </a:ext>
+                  </a:extLst>
+                </p14:cNvPr>
+                <p14:cNvContentPartPr/>
+                <p14:nvPr/>
+              </p14:nvContentPartPr>
+              <p14:xfrm>
+                <a:off x="4262444" y="3349282"/>
+                <a:ext cx="741960" cy="416160"/>
+              </p14:xfrm>
+            </p:contentPart>
+          </mc:Choice>
+          <mc:Fallback>
+            <p:pic>
+              <p:nvPicPr>
+                <p:cNvPr id="5" name="Ink 4">
+                  <a:extLst>
+                    <a:ext uri="{FF2B5EF4-FFF2-40B4-BE49-F238E27FC236}">
+                      <a16:creationId xmlns:a16="http://schemas.microsoft.com/office/drawing/2014/main" id="{E2424F65-603B-1868-C900-55654B94E679}"/>
+                    </a:ext>
+                  </a:extLst>
+                </p:cNvPr>
+                <p:cNvPicPr/>
+                <p:nvPr/>
+              </p:nvPicPr>
+              <p:blipFill>
+                <a:blip r:embed="rId9"/>
+                <a:stretch>
+                  <a:fillRect/>
+                </a:stretch>
+              </p:blipFill>
+              <p:spPr>
+                <a:xfrm>
+                  <a:off x="4226444" y="3313282"/>
+                  <a:ext cx="813600" cy="487800"/>
+                </a:xfrm>
+                <a:prstGeom prst="rect">
+                  <a:avLst/>
+                </a:prstGeom>
+              </p:spPr>
+            </p:pic>
+          </mc:Fallback>
+        </mc:AlternateContent>
+        <mc:AlternateContent xmlns:mc="http://schemas.openxmlformats.org/markup-compatibility/2006">
+          <mc:Choice xmlns:p14="http://schemas.microsoft.com/office/powerpoint/2010/main" Requires="p14">
+            <p:contentPart p14:bwMode="auto" r:id="rId10">
+              <p14:nvContentPartPr>
+                <p14:cNvPr id="9" name="Ink 8">
+                  <a:extLst>
+                    <a:ext uri="{FF2B5EF4-FFF2-40B4-BE49-F238E27FC236}">
+                      <a16:creationId xmlns:a16="http://schemas.microsoft.com/office/drawing/2014/main" id="{6AC0FEE5-9EE6-7C21-9FA4-5BA7EEE7185B}"/>
+                    </a:ext>
+                  </a:extLst>
+                </p14:cNvPr>
+                <p14:cNvContentPartPr/>
+                <p14:nvPr/>
+              </p14:nvContentPartPr>
+              <p14:xfrm>
+                <a:off x="5026004" y="3659602"/>
+                <a:ext cx="243360" cy="1461960"/>
+              </p14:xfrm>
+            </p:contentPart>
+          </mc:Choice>
+          <mc:Fallback>
+            <p:pic>
+              <p:nvPicPr>
+                <p:cNvPr id="9" name="Ink 8">
+                  <a:extLst>
+                    <a:ext uri="{FF2B5EF4-FFF2-40B4-BE49-F238E27FC236}">
+                      <a16:creationId xmlns:a16="http://schemas.microsoft.com/office/drawing/2014/main" id="{6AC0FEE5-9EE6-7C21-9FA4-5BA7EEE7185B}"/>
+                    </a:ext>
+                  </a:extLst>
+                </p:cNvPr>
+                <p:cNvPicPr/>
+                <p:nvPr/>
+              </p:nvPicPr>
+              <p:blipFill>
+                <a:blip r:embed="rId11"/>
+                <a:stretch>
+                  <a:fillRect/>
+                </a:stretch>
+              </p:blipFill>
+              <p:spPr>
+                <a:xfrm>
+                  <a:off x="4990004" y="3623962"/>
+                  <a:ext cx="315000" cy="1533600"/>
+                </a:xfrm>
+                <a:prstGeom prst="rect">
+                  <a:avLst/>
+                </a:prstGeom>
+              </p:spPr>
+            </p:pic>
+          </mc:Fallback>
+        </mc:AlternateContent>
+        <mc:AlternateContent xmlns:mc="http://schemas.openxmlformats.org/markup-compatibility/2006">
+          <mc:Choice xmlns:p14="http://schemas.microsoft.com/office/powerpoint/2010/main" Requires="p14">
+            <p:contentPart p14:bwMode="auto" r:id="rId12">
+              <p14:nvContentPartPr>
+                <p14:cNvPr id="10" name="Ink 9">
+                  <a:extLst>
+                    <a:ext uri="{FF2B5EF4-FFF2-40B4-BE49-F238E27FC236}">
+                      <a16:creationId xmlns:a16="http://schemas.microsoft.com/office/drawing/2014/main" id="{EF20ACDD-3710-6338-F1EB-BC9AAE84F2AF}"/>
+                    </a:ext>
+                  </a:extLst>
+                </p14:cNvPr>
+                <p14:cNvContentPartPr/>
+                <p14:nvPr/>
+              </p14:nvContentPartPr>
+              <p14:xfrm>
+                <a:off x="5176484" y="4865242"/>
+                <a:ext cx="297720" cy="225360"/>
+              </p14:xfrm>
+            </p:contentPart>
+          </mc:Choice>
+          <mc:Fallback>
+            <p:pic>
+              <p:nvPicPr>
+                <p:cNvPr id="10" name="Ink 9">
+                  <a:extLst>
+                    <a:ext uri="{FF2B5EF4-FFF2-40B4-BE49-F238E27FC236}">
+                      <a16:creationId xmlns:a16="http://schemas.microsoft.com/office/drawing/2014/main" id="{EF20ACDD-3710-6338-F1EB-BC9AAE84F2AF}"/>
+                    </a:ext>
+                  </a:extLst>
+                </p:cNvPr>
+                <p:cNvPicPr/>
+                <p:nvPr/>
+              </p:nvPicPr>
+              <p:blipFill>
+                <a:blip r:embed="rId13"/>
+                <a:stretch>
+                  <a:fillRect/>
+                </a:stretch>
+              </p:blipFill>
+              <p:spPr>
+                <a:xfrm>
+                  <a:off x="5140844" y="4829602"/>
+                  <a:ext cx="369360" cy="297000"/>
+                </a:xfrm>
+                <a:prstGeom prst="rect">
+                  <a:avLst/>
+                </a:prstGeom>
+              </p:spPr>
+            </p:pic>
+          </mc:Fallback>
+        </mc:AlternateContent>
+        <mc:AlternateContent xmlns:mc="http://schemas.openxmlformats.org/markup-compatibility/2006">
+          <mc:Choice xmlns:p14="http://schemas.microsoft.com/office/powerpoint/2010/main" Requires="p14">
+            <p:contentPart p14:bwMode="auto" r:id="rId14">
+              <p14:nvContentPartPr>
+                <p14:cNvPr id="15" name="Ink 14">
+                  <a:extLst>
+                    <a:ext uri="{FF2B5EF4-FFF2-40B4-BE49-F238E27FC236}">
+                      <a16:creationId xmlns:a16="http://schemas.microsoft.com/office/drawing/2014/main" id="{9260F295-D584-FE3D-84C1-E3C425F5525E}"/>
+                    </a:ext>
+                  </a:extLst>
+                </p14:cNvPr>
+                <p14:cNvContentPartPr/>
+                <p14:nvPr/>
+              </p14:nvContentPartPr>
+              <p14:xfrm>
+                <a:off x="4015124" y="1004242"/>
+                <a:ext cx="613440" cy="359280"/>
+              </p14:xfrm>
+            </p:contentPart>
+          </mc:Choice>
+          <mc:Fallback>
+            <p:pic>
+              <p:nvPicPr>
+                <p:cNvPr id="15" name="Ink 14">
+                  <a:extLst>
+                    <a:ext uri="{FF2B5EF4-FFF2-40B4-BE49-F238E27FC236}">
+                      <a16:creationId xmlns:a16="http://schemas.microsoft.com/office/drawing/2014/main" id="{9260F295-D584-FE3D-84C1-E3C425F5525E}"/>
+                    </a:ext>
+                  </a:extLst>
+                </p:cNvPr>
+                <p:cNvPicPr/>
+                <p:nvPr/>
+              </p:nvPicPr>
+              <p:blipFill>
+                <a:blip r:embed="rId15"/>
+                <a:stretch>
+                  <a:fillRect/>
+                </a:stretch>
+              </p:blipFill>
+              <p:spPr>
+                <a:xfrm>
+                  <a:off x="4006484" y="995242"/>
+                  <a:ext cx="631080" cy="376920"/>
+                </a:xfrm>
+                <a:prstGeom prst="rect">
+                  <a:avLst/>
+                </a:prstGeom>
+              </p:spPr>
+            </p:pic>
+          </mc:Fallback>
+        </mc:AlternateContent>
+        <mc:AlternateContent xmlns:mc="http://schemas.openxmlformats.org/markup-compatibility/2006">
+          <mc:Choice xmlns:p14="http://schemas.microsoft.com/office/powerpoint/2010/main" Requires="p14">
+            <p:contentPart p14:bwMode="auto" r:id="rId16">
+              <p14:nvContentPartPr>
+                <p14:cNvPr id="16" name="Ink 15">
+                  <a:extLst>
+                    <a:ext uri="{FF2B5EF4-FFF2-40B4-BE49-F238E27FC236}">
+                      <a16:creationId xmlns:a16="http://schemas.microsoft.com/office/drawing/2014/main" id="{ECC54B24-F8B0-52C4-E7C9-C6BCE7833AE4}"/>
+                    </a:ext>
+                  </a:extLst>
+                </p14:cNvPr>
+                <p14:cNvContentPartPr/>
+                <p14:nvPr/>
+              </p14:nvContentPartPr>
+              <p14:xfrm>
+                <a:off x="3573764" y="1186402"/>
+                <a:ext cx="983520" cy="4069080"/>
+              </p14:xfrm>
+            </p:contentPart>
+          </mc:Choice>
+          <mc:Fallback>
+            <p:pic>
+              <p:nvPicPr>
+                <p:cNvPr id="16" name="Ink 15">
+                  <a:extLst>
+                    <a:ext uri="{FF2B5EF4-FFF2-40B4-BE49-F238E27FC236}">
+                      <a16:creationId xmlns:a16="http://schemas.microsoft.com/office/drawing/2014/main" id="{ECC54B24-F8B0-52C4-E7C9-C6BCE7833AE4}"/>
+                    </a:ext>
+                  </a:extLst>
+                </p:cNvPr>
+                <p:cNvPicPr/>
+                <p:nvPr/>
+              </p:nvPicPr>
+              <p:blipFill>
+                <a:blip r:embed="rId17"/>
+                <a:stretch>
+                  <a:fillRect/>
+                </a:stretch>
+              </p:blipFill>
+              <p:spPr>
+                <a:xfrm>
+                  <a:off x="3564764" y="1177762"/>
+                  <a:ext cx="1001160" cy="4086720"/>
+                </a:xfrm>
+                <a:prstGeom prst="rect">
+                  <a:avLst/>
+                </a:prstGeom>
+              </p:spPr>
+            </p:pic>
+          </mc:Fallback>
+        </mc:AlternateContent>
+        <mc:AlternateContent xmlns:mc="http://schemas.openxmlformats.org/markup-compatibility/2006">
+          <mc:Choice xmlns:p14="http://schemas.microsoft.com/office/powerpoint/2010/main" Requires="p14">
+            <p:contentPart p14:bwMode="auto" r:id="rId18">
+              <p14:nvContentPartPr>
+                <p14:cNvPr id="18" name="Ink 17">
+                  <a:extLst>
+                    <a:ext uri="{FF2B5EF4-FFF2-40B4-BE49-F238E27FC236}">
+                      <a16:creationId xmlns:a16="http://schemas.microsoft.com/office/drawing/2014/main" id="{B6416BC9-BB48-6460-FBCD-FC44E8FBB7B7}"/>
+                    </a:ext>
+                  </a:extLst>
+                </p14:cNvPr>
+                <p14:cNvContentPartPr/>
+                <p14:nvPr/>
+              </p14:nvContentPartPr>
+              <p14:xfrm>
+                <a:off x="4400324" y="5032642"/>
+                <a:ext cx="411120" cy="570600"/>
+              </p14:xfrm>
+            </p:contentPart>
+          </mc:Choice>
+          <mc:Fallback>
+            <p:pic>
+              <p:nvPicPr>
+                <p:cNvPr id="18" name="Ink 17">
+                  <a:extLst>
+                    <a:ext uri="{FF2B5EF4-FFF2-40B4-BE49-F238E27FC236}">
+                      <a16:creationId xmlns:a16="http://schemas.microsoft.com/office/drawing/2014/main" id="{B6416BC9-BB48-6460-FBCD-FC44E8FBB7B7}"/>
+                    </a:ext>
+                  </a:extLst>
+                </p:cNvPr>
+                <p:cNvPicPr/>
+                <p:nvPr/>
+              </p:nvPicPr>
+              <p:blipFill>
+                <a:blip r:embed="rId19"/>
+                <a:stretch>
+                  <a:fillRect/>
+                </a:stretch>
+              </p:blipFill>
+              <p:spPr>
+                <a:xfrm>
+                  <a:off x="4391684" y="5024002"/>
+                  <a:ext cx="428760" cy="588240"/>
+                </a:xfrm>
+                <a:prstGeom prst="rect">
+                  <a:avLst/>
+                </a:prstGeom>
+              </p:spPr>
+            </p:pic>
+          </mc:Fallback>
+        </mc:AlternateContent>
+      </p:grpSp>
+      <p:sp>
+        <p:nvSpPr>
+          <p:cNvPr id="20" name="TextBox 19">
+            <a:extLst>
+              <a:ext uri="{FF2B5EF4-FFF2-40B4-BE49-F238E27FC236}">
+                <a16:creationId xmlns:a16="http://schemas.microsoft.com/office/drawing/2014/main" id="{70D1C438-3A6D-3D3A-9C39-5ED19DE18F9A}"/>
+              </a:ext>
+            </a:extLst>
+          </p:cNvPr>
+          <p:cNvSpPr txBox="1"/>
+          <p:nvPr/>
+        </p:nvSpPr>
+        <p:spPr>
+          <a:xfrm>
+            <a:off x="7050242" y="3627607"/>
+            <a:ext cx="4929555" cy="646331"/>
+          </a:xfrm>
+          <a:prstGeom prst="rect">
+            <a:avLst/>
+          </a:prstGeom>
+          <a:noFill/>
+        </p:spPr>
+        <p:txBody>
+          <a:bodyPr wrap="none" rtlCol="0">
+            <a:spAutoFit/>
+          </a:bodyPr>
+          <a:lstStyle/>
+          <a:p>
+            <a:r>
+              <a:rPr lang="en-JP" dirty="0"/>
+              <a:t>日本の場合、リンゴ１個生産するのに2人必要</a:t>
+            </a:r>
+          </a:p>
+          <a:p>
+            <a:r>
+              <a:rPr lang="en-JP" dirty="0"/>
+              <a:t>リンゴ100個作るには、200人必要。</a:t>
+            </a:r>
+          </a:p>
+        </p:txBody>
+      </p:sp>
+      <mc:AlternateContent xmlns:mc="http://schemas.openxmlformats.org/markup-compatibility/2006">
+        <mc:Choice xmlns:p14="http://schemas.microsoft.com/office/powerpoint/2010/main" Requires="p14">
+          <p:contentPart p14:bwMode="auto" r:id="rId20">
+            <p14:nvContentPartPr>
+              <p14:cNvPr id="21" name="Ink 20">
+                <a:extLst>
+                  <a:ext uri="{FF2B5EF4-FFF2-40B4-BE49-F238E27FC236}">
+                    <a16:creationId xmlns:a16="http://schemas.microsoft.com/office/drawing/2014/main" id="{EB770BFF-252A-BEBF-19E7-CA7E62EDCF7B}"/>
+                  </a:ext>
+                </a:extLst>
+              </p14:cNvPr>
+              <p14:cNvContentPartPr/>
+              <p14:nvPr/>
+            </p14:nvContentPartPr>
+            <p14:xfrm>
+              <a:off x="6660404" y="4307242"/>
+              <a:ext cx="582120" cy="653040"/>
+            </p14:xfrm>
+          </p:contentPart>
+        </mc:Choice>
+        <mc:Fallback>
+          <p:pic>
+            <p:nvPicPr>
+              <p:cNvPr id="21" name="Ink 20">
+                <a:extLst>
+                  <a:ext uri="{FF2B5EF4-FFF2-40B4-BE49-F238E27FC236}">
+                    <a16:creationId xmlns:a16="http://schemas.microsoft.com/office/drawing/2014/main" id="{EB770BFF-252A-BEBF-19E7-CA7E62EDCF7B}"/>
+                  </a:ext>
+                </a:extLst>
+              </p:cNvPr>
+              <p:cNvPicPr/>
+              <p:nvPr/>
+            </p:nvPicPr>
+            <p:blipFill>
+              <a:blip r:embed="rId21"/>
+              <a:stretch>
+                <a:fillRect/>
+              </a:stretch>
+            </p:blipFill>
+            <p:spPr>
+              <a:xfrm>
+                <a:off x="6624764" y="4235602"/>
+                <a:ext cx="653760" cy="796680"/>
+              </a:xfrm>
+              <a:prstGeom prst="rect">
+                <a:avLst/>
+              </a:prstGeom>
+            </p:spPr>
+          </p:pic>
+        </mc:Fallback>
+      </mc:AlternateContent>
+      <mc:AlternateContent xmlns:mc="http://schemas.openxmlformats.org/markup-compatibility/2006">
+        <mc:Choice xmlns:p14="http://schemas.microsoft.com/office/powerpoint/2010/main" Requires="p14">
+          <p:contentPart p14:bwMode="auto" r:id="rId22">
+            <p14:nvContentPartPr>
+              <p14:cNvPr id="22" name="Ink 21">
+                <a:extLst>
+                  <a:ext uri="{FF2B5EF4-FFF2-40B4-BE49-F238E27FC236}">
+                    <a16:creationId xmlns:a16="http://schemas.microsoft.com/office/drawing/2014/main" id="{A50FE57B-6933-C537-7285-6F42CED15611}"/>
+                  </a:ext>
+                </a:extLst>
+              </p14:cNvPr>
+              <p14:cNvContentPartPr/>
+              <p14:nvPr/>
+            </p14:nvContentPartPr>
+            <p14:xfrm>
+              <a:off x="6588044" y="4674442"/>
+              <a:ext cx="594000" cy="297720"/>
+            </p14:xfrm>
+          </p:contentPart>
+        </mc:Choice>
+        <mc:Fallback>
+          <p:pic>
+            <p:nvPicPr>
+              <p:cNvPr id="22" name="Ink 21">
+                <a:extLst>
+                  <a:ext uri="{FF2B5EF4-FFF2-40B4-BE49-F238E27FC236}">
+                    <a16:creationId xmlns:a16="http://schemas.microsoft.com/office/drawing/2014/main" id="{A50FE57B-6933-C537-7285-6F42CED15611}"/>
+                  </a:ext>
+                </a:extLst>
+              </p:cNvPr>
+              <p:cNvPicPr/>
+              <p:nvPr/>
+            </p:nvPicPr>
+            <p:blipFill>
+              <a:blip r:embed="rId23"/>
+              <a:stretch>
+                <a:fillRect/>
+              </a:stretch>
+            </p:blipFill>
+            <p:spPr>
+              <a:xfrm>
+                <a:off x="6552044" y="4602442"/>
+                <a:ext cx="665640" cy="441360"/>
+              </a:xfrm>
+              <a:prstGeom prst="rect">
+                <a:avLst/>
+              </a:prstGeom>
+            </p:spPr>
+          </p:pic>
+        </mc:Fallback>
+      </mc:AlternateContent>
+      <mc:AlternateContent xmlns:mc="http://schemas.openxmlformats.org/markup-compatibility/2006">
+        <mc:Choice xmlns:p14="http://schemas.microsoft.com/office/powerpoint/2010/main" Requires="p14">
+          <p:contentPart p14:bwMode="auto" r:id="rId24">
+            <p14:nvContentPartPr>
+              <p14:cNvPr id="23" name="Ink 22">
+                <a:extLst>
+                  <a:ext uri="{FF2B5EF4-FFF2-40B4-BE49-F238E27FC236}">
+                    <a16:creationId xmlns:a16="http://schemas.microsoft.com/office/drawing/2014/main" id="{B0463228-B613-2054-38D8-8DB9CF3B0EC4}"/>
+                  </a:ext>
+                </a:extLst>
+              </p14:cNvPr>
+              <p14:cNvContentPartPr/>
+              <p14:nvPr/>
+            </p14:nvContentPartPr>
+            <p14:xfrm>
+              <a:off x="6905204" y="2709562"/>
+              <a:ext cx="4826520" cy="1915200"/>
+            </p14:xfrm>
+          </p:contentPart>
+        </mc:Choice>
+        <mc:Fallback>
+          <p:pic>
+            <p:nvPicPr>
+              <p:cNvPr id="23" name="Ink 22">
+                <a:extLst>
+                  <a:ext uri="{FF2B5EF4-FFF2-40B4-BE49-F238E27FC236}">
+                    <a16:creationId xmlns:a16="http://schemas.microsoft.com/office/drawing/2014/main" id="{B0463228-B613-2054-38D8-8DB9CF3B0EC4}"/>
+                  </a:ext>
+                </a:extLst>
+              </p:cNvPr>
+              <p:cNvPicPr/>
+              <p:nvPr/>
+            </p:nvPicPr>
+            <p:blipFill>
+              <a:blip r:embed="rId25"/>
+              <a:stretch>
+                <a:fillRect/>
+              </a:stretch>
+            </p:blipFill>
+            <p:spPr>
+              <a:xfrm>
+                <a:off x="6869204" y="2637922"/>
+                <a:ext cx="4898160" cy="2058840"/>
+              </a:xfrm>
+              <a:prstGeom prst="rect">
+                <a:avLst/>
+              </a:prstGeom>
+            </p:spPr>
+          </p:pic>
+        </mc:Fallback>
+      </mc:AlternateContent>
+      <mc:AlternateContent xmlns:mc="http://schemas.openxmlformats.org/markup-compatibility/2006">
+        <mc:Choice xmlns:p14="http://schemas.microsoft.com/office/powerpoint/2010/main" Requires="p14">
+          <p:contentPart p14:bwMode="auto" r:id="rId26">
+            <p14:nvContentPartPr>
+              <p14:cNvPr id="24" name="Ink 23">
+                <a:extLst>
+                  <a:ext uri="{FF2B5EF4-FFF2-40B4-BE49-F238E27FC236}">
+                    <a16:creationId xmlns:a16="http://schemas.microsoft.com/office/drawing/2014/main" id="{1676D189-3731-F882-E7AE-6AC0A6D5AA57}"/>
+                  </a:ext>
+                </a:extLst>
+              </p14:cNvPr>
+              <p14:cNvContentPartPr/>
+              <p14:nvPr/>
+            </p14:nvContentPartPr>
+            <p14:xfrm>
+              <a:off x="4625324" y="6079522"/>
+              <a:ext cx="360" cy="360"/>
+            </p14:xfrm>
+          </p:contentPart>
+        </mc:Choice>
+        <mc:Fallback>
+          <p:pic>
+            <p:nvPicPr>
+              <p:cNvPr id="24" name="Ink 23">
+                <a:extLst>
+                  <a:ext uri="{FF2B5EF4-FFF2-40B4-BE49-F238E27FC236}">
+                    <a16:creationId xmlns:a16="http://schemas.microsoft.com/office/drawing/2014/main" id="{1676D189-3731-F882-E7AE-6AC0A6D5AA57}"/>
+                  </a:ext>
+                </a:extLst>
+              </p:cNvPr>
+              <p:cNvPicPr/>
+              <p:nvPr/>
+            </p:nvPicPr>
+            <p:blipFill>
+              <a:blip r:embed="rId27"/>
+              <a:stretch>
+                <a:fillRect/>
+              </a:stretch>
+            </p:blipFill>
+            <p:spPr>
+              <a:xfrm>
+                <a:off x="4589324" y="6007522"/>
+                <a:ext cx="72000" cy="144000"/>
+              </a:xfrm>
+              <a:prstGeom prst="rect">
+                <a:avLst/>
+              </a:prstGeom>
+            </p:spPr>
+          </p:pic>
+        </mc:Fallback>
+      </mc:AlternateContent>
+      <mc:AlternateContent xmlns:mc="http://schemas.openxmlformats.org/markup-compatibility/2006">
+        <mc:Choice xmlns:p14="http://schemas.microsoft.com/office/powerpoint/2010/main" Requires="p14">
+          <p:contentPart p14:bwMode="auto" r:id="rId28">
+            <p14:nvContentPartPr>
+              <p14:cNvPr id="25" name="Ink 24">
+                <a:extLst>
+                  <a:ext uri="{FF2B5EF4-FFF2-40B4-BE49-F238E27FC236}">
+                    <a16:creationId xmlns:a16="http://schemas.microsoft.com/office/drawing/2014/main" id="{806A0BF2-6111-304D-0B5C-308EFC47919B}"/>
+                  </a:ext>
+                </a:extLst>
+              </p14:cNvPr>
+              <p14:cNvContentPartPr/>
+              <p14:nvPr/>
+            </p14:nvContentPartPr>
+            <p14:xfrm>
+              <a:off x="4625324" y="6036322"/>
+              <a:ext cx="2463120" cy="43560"/>
+            </p14:xfrm>
+          </p:contentPart>
+        </mc:Choice>
+        <mc:Fallback>
+          <p:pic>
+            <p:nvPicPr>
+              <p:cNvPr id="25" name="Ink 24">
+                <a:extLst>
+                  <a:ext uri="{FF2B5EF4-FFF2-40B4-BE49-F238E27FC236}">
+                    <a16:creationId xmlns:a16="http://schemas.microsoft.com/office/drawing/2014/main" id="{806A0BF2-6111-304D-0B5C-308EFC47919B}"/>
+                  </a:ext>
+                </a:extLst>
+              </p:cNvPr>
+              <p:cNvPicPr/>
+              <p:nvPr/>
+            </p:nvPicPr>
+            <p:blipFill>
+              <a:blip r:embed="rId29"/>
+              <a:stretch>
+                <a:fillRect/>
+              </a:stretch>
+            </p:blipFill>
+            <p:spPr>
+              <a:xfrm>
+                <a:off x="4589324" y="5964682"/>
+                <a:ext cx="2534760" cy="187200"/>
+              </a:xfrm>
+              <a:prstGeom prst="rect">
+                <a:avLst/>
+              </a:prstGeom>
+            </p:spPr>
+          </p:pic>
+        </mc:Fallback>
+      </mc:AlternateContent>
+      <mc:AlternateContent xmlns:mc="http://schemas.openxmlformats.org/markup-compatibility/2006">
+        <mc:Choice xmlns:p14="http://schemas.microsoft.com/office/powerpoint/2010/main" Requires="p14">
+          <p:contentPart p14:bwMode="auto" r:id="rId30">
+            <p14:nvContentPartPr>
+              <p14:cNvPr id="26" name="Ink 25">
+                <a:extLst>
+                  <a:ext uri="{FF2B5EF4-FFF2-40B4-BE49-F238E27FC236}">
+                    <a16:creationId xmlns:a16="http://schemas.microsoft.com/office/drawing/2014/main" id="{306033A6-3B8F-B7D0-FCF4-71FE210F5965}"/>
+                  </a:ext>
+                </a:extLst>
+              </p14:cNvPr>
+              <p14:cNvContentPartPr/>
+              <p14:nvPr/>
+            </p14:nvContentPartPr>
+            <p14:xfrm>
+              <a:off x="4493204" y="6628162"/>
+              <a:ext cx="1327320" cy="25560"/>
+            </p14:xfrm>
+          </p:contentPart>
+        </mc:Choice>
+        <mc:Fallback>
+          <p:pic>
+            <p:nvPicPr>
+              <p:cNvPr id="26" name="Ink 25">
+                <a:extLst>
+                  <a:ext uri="{FF2B5EF4-FFF2-40B4-BE49-F238E27FC236}">
+                    <a16:creationId xmlns:a16="http://schemas.microsoft.com/office/drawing/2014/main" id="{306033A6-3B8F-B7D0-FCF4-71FE210F5965}"/>
+                  </a:ext>
+                </a:extLst>
+              </p:cNvPr>
+              <p:cNvPicPr/>
+              <p:nvPr/>
+            </p:nvPicPr>
+            <p:blipFill>
+              <a:blip r:embed="rId31"/>
+              <a:stretch>
+                <a:fillRect/>
+              </a:stretch>
+            </p:blipFill>
+            <p:spPr>
+              <a:xfrm>
+                <a:off x="4457204" y="6556522"/>
+                <a:ext cx="1398960" cy="169200"/>
+              </a:xfrm>
+              <a:prstGeom prst="rect">
+                <a:avLst/>
+              </a:prstGeom>
+            </p:spPr>
+          </p:pic>
+        </mc:Fallback>
+      </mc:AlternateContent>
+      <mc:AlternateContent xmlns:mc="http://schemas.openxmlformats.org/markup-compatibility/2006">
+        <mc:Choice xmlns:p14="http://schemas.microsoft.com/office/powerpoint/2010/main" Requires="p14">
+          <p:contentPart p14:bwMode="auto" r:id="rId32">
+            <p14:nvContentPartPr>
+              <p14:cNvPr id="27" name="Ink 26">
+                <a:extLst>
+                  <a:ext uri="{FF2B5EF4-FFF2-40B4-BE49-F238E27FC236}">
+                    <a16:creationId xmlns:a16="http://schemas.microsoft.com/office/drawing/2014/main" id="{82FC8882-DA72-1307-0D15-8B52FB7B7DAF}"/>
+                  </a:ext>
+                </a:extLst>
+              </p14:cNvPr>
+              <p14:cNvContentPartPr/>
+              <p14:nvPr/>
+            </p14:nvContentPartPr>
+            <p14:xfrm>
+              <a:off x="7947764" y="5392282"/>
+              <a:ext cx="3187800" cy="100080"/>
+            </p14:xfrm>
+          </p:contentPart>
+        </mc:Choice>
+        <mc:Fallback>
+          <p:pic>
+            <p:nvPicPr>
+              <p:cNvPr id="27" name="Ink 26">
+                <a:extLst>
+                  <a:ext uri="{FF2B5EF4-FFF2-40B4-BE49-F238E27FC236}">
+                    <a16:creationId xmlns:a16="http://schemas.microsoft.com/office/drawing/2014/main" id="{82FC8882-DA72-1307-0D15-8B52FB7B7DAF}"/>
+                  </a:ext>
+                </a:extLst>
+              </p:cNvPr>
+              <p:cNvPicPr/>
+              <p:nvPr/>
+            </p:nvPicPr>
+            <p:blipFill>
+              <a:blip r:embed="rId33"/>
+              <a:stretch>
+                <a:fillRect/>
+              </a:stretch>
+            </p:blipFill>
+            <p:spPr>
+              <a:xfrm>
+                <a:off x="7911764" y="5320282"/>
+                <a:ext cx="3259440" cy="243720"/>
+              </a:xfrm>
+              <a:prstGeom prst="rect">
+                <a:avLst/>
+              </a:prstGeom>
+            </p:spPr>
+          </p:pic>
+        </mc:Fallback>
+      </mc:AlternateContent>
+      <mc:AlternateContent xmlns:mc="http://schemas.openxmlformats.org/markup-compatibility/2006">
+        <mc:Choice xmlns:p14="http://schemas.microsoft.com/office/powerpoint/2010/main" Requires="p14">
+          <p:contentPart p14:bwMode="auto" r:id="rId34">
+            <p14:nvContentPartPr>
+              <p14:cNvPr id="28" name="Ink 27">
+                <a:extLst>
+                  <a:ext uri="{FF2B5EF4-FFF2-40B4-BE49-F238E27FC236}">
+                    <a16:creationId xmlns:a16="http://schemas.microsoft.com/office/drawing/2014/main" id="{49433271-568E-2B7F-1918-E48265EBB844}"/>
+                  </a:ext>
+                </a:extLst>
+              </p14:cNvPr>
+              <p14:cNvContentPartPr/>
+              <p14:nvPr/>
+            </p14:nvContentPartPr>
+            <p14:xfrm>
+              <a:off x="7969364" y="5940562"/>
+              <a:ext cx="2423160" cy="98280"/>
+            </p14:xfrm>
+          </p:contentPart>
+        </mc:Choice>
+        <mc:Fallback>
+          <p:pic>
+            <p:nvPicPr>
+              <p:cNvPr id="28" name="Ink 27">
+                <a:extLst>
+                  <a:ext uri="{FF2B5EF4-FFF2-40B4-BE49-F238E27FC236}">
+                    <a16:creationId xmlns:a16="http://schemas.microsoft.com/office/drawing/2014/main" id="{49433271-568E-2B7F-1918-E48265EBB844}"/>
+                  </a:ext>
+                </a:extLst>
+              </p:cNvPr>
+              <p:cNvPicPr/>
+              <p:nvPr/>
+            </p:nvPicPr>
+            <p:blipFill>
+              <a:blip r:embed="rId35"/>
+              <a:stretch>
+                <a:fillRect/>
+              </a:stretch>
+            </p:blipFill>
+            <p:spPr>
+              <a:xfrm>
+                <a:off x="7933724" y="5868562"/>
+                <a:ext cx="2494800" cy="241920"/>
+              </a:xfrm>
+              <a:prstGeom prst="rect">
+                <a:avLst/>
+              </a:prstGeom>
+            </p:spPr>
+          </p:pic>
+        </mc:Fallback>
+      </mc:AlternateContent>
+      <mc:AlternateContent xmlns:mc="http://schemas.openxmlformats.org/markup-compatibility/2006">
+        <mc:Choice xmlns:p14="http://schemas.microsoft.com/office/powerpoint/2010/main" Requires="p14">
+          <p:contentPart p14:bwMode="auto" r:id="rId36">
+            <p14:nvContentPartPr>
+              <p14:cNvPr id="29" name="Ink 28">
+                <a:extLst>
+                  <a:ext uri="{FF2B5EF4-FFF2-40B4-BE49-F238E27FC236}">
+                    <a16:creationId xmlns:a16="http://schemas.microsoft.com/office/drawing/2014/main" id="{10E84B65-DEE6-8DCB-A7B4-78F28DA6F45D}"/>
+                  </a:ext>
+                </a:extLst>
+              </p14:cNvPr>
+              <p14:cNvContentPartPr/>
+              <p14:nvPr/>
+            </p14:nvContentPartPr>
+            <p14:xfrm>
+              <a:off x="7951004" y="6661282"/>
+              <a:ext cx="1411920" cy="7560"/>
+            </p14:xfrm>
+          </p:contentPart>
+        </mc:Choice>
+        <mc:Fallback>
+          <p:pic>
+            <p:nvPicPr>
+              <p:cNvPr id="29" name="Ink 28">
+                <a:extLst>
+                  <a:ext uri="{FF2B5EF4-FFF2-40B4-BE49-F238E27FC236}">
+                    <a16:creationId xmlns:a16="http://schemas.microsoft.com/office/drawing/2014/main" id="{10E84B65-DEE6-8DCB-A7B4-78F28DA6F45D}"/>
+                  </a:ext>
+                </a:extLst>
+              </p:cNvPr>
+              <p:cNvPicPr/>
+              <p:nvPr/>
+            </p:nvPicPr>
+            <p:blipFill>
+              <a:blip r:embed="rId37"/>
+              <a:stretch>
+                <a:fillRect/>
+              </a:stretch>
+            </p:blipFill>
+            <p:spPr>
+              <a:xfrm>
+                <a:off x="7915364" y="6589642"/>
+                <a:ext cx="1483560" cy="151200"/>
+              </a:xfrm>
+              <a:prstGeom prst="rect">
+                <a:avLst/>
+              </a:prstGeom>
+            </p:spPr>
+          </p:pic>
+        </mc:Fallback>
+      </mc:AlternateContent>
     </p:spTree>
     <p:extLst>
       <p:ext uri="{BB962C8B-B14F-4D97-AF65-F5344CB8AC3E}">
@@ -12944,8 +16017,8 @@
           </a:prstGeom>
         </p:spPr>
       </p:pic>
-      <mc:AlternateContent xmlns:mc="http://schemas.openxmlformats.org/markup-compatibility/2006">
-        <mc:Choice xmlns:a14="http://schemas.microsoft.com/office/drawing/2010/main" Requires="a14">
+      <mc:AlternateContent xmlns:mc="http://schemas.openxmlformats.org/markup-compatibility/2006" xmlns:a14="http://schemas.microsoft.com/office/drawing/2010/main">
+        <mc:Choice Requires="a14">
           <p:graphicFrame>
             <p:nvGraphicFramePr>
               <p:cNvPr id="8" name="Table 7">
@@ -13061,6 +16134,7 @@
                         <a:bodyPr/>
                         <a:lstStyle/>
                         <a:p>
+                          <a:pPr/>
                           <a14:m>
                             <m:oMathPara xmlns:m="http://schemas.openxmlformats.org/officeDocument/2006/math">
                               <m:oMathParaPr>
@@ -13326,7 +16400,7 @@
             </a:graphic>
           </p:graphicFrame>
         </mc:Choice>
-        <mc:Fallback>
+        <mc:Fallback xmlns="">
           <p:graphicFrame>
             <p:nvGraphicFramePr>
               <p:cNvPr id="8" name="Table 7">
@@ -13596,8 +16670,8 @@
           </p:graphicFrame>
         </mc:Fallback>
       </mc:AlternateContent>
-      <mc:AlternateContent xmlns:mc="http://schemas.openxmlformats.org/markup-compatibility/2006">
-        <mc:Choice xmlns:a14="http://schemas.microsoft.com/office/drawing/2010/main" Requires="a14">
+      <mc:AlternateContent xmlns:mc="http://schemas.openxmlformats.org/markup-compatibility/2006" xmlns:a14="http://schemas.microsoft.com/office/drawing/2010/main">
+        <mc:Choice Requires="a14">
           <p:sp>
             <p:nvSpPr>
               <p:cNvPr id="4" name="TextBox 3">
@@ -13671,7 +16745,7 @@
             </p:txBody>
           </p:sp>
         </mc:Choice>
-        <mc:Fallback>
+        <mc:Fallback xmlns="">
           <p:sp>
             <p:nvSpPr>
               <p:cNvPr id="4" name="TextBox 3">
@@ -13716,8 +16790,8 @@
           </p:sp>
         </mc:Fallback>
       </mc:AlternateContent>
-      <mc:AlternateContent xmlns:mc="http://schemas.openxmlformats.org/markup-compatibility/2006">
-        <mc:Choice xmlns:a14="http://schemas.microsoft.com/office/drawing/2010/main" Requires="a14">
+      <mc:AlternateContent xmlns:mc="http://schemas.openxmlformats.org/markup-compatibility/2006" xmlns:a14="http://schemas.microsoft.com/office/drawing/2010/main">
+        <mc:Choice Requires="a14">
           <p:sp>
             <p:nvSpPr>
               <p:cNvPr id="5" name="TextBox 4">
@@ -13797,7 +16871,7 @@
             </p:txBody>
           </p:sp>
         </mc:Choice>
-        <mc:Fallback>
+        <mc:Fallback xmlns="">
           <p:sp>
             <p:nvSpPr>
               <p:cNvPr id="5" name="TextBox 4">
@@ -13842,8 +16916,8 @@
           </p:sp>
         </mc:Fallback>
       </mc:AlternateContent>
-      <mc:AlternateContent xmlns:mc="http://schemas.openxmlformats.org/markup-compatibility/2006">
-        <mc:Choice xmlns:a14="http://schemas.microsoft.com/office/drawing/2010/main" Requires="a14">
+      <mc:AlternateContent xmlns:mc="http://schemas.openxmlformats.org/markup-compatibility/2006" xmlns:a14="http://schemas.microsoft.com/office/drawing/2010/main">
+        <mc:Choice Requires="a14">
           <p:sp>
             <p:nvSpPr>
               <p:cNvPr id="9" name="TextBox 8">
@@ -13905,7 +16979,7 @@
             </p:txBody>
           </p:sp>
         </mc:Choice>
-        <mc:Fallback>
+        <mc:Fallback xmlns="">
           <p:sp>
             <p:nvSpPr>
               <p:cNvPr id="9" name="TextBox 8">
@@ -13950,8 +17024,8 @@
           </p:sp>
         </mc:Fallback>
       </mc:AlternateContent>
-      <mc:AlternateContent xmlns:mc="http://schemas.openxmlformats.org/markup-compatibility/2006">
-        <mc:Choice xmlns:a14="http://schemas.microsoft.com/office/drawing/2010/main" Requires="a14">
+      <mc:AlternateContent xmlns:mc="http://schemas.openxmlformats.org/markup-compatibility/2006" xmlns:a14="http://schemas.microsoft.com/office/drawing/2010/main">
+        <mc:Choice Requires="a14">
           <p:sp>
             <p:nvSpPr>
               <p:cNvPr id="10" name="TextBox 9">
@@ -14044,7 +17118,7 @@
             </p:txBody>
           </p:sp>
         </mc:Choice>
-        <mc:Fallback>
+        <mc:Fallback xmlns="">
           <p:sp>
             <p:nvSpPr>
               <p:cNvPr id="10" name="TextBox 9">
@@ -14087,6 +17161,567 @@
               </a:p>
             </p:txBody>
           </p:sp>
+        </mc:Fallback>
+      </mc:AlternateContent>
+      <mc:AlternateContent xmlns:mc="http://schemas.openxmlformats.org/markup-compatibility/2006">
+        <mc:Choice xmlns:p14="http://schemas.microsoft.com/office/powerpoint/2010/main" Requires="p14">
+          <p:contentPart p14:bwMode="auto" r:id="rId9">
+            <p14:nvContentPartPr>
+              <p14:cNvPr id="2" name="Ink 1">
+                <a:extLst>
+                  <a:ext uri="{FF2B5EF4-FFF2-40B4-BE49-F238E27FC236}">
+                    <a16:creationId xmlns:a16="http://schemas.microsoft.com/office/drawing/2014/main" id="{1228B40E-7B05-9774-274A-576585FA0598}"/>
+                  </a:ext>
+                </a:extLst>
+              </p14:cNvPr>
+              <p14:cNvContentPartPr/>
+              <p14:nvPr/>
+            </p14:nvContentPartPr>
+            <p14:xfrm>
+              <a:off x="4388084" y="3586882"/>
+              <a:ext cx="507960" cy="24120"/>
+            </p14:xfrm>
+          </p:contentPart>
+        </mc:Choice>
+        <mc:Fallback>
+          <p:pic>
+            <p:nvPicPr>
+              <p:cNvPr id="2" name="Ink 1">
+                <a:extLst>
+                  <a:ext uri="{FF2B5EF4-FFF2-40B4-BE49-F238E27FC236}">
+                    <a16:creationId xmlns:a16="http://schemas.microsoft.com/office/drawing/2014/main" id="{1228B40E-7B05-9774-274A-576585FA0598}"/>
+                  </a:ext>
+                </a:extLst>
+              </p:cNvPr>
+              <p:cNvPicPr/>
+              <p:nvPr/>
+            </p:nvPicPr>
+            <p:blipFill>
+              <a:blip r:embed="rId10"/>
+              <a:stretch>
+                <a:fillRect/>
+              </a:stretch>
+            </p:blipFill>
+            <p:spPr>
+              <a:xfrm>
+                <a:off x="4352444" y="3515242"/>
+                <a:ext cx="579600" cy="167760"/>
+              </a:xfrm>
+              <a:prstGeom prst="rect">
+                <a:avLst/>
+              </a:prstGeom>
+            </p:spPr>
+          </p:pic>
+        </mc:Fallback>
+      </mc:AlternateContent>
+      <mc:AlternateContent xmlns:mc="http://schemas.openxmlformats.org/markup-compatibility/2006">
+        <mc:Choice xmlns:p14="http://schemas.microsoft.com/office/powerpoint/2010/main" Requires="p14">
+          <p:contentPart p14:bwMode="auto" r:id="rId11">
+            <p14:nvContentPartPr>
+              <p14:cNvPr id="3" name="Ink 2">
+                <a:extLst>
+                  <a:ext uri="{FF2B5EF4-FFF2-40B4-BE49-F238E27FC236}">
+                    <a16:creationId xmlns:a16="http://schemas.microsoft.com/office/drawing/2014/main" id="{C8A3E224-FB33-D9FE-C211-25BB7E318018}"/>
+                  </a:ext>
+                </a:extLst>
+              </p14:cNvPr>
+              <p14:cNvContentPartPr/>
+              <p14:nvPr/>
+            </p14:nvContentPartPr>
+            <p14:xfrm>
+              <a:off x="5686244" y="5316322"/>
+              <a:ext cx="239400" cy="19440"/>
+            </p14:xfrm>
+          </p:contentPart>
+        </mc:Choice>
+        <mc:Fallback>
+          <p:pic>
+            <p:nvPicPr>
+              <p:cNvPr id="3" name="Ink 2">
+                <a:extLst>
+                  <a:ext uri="{FF2B5EF4-FFF2-40B4-BE49-F238E27FC236}">
+                    <a16:creationId xmlns:a16="http://schemas.microsoft.com/office/drawing/2014/main" id="{C8A3E224-FB33-D9FE-C211-25BB7E318018}"/>
+                  </a:ext>
+                </a:extLst>
+              </p:cNvPr>
+              <p:cNvPicPr/>
+              <p:nvPr/>
+            </p:nvPicPr>
+            <p:blipFill>
+              <a:blip r:embed="rId12"/>
+              <a:stretch>
+                <a:fillRect/>
+              </a:stretch>
+            </p:blipFill>
+            <p:spPr>
+              <a:xfrm>
+                <a:off x="5650604" y="5244682"/>
+                <a:ext cx="311040" cy="163080"/>
+              </a:xfrm>
+              <a:prstGeom prst="rect">
+                <a:avLst/>
+              </a:prstGeom>
+            </p:spPr>
+          </p:pic>
+        </mc:Fallback>
+      </mc:AlternateContent>
+      <mc:AlternateContent xmlns:mc="http://schemas.openxmlformats.org/markup-compatibility/2006">
+        <mc:Choice xmlns:p14="http://schemas.microsoft.com/office/powerpoint/2010/main" Requires="p14">
+          <p:contentPart p14:bwMode="auto" r:id="rId13">
+            <p14:nvContentPartPr>
+              <p14:cNvPr id="11" name="Ink 10">
+                <a:extLst>
+                  <a:ext uri="{FF2B5EF4-FFF2-40B4-BE49-F238E27FC236}">
+                    <a16:creationId xmlns:a16="http://schemas.microsoft.com/office/drawing/2014/main" id="{8FF85174-658F-C928-C888-3065458D2888}"/>
+                  </a:ext>
+                </a:extLst>
+              </p14:cNvPr>
+              <p14:cNvContentPartPr/>
+              <p14:nvPr/>
+            </p14:nvContentPartPr>
+            <p14:xfrm>
+              <a:off x="4936004" y="3583642"/>
+              <a:ext cx="784080" cy="1710720"/>
+            </p14:xfrm>
+          </p:contentPart>
+        </mc:Choice>
+        <mc:Fallback>
+          <p:pic>
+            <p:nvPicPr>
+              <p:cNvPr id="11" name="Ink 10">
+                <a:extLst>
+                  <a:ext uri="{FF2B5EF4-FFF2-40B4-BE49-F238E27FC236}">
+                    <a16:creationId xmlns:a16="http://schemas.microsoft.com/office/drawing/2014/main" id="{8FF85174-658F-C928-C888-3065458D2888}"/>
+                  </a:ext>
+                </a:extLst>
+              </p:cNvPr>
+              <p:cNvPicPr/>
+              <p:nvPr/>
+            </p:nvPicPr>
+            <p:blipFill>
+              <a:blip r:embed="rId14"/>
+              <a:stretch>
+                <a:fillRect/>
+              </a:stretch>
+            </p:blipFill>
+            <p:spPr>
+              <a:xfrm>
+                <a:off x="4900004" y="3511642"/>
+                <a:ext cx="855720" cy="1854360"/>
+              </a:xfrm>
+              <a:prstGeom prst="rect">
+                <a:avLst/>
+              </a:prstGeom>
+            </p:spPr>
+          </p:pic>
+        </mc:Fallback>
+      </mc:AlternateContent>
+      <mc:AlternateContent xmlns:mc="http://schemas.openxmlformats.org/markup-compatibility/2006">
+        <mc:Choice xmlns:p14="http://schemas.microsoft.com/office/powerpoint/2010/main" Requires="p14">
+          <p:contentPart p14:bwMode="auto" r:id="rId15">
+            <p14:nvContentPartPr>
+              <p14:cNvPr id="12" name="Ink 11">
+                <a:extLst>
+                  <a:ext uri="{FF2B5EF4-FFF2-40B4-BE49-F238E27FC236}">
+                    <a16:creationId xmlns:a16="http://schemas.microsoft.com/office/drawing/2014/main" id="{E432BED4-8398-00FC-7B74-03E68EAE2657}"/>
+                  </a:ext>
+                </a:extLst>
+              </p14:cNvPr>
+              <p14:cNvContentPartPr/>
+              <p14:nvPr/>
+            </p14:nvContentPartPr>
+            <p14:xfrm>
+              <a:off x="4419404" y="3992962"/>
+              <a:ext cx="351720" cy="31680"/>
+            </p14:xfrm>
+          </p:contentPart>
+        </mc:Choice>
+        <mc:Fallback>
+          <p:pic>
+            <p:nvPicPr>
+              <p:cNvPr id="12" name="Ink 11">
+                <a:extLst>
+                  <a:ext uri="{FF2B5EF4-FFF2-40B4-BE49-F238E27FC236}">
+                    <a16:creationId xmlns:a16="http://schemas.microsoft.com/office/drawing/2014/main" id="{E432BED4-8398-00FC-7B74-03E68EAE2657}"/>
+                  </a:ext>
+                </a:extLst>
+              </p:cNvPr>
+              <p:cNvPicPr/>
+              <p:nvPr/>
+            </p:nvPicPr>
+            <p:blipFill>
+              <a:blip r:embed="rId16"/>
+              <a:stretch>
+                <a:fillRect/>
+              </a:stretch>
+            </p:blipFill>
+            <p:spPr>
+              <a:xfrm>
+                <a:off x="4383404" y="3920962"/>
+                <a:ext cx="423360" cy="175320"/>
+              </a:xfrm>
+              <a:prstGeom prst="rect">
+                <a:avLst/>
+              </a:prstGeom>
+            </p:spPr>
+          </p:pic>
+        </mc:Fallback>
+      </mc:AlternateContent>
+      <mc:AlternateContent xmlns:mc="http://schemas.openxmlformats.org/markup-compatibility/2006">
+        <mc:Choice xmlns:p14="http://schemas.microsoft.com/office/powerpoint/2010/main" Requires="p14">
+          <p:contentPart p14:bwMode="auto" r:id="rId17">
+            <p14:nvContentPartPr>
+              <p14:cNvPr id="13" name="Ink 12">
+                <a:extLst>
+                  <a:ext uri="{FF2B5EF4-FFF2-40B4-BE49-F238E27FC236}">
+                    <a16:creationId xmlns:a16="http://schemas.microsoft.com/office/drawing/2014/main" id="{A4D319A4-513B-BBF2-C3B9-3FCCF91ADCE6}"/>
+                  </a:ext>
+                </a:extLst>
+              </p14:cNvPr>
+              <p14:cNvContentPartPr/>
+              <p14:nvPr/>
+            </p14:nvContentPartPr>
+            <p14:xfrm>
+              <a:off x="4437404" y="4152802"/>
+              <a:ext cx="1303920" cy="1789200"/>
+            </p14:xfrm>
+          </p:contentPart>
+        </mc:Choice>
+        <mc:Fallback>
+          <p:pic>
+            <p:nvPicPr>
+              <p:cNvPr id="13" name="Ink 12">
+                <a:extLst>
+                  <a:ext uri="{FF2B5EF4-FFF2-40B4-BE49-F238E27FC236}">
+                    <a16:creationId xmlns:a16="http://schemas.microsoft.com/office/drawing/2014/main" id="{A4D319A4-513B-BBF2-C3B9-3FCCF91ADCE6}"/>
+                  </a:ext>
+                </a:extLst>
+              </p:cNvPr>
+              <p:cNvPicPr/>
+              <p:nvPr/>
+            </p:nvPicPr>
+            <p:blipFill>
+              <a:blip r:embed="rId18"/>
+              <a:stretch>
+                <a:fillRect/>
+              </a:stretch>
+            </p:blipFill>
+            <p:spPr>
+              <a:xfrm>
+                <a:off x="4401764" y="4080802"/>
+                <a:ext cx="1375560" cy="1932840"/>
+              </a:xfrm>
+              <a:prstGeom prst="rect">
+                <a:avLst/>
+              </a:prstGeom>
+            </p:spPr>
+          </p:pic>
+        </mc:Fallback>
+      </mc:AlternateContent>
+      <mc:AlternateContent xmlns:mc="http://schemas.openxmlformats.org/markup-compatibility/2006">
+        <mc:Choice xmlns:p14="http://schemas.microsoft.com/office/powerpoint/2010/main" Requires="p14">
+          <p:contentPart p14:bwMode="auto" r:id="rId19">
+            <p14:nvContentPartPr>
+              <p14:cNvPr id="14" name="Ink 13">
+                <a:extLst>
+                  <a:ext uri="{FF2B5EF4-FFF2-40B4-BE49-F238E27FC236}">
+                    <a16:creationId xmlns:a16="http://schemas.microsoft.com/office/drawing/2014/main" id="{67504F14-28E6-7FBD-8CCB-98EFC181CF4A}"/>
+                  </a:ext>
+                </a:extLst>
+              </p14:cNvPr>
+              <p14:cNvContentPartPr/>
+              <p14:nvPr/>
+            </p14:nvContentPartPr>
+            <p14:xfrm>
+              <a:off x="5715404" y="5938402"/>
+              <a:ext cx="122400" cy="9360"/>
+            </p14:xfrm>
+          </p:contentPart>
+        </mc:Choice>
+        <mc:Fallback>
+          <p:pic>
+            <p:nvPicPr>
+              <p:cNvPr id="14" name="Ink 13">
+                <a:extLst>
+                  <a:ext uri="{FF2B5EF4-FFF2-40B4-BE49-F238E27FC236}">
+                    <a16:creationId xmlns:a16="http://schemas.microsoft.com/office/drawing/2014/main" id="{67504F14-28E6-7FBD-8CCB-98EFC181CF4A}"/>
+                  </a:ext>
+                </a:extLst>
+              </p:cNvPr>
+              <p:cNvPicPr/>
+              <p:nvPr/>
+            </p:nvPicPr>
+            <p:blipFill>
+              <a:blip r:embed="rId20"/>
+              <a:stretch>
+                <a:fillRect/>
+              </a:stretch>
+            </p:blipFill>
+            <p:spPr>
+              <a:xfrm>
+                <a:off x="5679404" y="5866762"/>
+                <a:ext cx="194040" cy="153000"/>
+              </a:xfrm>
+              <a:prstGeom prst="rect">
+                <a:avLst/>
+              </a:prstGeom>
+            </p:spPr>
+          </p:pic>
+        </mc:Fallback>
+      </mc:AlternateContent>
+      <mc:AlternateContent xmlns:mc="http://schemas.openxmlformats.org/markup-compatibility/2006">
+        <mc:Choice xmlns:p14="http://schemas.microsoft.com/office/powerpoint/2010/main" Requires="p14">
+          <p:contentPart p14:bwMode="auto" r:id="rId21">
+            <p14:nvContentPartPr>
+              <p14:cNvPr id="15" name="Ink 14">
+                <a:extLst>
+                  <a:ext uri="{FF2B5EF4-FFF2-40B4-BE49-F238E27FC236}">
+                    <a16:creationId xmlns:a16="http://schemas.microsoft.com/office/drawing/2014/main" id="{A1660537-83A9-D070-7805-BF2AE53D5D8D}"/>
+                  </a:ext>
+                </a:extLst>
+              </p14:cNvPr>
+              <p14:cNvContentPartPr/>
+              <p14:nvPr/>
+            </p14:nvContentPartPr>
+            <p14:xfrm>
+              <a:off x="9328364" y="778522"/>
+              <a:ext cx="221760" cy="29880"/>
+            </p14:xfrm>
+          </p:contentPart>
+        </mc:Choice>
+        <mc:Fallback>
+          <p:pic>
+            <p:nvPicPr>
+              <p:cNvPr id="15" name="Ink 14">
+                <a:extLst>
+                  <a:ext uri="{FF2B5EF4-FFF2-40B4-BE49-F238E27FC236}">
+                    <a16:creationId xmlns:a16="http://schemas.microsoft.com/office/drawing/2014/main" id="{A1660537-83A9-D070-7805-BF2AE53D5D8D}"/>
+                  </a:ext>
+                </a:extLst>
+              </p:cNvPr>
+              <p:cNvPicPr/>
+              <p:nvPr/>
+            </p:nvPicPr>
+            <p:blipFill>
+              <a:blip r:embed="rId22"/>
+              <a:stretch>
+                <a:fillRect/>
+              </a:stretch>
+            </p:blipFill>
+            <p:spPr>
+              <a:xfrm>
+                <a:off x="9292364" y="706882"/>
+                <a:ext cx="293400" cy="173520"/>
+              </a:xfrm>
+              <a:prstGeom prst="rect">
+                <a:avLst/>
+              </a:prstGeom>
+            </p:spPr>
+          </p:pic>
+        </mc:Fallback>
+      </mc:AlternateContent>
+      <mc:AlternateContent xmlns:mc="http://schemas.openxmlformats.org/markup-compatibility/2006">
+        <mc:Choice xmlns:p14="http://schemas.microsoft.com/office/powerpoint/2010/main" Requires="p14">
+          <p:contentPart p14:bwMode="auto" r:id="rId23">
+            <p14:nvContentPartPr>
+              <p14:cNvPr id="16" name="Ink 15">
+                <a:extLst>
+                  <a:ext uri="{FF2B5EF4-FFF2-40B4-BE49-F238E27FC236}">
+                    <a16:creationId xmlns:a16="http://schemas.microsoft.com/office/drawing/2014/main" id="{6065E07B-9423-8D67-74E3-D2483AFF57B4}"/>
+                  </a:ext>
+                </a:extLst>
+              </p14:cNvPr>
+              <p14:cNvContentPartPr/>
+              <p14:nvPr/>
+            </p14:nvContentPartPr>
+            <p14:xfrm>
+              <a:off x="8198684" y="776362"/>
+              <a:ext cx="125280" cy="360"/>
+            </p14:xfrm>
+          </p:contentPart>
+        </mc:Choice>
+        <mc:Fallback>
+          <p:pic>
+            <p:nvPicPr>
+              <p:cNvPr id="16" name="Ink 15">
+                <a:extLst>
+                  <a:ext uri="{FF2B5EF4-FFF2-40B4-BE49-F238E27FC236}">
+                    <a16:creationId xmlns:a16="http://schemas.microsoft.com/office/drawing/2014/main" id="{6065E07B-9423-8D67-74E3-D2483AFF57B4}"/>
+                  </a:ext>
+                </a:extLst>
+              </p:cNvPr>
+              <p:cNvPicPr/>
+              <p:nvPr/>
+            </p:nvPicPr>
+            <p:blipFill>
+              <a:blip r:embed="rId24"/>
+              <a:stretch>
+                <a:fillRect/>
+              </a:stretch>
+            </p:blipFill>
+            <p:spPr>
+              <a:xfrm>
+                <a:off x="8163044" y="704722"/>
+                <a:ext cx="196920" cy="144000"/>
+              </a:xfrm>
+              <a:prstGeom prst="rect">
+                <a:avLst/>
+              </a:prstGeom>
+            </p:spPr>
+          </p:pic>
+        </mc:Fallback>
+      </mc:AlternateContent>
+      <mc:AlternateContent xmlns:mc="http://schemas.openxmlformats.org/markup-compatibility/2006">
+        <mc:Choice xmlns:p14="http://schemas.microsoft.com/office/powerpoint/2010/main" Requires="p14">
+          <p:contentPart p14:bwMode="auto" r:id="rId25">
+            <p14:nvContentPartPr>
+              <p14:cNvPr id="17" name="Ink 16">
+                <a:extLst>
+                  <a:ext uri="{FF2B5EF4-FFF2-40B4-BE49-F238E27FC236}">
+                    <a16:creationId xmlns:a16="http://schemas.microsoft.com/office/drawing/2014/main" id="{7BD64EC5-86F1-EACF-0077-BEDBD0BC7523}"/>
+                  </a:ext>
+                </a:extLst>
+              </p14:cNvPr>
+              <p14:cNvContentPartPr/>
+              <p14:nvPr/>
+            </p14:nvContentPartPr>
+            <p14:xfrm>
+              <a:off x="7846964" y="1046002"/>
+              <a:ext cx="3324240" cy="10440"/>
+            </p14:xfrm>
+          </p:contentPart>
+        </mc:Choice>
+        <mc:Fallback>
+          <p:pic>
+            <p:nvPicPr>
+              <p:cNvPr id="17" name="Ink 16">
+                <a:extLst>
+                  <a:ext uri="{FF2B5EF4-FFF2-40B4-BE49-F238E27FC236}">
+                    <a16:creationId xmlns:a16="http://schemas.microsoft.com/office/drawing/2014/main" id="{7BD64EC5-86F1-EACF-0077-BEDBD0BC7523}"/>
+                  </a:ext>
+                </a:extLst>
+              </p:cNvPr>
+              <p:cNvPicPr/>
+              <p:nvPr/>
+            </p:nvPicPr>
+            <p:blipFill>
+              <a:blip r:embed="rId26"/>
+              <a:stretch>
+                <a:fillRect/>
+              </a:stretch>
+            </p:blipFill>
+            <p:spPr>
+              <a:xfrm>
+                <a:off x="7810964" y="974002"/>
+                <a:ext cx="3395880" cy="154080"/>
+              </a:xfrm>
+              <a:prstGeom prst="rect">
+                <a:avLst/>
+              </a:prstGeom>
+            </p:spPr>
+          </p:pic>
+        </mc:Fallback>
+      </mc:AlternateContent>
+      <mc:AlternateContent xmlns:mc="http://schemas.openxmlformats.org/markup-compatibility/2006">
+        <mc:Choice xmlns:p14="http://schemas.microsoft.com/office/powerpoint/2010/main" Requires="p14">
+          <p:contentPart p14:bwMode="auto" r:id="rId27">
+            <p14:nvContentPartPr>
+              <p14:cNvPr id="18" name="Ink 17">
+                <a:extLst>
+                  <a:ext uri="{FF2B5EF4-FFF2-40B4-BE49-F238E27FC236}">
+                    <a16:creationId xmlns:a16="http://schemas.microsoft.com/office/drawing/2014/main" id="{70742806-5B60-0358-B208-BA897B56CCF1}"/>
+                  </a:ext>
+                </a:extLst>
+              </p14:cNvPr>
+              <p14:cNvContentPartPr/>
+              <p14:nvPr/>
+            </p14:nvContentPartPr>
+            <p14:xfrm>
+              <a:off x="8031644" y="1912162"/>
+              <a:ext cx="3666960" cy="149760"/>
+            </p14:xfrm>
+          </p:contentPart>
+        </mc:Choice>
+        <mc:Fallback>
+          <p:pic>
+            <p:nvPicPr>
+              <p:cNvPr id="18" name="Ink 17">
+                <a:extLst>
+                  <a:ext uri="{FF2B5EF4-FFF2-40B4-BE49-F238E27FC236}">
+                    <a16:creationId xmlns:a16="http://schemas.microsoft.com/office/drawing/2014/main" id="{70742806-5B60-0358-B208-BA897B56CCF1}"/>
+                  </a:ext>
+                </a:extLst>
+              </p:cNvPr>
+              <p:cNvPicPr/>
+              <p:nvPr/>
+            </p:nvPicPr>
+            <p:blipFill>
+              <a:blip r:embed="rId28"/>
+              <a:stretch>
+                <a:fillRect/>
+              </a:stretch>
+            </p:blipFill>
+            <p:spPr>
+              <a:xfrm>
+                <a:off x="7996004" y="1840162"/>
+                <a:ext cx="3738600" cy="293400"/>
+              </a:xfrm>
+              <a:prstGeom prst="rect">
+                <a:avLst/>
+              </a:prstGeom>
+            </p:spPr>
+          </p:pic>
+        </mc:Fallback>
+      </mc:AlternateContent>
+      <mc:AlternateContent xmlns:mc="http://schemas.openxmlformats.org/markup-compatibility/2006">
+        <mc:Choice xmlns:p14="http://schemas.microsoft.com/office/powerpoint/2010/main" Requires="p14">
+          <p:contentPart p14:bwMode="auto" r:id="rId29">
+            <p14:nvContentPartPr>
+              <p14:cNvPr id="20" name="Ink 19">
+                <a:extLst>
+                  <a:ext uri="{FF2B5EF4-FFF2-40B4-BE49-F238E27FC236}">
+                    <a16:creationId xmlns:a16="http://schemas.microsoft.com/office/drawing/2014/main" id="{A6B8FD94-DB40-99B2-281A-433413C8DEEE}"/>
+                  </a:ext>
+                </a:extLst>
+              </p14:cNvPr>
+              <p14:cNvContentPartPr/>
+              <p14:nvPr/>
+            </p14:nvContentPartPr>
+            <p14:xfrm>
+              <a:off x="7819244" y="2700562"/>
+              <a:ext cx="3845520" cy="143640"/>
+            </p14:xfrm>
+          </p:contentPart>
+        </mc:Choice>
+        <mc:Fallback>
+          <p:pic>
+            <p:nvPicPr>
+              <p:cNvPr id="20" name="Ink 19">
+                <a:extLst>
+                  <a:ext uri="{FF2B5EF4-FFF2-40B4-BE49-F238E27FC236}">
+                    <a16:creationId xmlns:a16="http://schemas.microsoft.com/office/drawing/2014/main" id="{A6B8FD94-DB40-99B2-281A-433413C8DEEE}"/>
+                  </a:ext>
+                </a:extLst>
+              </p:cNvPr>
+              <p:cNvPicPr/>
+              <p:nvPr/>
+            </p:nvPicPr>
+            <p:blipFill>
+              <a:blip r:embed="rId30"/>
+              <a:stretch>
+                <a:fillRect/>
+              </a:stretch>
+            </p:blipFill>
+            <p:spPr>
+              <a:xfrm>
+                <a:off x="7783604" y="2628922"/>
+                <a:ext cx="3917160" cy="287280"/>
+              </a:xfrm>
+              <a:prstGeom prst="rect">
+                <a:avLst/>
+              </a:prstGeom>
+            </p:spPr>
+          </p:pic>
         </mc:Fallback>
       </mc:AlternateContent>
     </p:spTree>
@@ -14423,8 +18058,8 @@
           </a:p>
         </p:txBody>
       </p:sp>
-      <mc:AlternateContent xmlns:mc="http://schemas.openxmlformats.org/markup-compatibility/2006">
-        <mc:Choice xmlns:p14="http://schemas.microsoft.com/office/powerpoint/2010/main" Requires="p14">
+      <mc:AlternateContent xmlns:mc="http://schemas.openxmlformats.org/markup-compatibility/2006" xmlns:p14="http://schemas.microsoft.com/office/powerpoint/2010/main">
+        <mc:Choice Requires="p14">
           <p:contentPart p14:bwMode="auto" r:id="rId2">
             <p14:nvContentPartPr>
               <p14:cNvPr id="16" name="Ink 15">
@@ -14443,7 +18078,7 @@
             </p14:xfrm>
           </p:contentPart>
         </mc:Choice>
-        <mc:Fallback>
+        <mc:Fallback xmlns="">
           <p:pic>
             <p:nvPicPr>
               <p:cNvPr id="16" name="Ink 15">
@@ -14949,6 +18584,836 @@
           </a:p>
         </p:txBody>
       </p:sp>
+      <mc:AlternateContent xmlns:mc="http://schemas.openxmlformats.org/markup-compatibility/2006">
+        <mc:Choice xmlns:p14="http://schemas.microsoft.com/office/powerpoint/2010/main" Requires="p14">
+          <p:contentPart p14:bwMode="auto" r:id="rId4">
+            <p14:nvContentPartPr>
+              <p14:cNvPr id="2" name="Ink 1">
+                <a:extLst>
+                  <a:ext uri="{FF2B5EF4-FFF2-40B4-BE49-F238E27FC236}">
+                    <a16:creationId xmlns:a16="http://schemas.microsoft.com/office/drawing/2014/main" id="{C258492B-C710-3F99-29BE-6A706DB43D91}"/>
+                  </a:ext>
+                </a:extLst>
+              </p14:cNvPr>
+              <p14:cNvContentPartPr/>
+              <p14:nvPr/>
+            </p14:nvContentPartPr>
+            <p14:xfrm>
+              <a:off x="2033324" y="2739442"/>
+              <a:ext cx="666360" cy="360"/>
+            </p14:xfrm>
+          </p:contentPart>
+        </mc:Choice>
+        <mc:Fallback>
+          <p:pic>
+            <p:nvPicPr>
+              <p:cNvPr id="2" name="Ink 1">
+                <a:extLst>
+                  <a:ext uri="{FF2B5EF4-FFF2-40B4-BE49-F238E27FC236}">
+                    <a16:creationId xmlns:a16="http://schemas.microsoft.com/office/drawing/2014/main" id="{C258492B-C710-3F99-29BE-6A706DB43D91}"/>
+                  </a:ext>
+                </a:extLst>
+              </p:cNvPr>
+              <p:cNvPicPr/>
+              <p:nvPr/>
+            </p:nvPicPr>
+            <p:blipFill>
+              <a:blip r:embed="rId5"/>
+              <a:stretch>
+                <a:fillRect/>
+              </a:stretch>
+            </p:blipFill>
+            <p:spPr>
+              <a:xfrm>
+                <a:off x="1997324" y="2667442"/>
+                <a:ext cx="738000" cy="144000"/>
+              </a:xfrm>
+              <a:prstGeom prst="rect">
+                <a:avLst/>
+              </a:prstGeom>
+            </p:spPr>
+          </p:pic>
+        </mc:Fallback>
+      </mc:AlternateContent>
+      <mc:AlternateContent xmlns:mc="http://schemas.openxmlformats.org/markup-compatibility/2006">
+        <mc:Choice xmlns:p14="http://schemas.microsoft.com/office/powerpoint/2010/main" Requires="p14">
+          <p:contentPart p14:bwMode="auto" r:id="rId6">
+            <p14:nvContentPartPr>
+              <p14:cNvPr id="5" name="Ink 4">
+                <a:extLst>
+                  <a:ext uri="{FF2B5EF4-FFF2-40B4-BE49-F238E27FC236}">
+                    <a16:creationId xmlns:a16="http://schemas.microsoft.com/office/drawing/2014/main" id="{AE3C8F86-DD8E-F054-F0E8-B3DF7FAA282D}"/>
+                  </a:ext>
+                </a:extLst>
+              </p14:cNvPr>
+              <p14:cNvContentPartPr/>
+              <p14:nvPr/>
+            </p14:nvContentPartPr>
+            <p14:xfrm>
+              <a:off x="6267644" y="3809362"/>
+              <a:ext cx="1569240" cy="37440"/>
+            </p14:xfrm>
+          </p:contentPart>
+        </mc:Choice>
+        <mc:Fallback>
+          <p:pic>
+            <p:nvPicPr>
+              <p:cNvPr id="5" name="Ink 4">
+                <a:extLst>
+                  <a:ext uri="{FF2B5EF4-FFF2-40B4-BE49-F238E27FC236}">
+                    <a16:creationId xmlns:a16="http://schemas.microsoft.com/office/drawing/2014/main" id="{AE3C8F86-DD8E-F054-F0E8-B3DF7FAA282D}"/>
+                  </a:ext>
+                </a:extLst>
+              </p:cNvPr>
+              <p:cNvPicPr/>
+              <p:nvPr/>
+            </p:nvPicPr>
+            <p:blipFill>
+              <a:blip r:embed="rId7"/>
+              <a:stretch>
+                <a:fillRect/>
+              </a:stretch>
+            </p:blipFill>
+            <p:spPr>
+              <a:xfrm>
+                <a:off x="6232004" y="3737722"/>
+                <a:ext cx="1640880" cy="181080"/>
+              </a:xfrm>
+              <a:prstGeom prst="rect">
+                <a:avLst/>
+              </a:prstGeom>
+            </p:spPr>
+          </p:pic>
+        </mc:Fallback>
+      </mc:AlternateContent>
+      <mc:AlternateContent xmlns:mc="http://schemas.openxmlformats.org/markup-compatibility/2006">
+        <mc:Choice xmlns:p14="http://schemas.microsoft.com/office/powerpoint/2010/main" Requires="p14">
+          <p:contentPart p14:bwMode="auto" r:id="rId8">
+            <p14:nvContentPartPr>
+              <p14:cNvPr id="6" name="Ink 5">
+                <a:extLst>
+                  <a:ext uri="{FF2B5EF4-FFF2-40B4-BE49-F238E27FC236}">
+                    <a16:creationId xmlns:a16="http://schemas.microsoft.com/office/drawing/2014/main" id="{73D38B44-762A-BB70-9F10-F225732EF597}"/>
+                  </a:ext>
+                </a:extLst>
+              </p14:cNvPr>
+              <p14:cNvContentPartPr/>
+              <p14:nvPr/>
+            </p14:nvContentPartPr>
+            <p14:xfrm>
+              <a:off x="6281684" y="4297882"/>
+              <a:ext cx="3063600" cy="101160"/>
+            </p14:xfrm>
+          </p:contentPart>
+        </mc:Choice>
+        <mc:Fallback>
+          <p:pic>
+            <p:nvPicPr>
+              <p:cNvPr id="6" name="Ink 5">
+                <a:extLst>
+                  <a:ext uri="{FF2B5EF4-FFF2-40B4-BE49-F238E27FC236}">
+                    <a16:creationId xmlns:a16="http://schemas.microsoft.com/office/drawing/2014/main" id="{73D38B44-762A-BB70-9F10-F225732EF597}"/>
+                  </a:ext>
+                </a:extLst>
+              </p:cNvPr>
+              <p:cNvPicPr/>
+              <p:nvPr/>
+            </p:nvPicPr>
+            <p:blipFill>
+              <a:blip r:embed="rId9"/>
+              <a:stretch>
+                <a:fillRect/>
+              </a:stretch>
+            </p:blipFill>
+            <p:spPr>
+              <a:xfrm>
+                <a:off x="6245684" y="4226242"/>
+                <a:ext cx="3135240" cy="244800"/>
+              </a:xfrm>
+              <a:prstGeom prst="rect">
+                <a:avLst/>
+              </a:prstGeom>
+            </p:spPr>
+          </p:pic>
+        </mc:Fallback>
+      </mc:AlternateContent>
+      <mc:AlternateContent xmlns:mc="http://schemas.openxmlformats.org/markup-compatibility/2006">
+        <mc:Choice xmlns:p14="http://schemas.microsoft.com/office/powerpoint/2010/main" Requires="p14">
+          <p:contentPart p14:bwMode="auto" r:id="rId10">
+            <p14:nvContentPartPr>
+              <p14:cNvPr id="7" name="Ink 6">
+                <a:extLst>
+                  <a:ext uri="{FF2B5EF4-FFF2-40B4-BE49-F238E27FC236}">
+                    <a16:creationId xmlns:a16="http://schemas.microsoft.com/office/drawing/2014/main" id="{8EAF4F83-F4D6-232C-4825-49EF524D208E}"/>
+                  </a:ext>
+                </a:extLst>
+              </p14:cNvPr>
+              <p14:cNvContentPartPr/>
+              <p14:nvPr/>
+            </p14:nvContentPartPr>
+            <p14:xfrm>
+              <a:off x="7034444" y="4914922"/>
+              <a:ext cx="137880" cy="254160"/>
+            </p14:xfrm>
+          </p:contentPart>
+        </mc:Choice>
+        <mc:Fallback>
+          <p:pic>
+            <p:nvPicPr>
+              <p:cNvPr id="7" name="Ink 6">
+                <a:extLst>
+                  <a:ext uri="{FF2B5EF4-FFF2-40B4-BE49-F238E27FC236}">
+                    <a16:creationId xmlns:a16="http://schemas.microsoft.com/office/drawing/2014/main" id="{8EAF4F83-F4D6-232C-4825-49EF524D208E}"/>
+                  </a:ext>
+                </a:extLst>
+              </p:cNvPr>
+              <p:cNvPicPr/>
+              <p:nvPr/>
+            </p:nvPicPr>
+            <p:blipFill>
+              <a:blip r:embed="rId11"/>
+              <a:stretch>
+                <a:fillRect/>
+              </a:stretch>
+            </p:blipFill>
+            <p:spPr>
+              <a:xfrm>
+                <a:off x="6998804" y="4842922"/>
+                <a:ext cx="209520" cy="397800"/>
+              </a:xfrm>
+              <a:prstGeom prst="rect">
+                <a:avLst/>
+              </a:prstGeom>
+            </p:spPr>
+          </p:pic>
+        </mc:Fallback>
+      </mc:AlternateContent>
+      <mc:AlternateContent xmlns:mc="http://schemas.openxmlformats.org/markup-compatibility/2006">
+        <mc:Choice xmlns:p14="http://schemas.microsoft.com/office/powerpoint/2010/main" Requires="p14">
+          <p:contentPart p14:bwMode="auto" r:id="rId12">
+            <p14:nvContentPartPr>
+              <p14:cNvPr id="8" name="Ink 7">
+                <a:extLst>
+                  <a:ext uri="{FF2B5EF4-FFF2-40B4-BE49-F238E27FC236}">
+                    <a16:creationId xmlns:a16="http://schemas.microsoft.com/office/drawing/2014/main" id="{923F0E0C-FDD4-66D5-7FF6-64567006244E}"/>
+                  </a:ext>
+                </a:extLst>
+              </p14:cNvPr>
+              <p14:cNvContentPartPr/>
+              <p14:nvPr/>
+            </p14:nvContentPartPr>
+            <p14:xfrm>
+              <a:off x="2355164" y="642442"/>
+              <a:ext cx="360" cy="360"/>
+            </p14:xfrm>
+          </p:contentPart>
+        </mc:Choice>
+        <mc:Fallback>
+          <p:pic>
+            <p:nvPicPr>
+              <p:cNvPr id="8" name="Ink 7">
+                <a:extLst>
+                  <a:ext uri="{FF2B5EF4-FFF2-40B4-BE49-F238E27FC236}">
+                    <a16:creationId xmlns:a16="http://schemas.microsoft.com/office/drawing/2014/main" id="{923F0E0C-FDD4-66D5-7FF6-64567006244E}"/>
+                  </a:ext>
+                </a:extLst>
+              </p:cNvPr>
+              <p:cNvPicPr/>
+              <p:nvPr/>
+            </p:nvPicPr>
+            <p:blipFill>
+              <a:blip r:embed="rId13"/>
+              <a:stretch>
+                <a:fillRect/>
+              </a:stretch>
+            </p:blipFill>
+            <p:spPr>
+              <a:xfrm>
+                <a:off x="2319164" y="570802"/>
+                <a:ext cx="72000" cy="144000"/>
+              </a:xfrm>
+              <a:prstGeom prst="rect">
+                <a:avLst/>
+              </a:prstGeom>
+            </p:spPr>
+          </p:pic>
+        </mc:Fallback>
+      </mc:AlternateContent>
+      <mc:AlternateContent xmlns:mc="http://schemas.openxmlformats.org/markup-compatibility/2006">
+        <mc:Choice xmlns:p14="http://schemas.microsoft.com/office/powerpoint/2010/main" Requires="p14">
+          <p:contentPart p14:bwMode="auto" r:id="rId14">
+            <p14:nvContentPartPr>
+              <p14:cNvPr id="15" name="Ink 14">
+                <a:extLst>
+                  <a:ext uri="{FF2B5EF4-FFF2-40B4-BE49-F238E27FC236}">
+                    <a16:creationId xmlns:a16="http://schemas.microsoft.com/office/drawing/2014/main" id="{102A81B6-131C-3D8A-3855-88AAD18C72F2}"/>
+                  </a:ext>
+                </a:extLst>
+              </p14:cNvPr>
+              <p14:cNvContentPartPr/>
+              <p14:nvPr/>
+            </p14:nvContentPartPr>
+            <p14:xfrm>
+              <a:off x="963404" y="572242"/>
+              <a:ext cx="1658520" cy="110520"/>
+            </p14:xfrm>
+          </p:contentPart>
+        </mc:Choice>
+        <mc:Fallback>
+          <p:pic>
+            <p:nvPicPr>
+              <p:cNvPr id="15" name="Ink 14">
+                <a:extLst>
+                  <a:ext uri="{FF2B5EF4-FFF2-40B4-BE49-F238E27FC236}">
+                    <a16:creationId xmlns:a16="http://schemas.microsoft.com/office/drawing/2014/main" id="{102A81B6-131C-3D8A-3855-88AAD18C72F2}"/>
+                  </a:ext>
+                </a:extLst>
+              </p:cNvPr>
+              <p:cNvPicPr/>
+              <p:nvPr/>
+            </p:nvPicPr>
+            <p:blipFill>
+              <a:blip r:embed="rId15"/>
+              <a:stretch>
+                <a:fillRect/>
+              </a:stretch>
+            </p:blipFill>
+            <p:spPr>
+              <a:xfrm>
+                <a:off x="927404" y="500602"/>
+                <a:ext cx="1730160" cy="254160"/>
+              </a:xfrm>
+              <a:prstGeom prst="rect">
+                <a:avLst/>
+              </a:prstGeom>
+            </p:spPr>
+          </p:pic>
+        </mc:Fallback>
+      </mc:AlternateContent>
+      <mc:AlternateContent xmlns:mc="http://schemas.openxmlformats.org/markup-compatibility/2006">
+        <mc:Choice xmlns:p14="http://schemas.microsoft.com/office/powerpoint/2010/main" Requires="p14">
+          <p:contentPart p14:bwMode="auto" r:id="rId16">
+            <p14:nvContentPartPr>
+              <p14:cNvPr id="18" name="Ink 17">
+                <a:extLst>
+                  <a:ext uri="{FF2B5EF4-FFF2-40B4-BE49-F238E27FC236}">
+                    <a16:creationId xmlns:a16="http://schemas.microsoft.com/office/drawing/2014/main" id="{6EBF5E52-4634-C494-0D9A-59CE8898B965}"/>
+                  </a:ext>
+                </a:extLst>
+              </p14:cNvPr>
+              <p14:cNvContentPartPr/>
+              <p14:nvPr/>
+            </p14:nvContentPartPr>
+            <p14:xfrm>
+              <a:off x="9509084" y="5399482"/>
+              <a:ext cx="850680" cy="3600"/>
+            </p14:xfrm>
+          </p:contentPart>
+        </mc:Choice>
+        <mc:Fallback>
+          <p:pic>
+            <p:nvPicPr>
+              <p:cNvPr id="18" name="Ink 17">
+                <a:extLst>
+                  <a:ext uri="{FF2B5EF4-FFF2-40B4-BE49-F238E27FC236}">
+                    <a16:creationId xmlns:a16="http://schemas.microsoft.com/office/drawing/2014/main" id="{6EBF5E52-4634-C494-0D9A-59CE8898B965}"/>
+                  </a:ext>
+                </a:extLst>
+              </p:cNvPr>
+              <p:cNvPicPr/>
+              <p:nvPr/>
+            </p:nvPicPr>
+            <p:blipFill>
+              <a:blip r:embed="rId17"/>
+              <a:stretch>
+                <a:fillRect/>
+              </a:stretch>
+            </p:blipFill>
+            <p:spPr>
+              <a:xfrm>
+                <a:off x="9473084" y="5327842"/>
+                <a:ext cx="922320" cy="147240"/>
+              </a:xfrm>
+              <a:prstGeom prst="rect">
+                <a:avLst/>
+              </a:prstGeom>
+            </p:spPr>
+          </p:pic>
+        </mc:Fallback>
+      </mc:AlternateContent>
+      <mc:AlternateContent xmlns:mc="http://schemas.openxmlformats.org/markup-compatibility/2006">
+        <mc:Choice xmlns:p14="http://schemas.microsoft.com/office/powerpoint/2010/main" Requires="p14">
+          <p:contentPart p14:bwMode="auto" r:id="rId18">
+            <p14:nvContentPartPr>
+              <p14:cNvPr id="19" name="Ink 18">
+                <a:extLst>
+                  <a:ext uri="{FF2B5EF4-FFF2-40B4-BE49-F238E27FC236}">
+                    <a16:creationId xmlns:a16="http://schemas.microsoft.com/office/drawing/2014/main" id="{1DA067A0-DF90-F3F8-2667-BC92117816D8}"/>
+                  </a:ext>
+                </a:extLst>
+              </p14:cNvPr>
+              <p14:cNvContentPartPr/>
+              <p14:nvPr/>
+            </p14:nvContentPartPr>
+            <p14:xfrm>
+              <a:off x="2801564" y="1694362"/>
+              <a:ext cx="2863080" cy="3519720"/>
+            </p14:xfrm>
+          </p:contentPart>
+        </mc:Choice>
+        <mc:Fallback>
+          <p:pic>
+            <p:nvPicPr>
+              <p:cNvPr id="19" name="Ink 18">
+                <a:extLst>
+                  <a:ext uri="{FF2B5EF4-FFF2-40B4-BE49-F238E27FC236}">
+                    <a16:creationId xmlns:a16="http://schemas.microsoft.com/office/drawing/2014/main" id="{1DA067A0-DF90-F3F8-2667-BC92117816D8}"/>
+                  </a:ext>
+                </a:extLst>
+              </p:cNvPr>
+              <p:cNvPicPr/>
+              <p:nvPr/>
+            </p:nvPicPr>
+            <p:blipFill>
+              <a:blip r:embed="rId19"/>
+              <a:stretch>
+                <a:fillRect/>
+              </a:stretch>
+            </p:blipFill>
+            <p:spPr>
+              <a:xfrm>
+                <a:off x="2765924" y="1622722"/>
+                <a:ext cx="2934720" cy="3663360"/>
+              </a:xfrm>
+              <a:prstGeom prst="rect">
+                <a:avLst/>
+              </a:prstGeom>
+            </p:spPr>
+          </p:pic>
+        </mc:Fallback>
+      </mc:AlternateContent>
+      <mc:AlternateContent xmlns:mc="http://schemas.openxmlformats.org/markup-compatibility/2006">
+        <mc:Choice xmlns:p14="http://schemas.microsoft.com/office/powerpoint/2010/main" Requires="p14">
+          <p:contentPart p14:bwMode="auto" r:id="rId20">
+            <p14:nvContentPartPr>
+              <p14:cNvPr id="23" name="Ink 22">
+                <a:extLst>
+                  <a:ext uri="{FF2B5EF4-FFF2-40B4-BE49-F238E27FC236}">
+                    <a16:creationId xmlns:a16="http://schemas.microsoft.com/office/drawing/2014/main" id="{2C64AF1F-0E44-3E58-4D9B-D380A7E9C99A}"/>
+                  </a:ext>
+                </a:extLst>
+              </p14:cNvPr>
+              <p14:cNvContentPartPr/>
+              <p14:nvPr/>
+            </p14:nvContentPartPr>
+            <p14:xfrm>
+              <a:off x="2837564" y="4459162"/>
+              <a:ext cx="1653120" cy="140760"/>
+            </p14:xfrm>
+          </p:contentPart>
+        </mc:Choice>
+        <mc:Fallback>
+          <p:pic>
+            <p:nvPicPr>
+              <p:cNvPr id="23" name="Ink 22">
+                <a:extLst>
+                  <a:ext uri="{FF2B5EF4-FFF2-40B4-BE49-F238E27FC236}">
+                    <a16:creationId xmlns:a16="http://schemas.microsoft.com/office/drawing/2014/main" id="{2C64AF1F-0E44-3E58-4D9B-D380A7E9C99A}"/>
+                  </a:ext>
+                </a:extLst>
+              </p:cNvPr>
+              <p:cNvPicPr/>
+              <p:nvPr/>
+            </p:nvPicPr>
+            <p:blipFill>
+              <a:blip r:embed="rId21"/>
+              <a:stretch>
+                <a:fillRect/>
+              </a:stretch>
+            </p:blipFill>
+            <p:spPr>
+              <a:xfrm>
+                <a:off x="2801564" y="4387162"/>
+                <a:ext cx="1724760" cy="284400"/>
+              </a:xfrm>
+              <a:prstGeom prst="rect">
+                <a:avLst/>
+              </a:prstGeom>
+            </p:spPr>
+          </p:pic>
+        </mc:Fallback>
+      </mc:AlternateContent>
+      <mc:AlternateContent xmlns:mc="http://schemas.openxmlformats.org/markup-compatibility/2006">
+        <mc:Choice xmlns:p14="http://schemas.microsoft.com/office/powerpoint/2010/main" Requires="p14">
+          <p:contentPart p14:bwMode="auto" r:id="rId22">
+            <p14:nvContentPartPr>
+              <p14:cNvPr id="32" name="Ink 31">
+                <a:extLst>
+                  <a:ext uri="{FF2B5EF4-FFF2-40B4-BE49-F238E27FC236}">
+                    <a16:creationId xmlns:a16="http://schemas.microsoft.com/office/drawing/2014/main" id="{A50DCC0D-D3EE-CB68-2828-40789570FF0C}"/>
+                  </a:ext>
+                </a:extLst>
+              </p14:cNvPr>
+              <p14:cNvContentPartPr/>
+              <p14:nvPr/>
+            </p14:nvContentPartPr>
+            <p14:xfrm>
+              <a:off x="2645684" y="1676002"/>
+              <a:ext cx="196200" cy="12960"/>
+            </p14:xfrm>
+          </p:contentPart>
+        </mc:Choice>
+        <mc:Fallback>
+          <p:pic>
+            <p:nvPicPr>
+              <p:cNvPr id="32" name="Ink 31">
+                <a:extLst>
+                  <a:ext uri="{FF2B5EF4-FFF2-40B4-BE49-F238E27FC236}">
+                    <a16:creationId xmlns:a16="http://schemas.microsoft.com/office/drawing/2014/main" id="{A50DCC0D-D3EE-CB68-2828-40789570FF0C}"/>
+                  </a:ext>
+                </a:extLst>
+              </p:cNvPr>
+              <p:cNvPicPr/>
+              <p:nvPr/>
+            </p:nvPicPr>
+            <p:blipFill>
+              <a:blip r:embed="rId23"/>
+              <a:stretch>
+                <a:fillRect/>
+              </a:stretch>
+            </p:blipFill>
+            <p:spPr>
+              <a:xfrm>
+                <a:off x="2609684" y="1604362"/>
+                <a:ext cx="267840" cy="156600"/>
+              </a:xfrm>
+              <a:prstGeom prst="rect">
+                <a:avLst/>
+              </a:prstGeom>
+            </p:spPr>
+          </p:pic>
+        </mc:Fallback>
+      </mc:AlternateContent>
+      <mc:AlternateContent xmlns:mc="http://schemas.openxmlformats.org/markup-compatibility/2006">
+        <mc:Choice xmlns:p14="http://schemas.microsoft.com/office/powerpoint/2010/main" Requires="p14">
+          <p:contentPart p14:bwMode="auto" r:id="rId24">
+            <p14:nvContentPartPr>
+              <p14:cNvPr id="33" name="Ink 32">
+                <a:extLst>
+                  <a:ext uri="{FF2B5EF4-FFF2-40B4-BE49-F238E27FC236}">
+                    <a16:creationId xmlns:a16="http://schemas.microsoft.com/office/drawing/2014/main" id="{D397430D-21FF-037B-31F9-D242CF1EDBA7}"/>
+                  </a:ext>
+                </a:extLst>
+              </p14:cNvPr>
+              <p14:cNvContentPartPr/>
+              <p14:nvPr/>
+            </p14:nvContentPartPr>
+            <p14:xfrm>
+              <a:off x="1976084" y="1309162"/>
+              <a:ext cx="776160" cy="727560"/>
+            </p14:xfrm>
+          </p:contentPart>
+        </mc:Choice>
+        <mc:Fallback>
+          <p:pic>
+            <p:nvPicPr>
+              <p:cNvPr id="33" name="Ink 32">
+                <a:extLst>
+                  <a:ext uri="{FF2B5EF4-FFF2-40B4-BE49-F238E27FC236}">
+                    <a16:creationId xmlns:a16="http://schemas.microsoft.com/office/drawing/2014/main" id="{D397430D-21FF-037B-31F9-D242CF1EDBA7}"/>
+                  </a:ext>
+                </a:extLst>
+              </p:cNvPr>
+              <p:cNvPicPr/>
+              <p:nvPr/>
+            </p:nvPicPr>
+            <p:blipFill>
+              <a:blip r:embed="rId25"/>
+              <a:stretch>
+                <a:fillRect/>
+              </a:stretch>
+            </p:blipFill>
+            <p:spPr>
+              <a:xfrm>
+                <a:off x="1940084" y="1237522"/>
+                <a:ext cx="847800" cy="871200"/>
+              </a:xfrm>
+              <a:prstGeom prst="rect">
+                <a:avLst/>
+              </a:prstGeom>
+            </p:spPr>
+          </p:pic>
+        </mc:Fallback>
+      </mc:AlternateContent>
+      <mc:AlternateContent xmlns:mc="http://schemas.openxmlformats.org/markup-compatibility/2006">
+        <mc:Choice xmlns:p14="http://schemas.microsoft.com/office/powerpoint/2010/main" Requires="p14">
+          <p:contentPart p14:bwMode="auto" r:id="rId26">
+            <p14:nvContentPartPr>
+              <p14:cNvPr id="34" name="Ink 33">
+                <a:extLst>
+                  <a:ext uri="{FF2B5EF4-FFF2-40B4-BE49-F238E27FC236}">
+                    <a16:creationId xmlns:a16="http://schemas.microsoft.com/office/drawing/2014/main" id="{1CF9F09F-9537-2AC3-3DC8-611480C7AB4B}"/>
+                  </a:ext>
+                </a:extLst>
+              </p14:cNvPr>
+              <p14:cNvContentPartPr/>
+              <p14:nvPr/>
+            </p14:nvContentPartPr>
+            <p14:xfrm>
+              <a:off x="5393924" y="5502802"/>
+              <a:ext cx="617040" cy="4320"/>
+            </p14:xfrm>
+          </p:contentPart>
+        </mc:Choice>
+        <mc:Fallback>
+          <p:pic>
+            <p:nvPicPr>
+              <p:cNvPr id="34" name="Ink 33">
+                <a:extLst>
+                  <a:ext uri="{FF2B5EF4-FFF2-40B4-BE49-F238E27FC236}">
+                    <a16:creationId xmlns:a16="http://schemas.microsoft.com/office/drawing/2014/main" id="{1CF9F09F-9537-2AC3-3DC8-611480C7AB4B}"/>
+                  </a:ext>
+                </a:extLst>
+              </p:cNvPr>
+              <p:cNvPicPr/>
+              <p:nvPr/>
+            </p:nvPicPr>
+            <p:blipFill>
+              <a:blip r:embed="rId27"/>
+              <a:stretch>
+                <a:fillRect/>
+              </a:stretch>
+            </p:blipFill>
+            <p:spPr>
+              <a:xfrm>
+                <a:off x="5357924" y="5430802"/>
+                <a:ext cx="688680" cy="147960"/>
+              </a:xfrm>
+              <a:prstGeom prst="rect">
+                <a:avLst/>
+              </a:prstGeom>
+            </p:spPr>
+          </p:pic>
+        </mc:Fallback>
+      </mc:AlternateContent>
+      <mc:AlternateContent xmlns:mc="http://schemas.openxmlformats.org/markup-compatibility/2006">
+        <mc:Choice xmlns:p14="http://schemas.microsoft.com/office/powerpoint/2010/main" Requires="p14">
+          <p:contentPart p14:bwMode="auto" r:id="rId28">
+            <p14:nvContentPartPr>
+              <p14:cNvPr id="35" name="Ink 34">
+                <a:extLst>
+                  <a:ext uri="{FF2B5EF4-FFF2-40B4-BE49-F238E27FC236}">
+                    <a16:creationId xmlns:a16="http://schemas.microsoft.com/office/drawing/2014/main" id="{B4641D61-CA33-8374-A79A-7561FB2E9293}"/>
+                  </a:ext>
+                </a:extLst>
+              </p14:cNvPr>
+              <p14:cNvContentPartPr/>
+              <p14:nvPr/>
+            </p14:nvContentPartPr>
+            <p14:xfrm>
+              <a:off x="2354084" y="2943922"/>
+              <a:ext cx="360" cy="360"/>
+            </p14:xfrm>
+          </p:contentPart>
+        </mc:Choice>
+        <mc:Fallback>
+          <p:pic>
+            <p:nvPicPr>
+              <p:cNvPr id="35" name="Ink 34">
+                <a:extLst>
+                  <a:ext uri="{FF2B5EF4-FFF2-40B4-BE49-F238E27FC236}">
+                    <a16:creationId xmlns:a16="http://schemas.microsoft.com/office/drawing/2014/main" id="{B4641D61-CA33-8374-A79A-7561FB2E9293}"/>
+                  </a:ext>
+                </a:extLst>
+              </p:cNvPr>
+              <p:cNvPicPr/>
+              <p:nvPr/>
+            </p:nvPicPr>
+            <p:blipFill>
+              <a:blip r:embed="rId29"/>
+              <a:stretch>
+                <a:fillRect/>
+              </a:stretch>
+            </p:blipFill>
+            <p:spPr>
+              <a:xfrm>
+                <a:off x="2318444" y="2871922"/>
+                <a:ext cx="72000" cy="144000"/>
+              </a:xfrm>
+              <a:prstGeom prst="rect">
+                <a:avLst/>
+              </a:prstGeom>
+            </p:spPr>
+          </p:pic>
+        </mc:Fallback>
+      </mc:AlternateContent>
+      <mc:AlternateContent xmlns:mc="http://schemas.openxmlformats.org/markup-compatibility/2006">
+        <mc:Choice xmlns:p14="http://schemas.microsoft.com/office/powerpoint/2010/main" Requires="p14">
+          <p:contentPart p14:bwMode="auto" r:id="rId30">
+            <p14:nvContentPartPr>
+              <p14:cNvPr id="36" name="Ink 35">
+                <a:extLst>
+                  <a:ext uri="{FF2B5EF4-FFF2-40B4-BE49-F238E27FC236}">
+                    <a16:creationId xmlns:a16="http://schemas.microsoft.com/office/drawing/2014/main" id="{A481E8D4-1BE1-A352-1307-9852EDF4B5A3}"/>
+                  </a:ext>
+                </a:extLst>
+              </p14:cNvPr>
+              <p14:cNvContentPartPr/>
+              <p14:nvPr/>
+            </p14:nvContentPartPr>
+            <p14:xfrm>
+              <a:off x="1906604" y="2446762"/>
+              <a:ext cx="924120" cy="440640"/>
+            </p14:xfrm>
+          </p:contentPart>
+        </mc:Choice>
+        <mc:Fallback>
+          <p:pic>
+            <p:nvPicPr>
+              <p:cNvPr id="36" name="Ink 35">
+                <a:extLst>
+                  <a:ext uri="{FF2B5EF4-FFF2-40B4-BE49-F238E27FC236}">
+                    <a16:creationId xmlns:a16="http://schemas.microsoft.com/office/drawing/2014/main" id="{A481E8D4-1BE1-A352-1307-9852EDF4B5A3}"/>
+                  </a:ext>
+                </a:extLst>
+              </p:cNvPr>
+              <p:cNvPicPr/>
+              <p:nvPr/>
+            </p:nvPicPr>
+            <p:blipFill>
+              <a:blip r:embed="rId31"/>
+              <a:stretch>
+                <a:fillRect/>
+              </a:stretch>
+            </p:blipFill>
+            <p:spPr>
+              <a:xfrm>
+                <a:off x="1870604" y="2374762"/>
+                <a:ext cx="995760" cy="584280"/>
+              </a:xfrm>
+              <a:prstGeom prst="rect">
+                <a:avLst/>
+              </a:prstGeom>
+            </p:spPr>
+          </p:pic>
+        </mc:Fallback>
+      </mc:AlternateContent>
+      <mc:AlternateContent xmlns:mc="http://schemas.openxmlformats.org/markup-compatibility/2006">
+        <mc:Choice xmlns:p14="http://schemas.microsoft.com/office/powerpoint/2010/main" Requires="p14">
+          <p:contentPart p14:bwMode="auto" r:id="rId32">
+            <p14:nvContentPartPr>
+              <p14:cNvPr id="37" name="Ink 36">
+                <a:extLst>
+                  <a:ext uri="{FF2B5EF4-FFF2-40B4-BE49-F238E27FC236}">
+                    <a16:creationId xmlns:a16="http://schemas.microsoft.com/office/drawing/2014/main" id="{789CF6AA-68D5-F7CF-947E-5BE26704F636}"/>
+                  </a:ext>
+                </a:extLst>
+              </p14:cNvPr>
+              <p14:cNvContentPartPr/>
+              <p14:nvPr/>
+            </p14:nvContentPartPr>
+            <p14:xfrm>
+              <a:off x="7549244" y="5221282"/>
+              <a:ext cx="849960" cy="628920"/>
+            </p14:xfrm>
+          </p:contentPart>
+        </mc:Choice>
+        <mc:Fallback>
+          <p:pic>
+            <p:nvPicPr>
+              <p:cNvPr id="37" name="Ink 36">
+                <a:extLst>
+                  <a:ext uri="{FF2B5EF4-FFF2-40B4-BE49-F238E27FC236}">
+                    <a16:creationId xmlns:a16="http://schemas.microsoft.com/office/drawing/2014/main" id="{789CF6AA-68D5-F7CF-947E-5BE26704F636}"/>
+                  </a:ext>
+                </a:extLst>
+              </p:cNvPr>
+              <p:cNvPicPr/>
+              <p:nvPr/>
+            </p:nvPicPr>
+            <p:blipFill>
+              <a:blip r:embed="rId33"/>
+              <a:stretch>
+                <a:fillRect/>
+              </a:stretch>
+            </p:blipFill>
+            <p:spPr>
+              <a:xfrm>
+                <a:off x="7513604" y="5149282"/>
+                <a:ext cx="921600" cy="772560"/>
+              </a:xfrm>
+              <a:prstGeom prst="rect">
+                <a:avLst/>
+              </a:prstGeom>
+            </p:spPr>
+          </p:pic>
+        </mc:Fallback>
+      </mc:AlternateContent>
+      <p:sp>
+        <p:nvSpPr>
+          <p:cNvPr id="38" name="TextBox 37">
+            <a:extLst>
+              <a:ext uri="{FF2B5EF4-FFF2-40B4-BE49-F238E27FC236}">
+                <a16:creationId xmlns:a16="http://schemas.microsoft.com/office/drawing/2014/main" id="{E9AED913-AAC0-1472-14C5-F6977DB1A2DA}"/>
+              </a:ext>
+            </a:extLst>
+          </p:cNvPr>
+          <p:cNvSpPr txBox="1"/>
+          <p:nvPr/>
+        </p:nvSpPr>
+        <p:spPr>
+          <a:xfrm>
+            <a:off x="5074886" y="1244696"/>
+            <a:ext cx="6143239" cy="1477328"/>
+          </a:xfrm>
+          <a:prstGeom prst="rect">
+            <a:avLst/>
+          </a:prstGeom>
+          <a:noFill/>
+        </p:spPr>
+        <p:txBody>
+          <a:bodyPr wrap="square" rtlCol="0">
+            <a:spAutoFit/>
+          </a:bodyPr>
+          <a:lstStyle/>
+          <a:p>
+            <a:r>
+              <a:rPr lang="en-JP" dirty="0"/>
+              <a:t>タイのリンゴ生産の機会費用が日本より大きい。</a:t>
+            </a:r>
+          </a:p>
+          <a:p>
+            <a:r>
+              <a:rPr lang="en-JP" dirty="0">
+                <a:sym typeface="Wingdings" pitchFamily="2" charset="2"/>
+              </a:rPr>
+              <a:t>タイの傾きが急になっている。</a:t>
+            </a:r>
+          </a:p>
+          <a:p>
+            <a:r>
+              <a:rPr lang="en-JP" dirty="0">
+                <a:sym typeface="Wingdings" pitchFamily="2" charset="2"/>
+              </a:rPr>
+              <a:t>タイの方がリンゴ生産で犠牲にするコメが多い！</a:t>
+            </a:r>
+          </a:p>
+          <a:p>
+            <a:endParaRPr lang="en-JP" dirty="0">
+              <a:sym typeface="Wingdings" pitchFamily="2" charset="2"/>
+            </a:endParaRPr>
+          </a:p>
+          <a:p>
+            <a:r>
+              <a:rPr lang="en-JP" dirty="0">
+                <a:sym typeface="Wingdings" pitchFamily="2" charset="2"/>
+              </a:rPr>
+              <a:t>比較優位のあるコメの生産をタイは行うべき。</a:t>
+            </a:r>
+            <a:endParaRPr lang="en-JP" dirty="0"/>
+          </a:p>
+        </p:txBody>
+      </p:sp>
     </p:spTree>
     <p:extLst>
       <p:ext uri="{BB962C8B-B14F-4D97-AF65-F5344CB8AC3E}">
@@ -15374,6 +19839,347 @@
           </a:prstGeom>
         </p:spPr>
       </p:pic>
+      <mc:AlternateContent xmlns:mc="http://schemas.openxmlformats.org/markup-compatibility/2006">
+        <mc:Choice xmlns:p14="http://schemas.microsoft.com/office/powerpoint/2010/main" Requires="p14">
+          <p:contentPart p14:bwMode="auto" r:id="rId4">
+            <p14:nvContentPartPr>
+              <p14:cNvPr id="4" name="Ink 3">
+                <a:extLst>
+                  <a:ext uri="{FF2B5EF4-FFF2-40B4-BE49-F238E27FC236}">
+                    <a16:creationId xmlns:a16="http://schemas.microsoft.com/office/drawing/2014/main" id="{D8C9202F-107A-9306-628F-236975EBDDDF}"/>
+                  </a:ext>
+                </a:extLst>
+              </p14:cNvPr>
+              <p14:cNvContentPartPr/>
+              <p14:nvPr/>
+            </p14:nvContentPartPr>
+            <p14:xfrm>
+              <a:off x="10448324" y="4526482"/>
+              <a:ext cx="274320" cy="360"/>
+            </p14:xfrm>
+          </p:contentPart>
+        </mc:Choice>
+        <mc:Fallback>
+          <p:pic>
+            <p:nvPicPr>
+              <p:cNvPr id="4" name="Ink 3">
+                <a:extLst>
+                  <a:ext uri="{FF2B5EF4-FFF2-40B4-BE49-F238E27FC236}">
+                    <a16:creationId xmlns:a16="http://schemas.microsoft.com/office/drawing/2014/main" id="{D8C9202F-107A-9306-628F-236975EBDDDF}"/>
+                  </a:ext>
+                </a:extLst>
+              </p:cNvPr>
+              <p:cNvPicPr/>
+              <p:nvPr/>
+            </p:nvPicPr>
+            <p:blipFill>
+              <a:blip r:embed="rId5"/>
+              <a:stretch>
+                <a:fillRect/>
+              </a:stretch>
+            </p:blipFill>
+            <p:spPr>
+              <a:xfrm>
+                <a:off x="10412684" y="4454482"/>
+                <a:ext cx="345960" cy="144000"/>
+              </a:xfrm>
+              <a:prstGeom prst="rect">
+                <a:avLst/>
+              </a:prstGeom>
+            </p:spPr>
+          </p:pic>
+        </mc:Fallback>
+      </mc:AlternateContent>
+      <mc:AlternateContent xmlns:mc="http://schemas.openxmlformats.org/markup-compatibility/2006">
+        <mc:Choice xmlns:p14="http://schemas.microsoft.com/office/powerpoint/2010/main" Requires="p14">
+          <p:contentPart p14:bwMode="auto" r:id="rId6">
+            <p14:nvContentPartPr>
+              <p14:cNvPr id="6" name="Ink 5">
+                <a:extLst>
+                  <a:ext uri="{FF2B5EF4-FFF2-40B4-BE49-F238E27FC236}">
+                    <a16:creationId xmlns:a16="http://schemas.microsoft.com/office/drawing/2014/main" id="{4D018DA6-D2C3-6EEE-F2C1-885C4EDB53B2}"/>
+                  </a:ext>
+                </a:extLst>
+              </p14:cNvPr>
+              <p14:cNvContentPartPr/>
+              <p14:nvPr/>
+            </p14:nvContentPartPr>
+            <p14:xfrm>
+              <a:off x="11272724" y="4760122"/>
+              <a:ext cx="410040" cy="12600"/>
+            </p14:xfrm>
+          </p:contentPart>
+        </mc:Choice>
+        <mc:Fallback>
+          <p:pic>
+            <p:nvPicPr>
+              <p:cNvPr id="6" name="Ink 5">
+                <a:extLst>
+                  <a:ext uri="{FF2B5EF4-FFF2-40B4-BE49-F238E27FC236}">
+                    <a16:creationId xmlns:a16="http://schemas.microsoft.com/office/drawing/2014/main" id="{4D018DA6-D2C3-6EEE-F2C1-885C4EDB53B2}"/>
+                  </a:ext>
+                </a:extLst>
+              </p:cNvPr>
+              <p:cNvPicPr/>
+              <p:nvPr/>
+            </p:nvPicPr>
+            <p:blipFill>
+              <a:blip r:embed="rId7"/>
+              <a:stretch>
+                <a:fillRect/>
+              </a:stretch>
+            </p:blipFill>
+            <p:spPr>
+              <a:xfrm>
+                <a:off x="11237084" y="4688122"/>
+                <a:ext cx="481680" cy="156240"/>
+              </a:xfrm>
+              <a:prstGeom prst="rect">
+                <a:avLst/>
+              </a:prstGeom>
+            </p:spPr>
+          </p:pic>
+        </mc:Fallback>
+      </mc:AlternateContent>
+      <mc:AlternateContent xmlns:mc="http://schemas.openxmlformats.org/markup-compatibility/2006">
+        <mc:Choice xmlns:p14="http://schemas.microsoft.com/office/powerpoint/2010/main" Requires="p14">
+          <p:contentPart p14:bwMode="auto" r:id="rId8">
+            <p14:nvContentPartPr>
+              <p14:cNvPr id="8" name="Ink 7">
+                <a:extLst>
+                  <a:ext uri="{FF2B5EF4-FFF2-40B4-BE49-F238E27FC236}">
+                    <a16:creationId xmlns:a16="http://schemas.microsoft.com/office/drawing/2014/main" id="{39A2E1DD-923E-4256-8F87-9964A2BA2D88}"/>
+                  </a:ext>
+                </a:extLst>
+              </p14:cNvPr>
+              <p14:cNvContentPartPr/>
+              <p14:nvPr/>
+            </p14:nvContentPartPr>
+            <p14:xfrm>
+              <a:off x="11317004" y="4520722"/>
+              <a:ext cx="155520" cy="5400"/>
+            </p14:xfrm>
+          </p:contentPart>
+        </mc:Choice>
+        <mc:Fallback>
+          <p:pic>
+            <p:nvPicPr>
+              <p:cNvPr id="8" name="Ink 7">
+                <a:extLst>
+                  <a:ext uri="{FF2B5EF4-FFF2-40B4-BE49-F238E27FC236}">
+                    <a16:creationId xmlns:a16="http://schemas.microsoft.com/office/drawing/2014/main" id="{39A2E1DD-923E-4256-8F87-9964A2BA2D88}"/>
+                  </a:ext>
+                </a:extLst>
+              </p:cNvPr>
+              <p:cNvPicPr/>
+              <p:nvPr/>
+            </p:nvPicPr>
+            <p:blipFill>
+              <a:blip r:embed="rId9"/>
+              <a:stretch>
+                <a:fillRect/>
+              </a:stretch>
+            </p:blipFill>
+            <p:spPr>
+              <a:xfrm>
+                <a:off x="11281364" y="4449082"/>
+                <a:ext cx="227160" cy="149040"/>
+              </a:xfrm>
+              <a:prstGeom prst="rect">
+                <a:avLst/>
+              </a:prstGeom>
+            </p:spPr>
+          </p:pic>
+        </mc:Fallback>
+      </mc:AlternateContent>
+      <mc:AlternateContent xmlns:mc="http://schemas.openxmlformats.org/markup-compatibility/2006">
+        <mc:Choice xmlns:p14="http://schemas.microsoft.com/office/powerpoint/2010/main" Requires="p14">
+          <p:contentPart p14:bwMode="auto" r:id="rId10">
+            <p14:nvContentPartPr>
+              <p14:cNvPr id="9" name="Ink 8">
+                <a:extLst>
+                  <a:ext uri="{FF2B5EF4-FFF2-40B4-BE49-F238E27FC236}">
+                    <a16:creationId xmlns:a16="http://schemas.microsoft.com/office/drawing/2014/main" id="{C3EF337D-C756-8ED1-396E-92E29993C678}"/>
+                  </a:ext>
+                </a:extLst>
+              </p14:cNvPr>
+              <p14:cNvContentPartPr/>
+              <p14:nvPr/>
+            </p14:nvContentPartPr>
+            <p14:xfrm>
+              <a:off x="10536524" y="4782082"/>
+              <a:ext cx="192960" cy="360"/>
+            </p14:xfrm>
+          </p:contentPart>
+        </mc:Choice>
+        <mc:Fallback>
+          <p:pic>
+            <p:nvPicPr>
+              <p:cNvPr id="9" name="Ink 8">
+                <a:extLst>
+                  <a:ext uri="{FF2B5EF4-FFF2-40B4-BE49-F238E27FC236}">
+                    <a16:creationId xmlns:a16="http://schemas.microsoft.com/office/drawing/2014/main" id="{C3EF337D-C756-8ED1-396E-92E29993C678}"/>
+                  </a:ext>
+                </a:extLst>
+              </p:cNvPr>
+              <p:cNvPicPr/>
+              <p:nvPr/>
+            </p:nvPicPr>
+            <p:blipFill>
+              <a:blip r:embed="rId11"/>
+              <a:stretch>
+                <a:fillRect/>
+              </a:stretch>
+            </p:blipFill>
+            <p:spPr>
+              <a:xfrm>
+                <a:off x="10500884" y="4710082"/>
+                <a:ext cx="264600" cy="144000"/>
+              </a:xfrm>
+              <a:prstGeom prst="rect">
+                <a:avLst/>
+              </a:prstGeom>
+            </p:spPr>
+          </p:pic>
+        </mc:Fallback>
+      </mc:AlternateContent>
+      <mc:AlternateContent xmlns:mc="http://schemas.openxmlformats.org/markup-compatibility/2006">
+        <mc:Choice xmlns:p14="http://schemas.microsoft.com/office/powerpoint/2010/main" Requires="p14">
+          <p:contentPart p14:bwMode="auto" r:id="rId12">
+            <p14:nvContentPartPr>
+              <p14:cNvPr id="10" name="Ink 9">
+                <a:extLst>
+                  <a:ext uri="{FF2B5EF4-FFF2-40B4-BE49-F238E27FC236}">
+                    <a16:creationId xmlns:a16="http://schemas.microsoft.com/office/drawing/2014/main" id="{D460DD45-A150-2D48-D72C-8EDB66F5D922}"/>
+                  </a:ext>
+                </a:extLst>
+              </p14:cNvPr>
+              <p14:cNvContentPartPr/>
+              <p14:nvPr/>
+            </p14:nvContentPartPr>
+            <p14:xfrm>
+              <a:off x="11279924" y="5773882"/>
+              <a:ext cx="335520" cy="19440"/>
+            </p14:xfrm>
+          </p:contentPart>
+        </mc:Choice>
+        <mc:Fallback>
+          <p:pic>
+            <p:nvPicPr>
+              <p:cNvPr id="10" name="Ink 9">
+                <a:extLst>
+                  <a:ext uri="{FF2B5EF4-FFF2-40B4-BE49-F238E27FC236}">
+                    <a16:creationId xmlns:a16="http://schemas.microsoft.com/office/drawing/2014/main" id="{D460DD45-A150-2D48-D72C-8EDB66F5D922}"/>
+                  </a:ext>
+                </a:extLst>
+              </p:cNvPr>
+              <p:cNvPicPr/>
+              <p:nvPr/>
+            </p:nvPicPr>
+            <p:blipFill>
+              <a:blip r:embed="rId13"/>
+              <a:stretch>
+                <a:fillRect/>
+              </a:stretch>
+            </p:blipFill>
+            <p:spPr>
+              <a:xfrm>
+                <a:off x="11243924" y="5702242"/>
+                <a:ext cx="407160" cy="163080"/>
+              </a:xfrm>
+              <a:prstGeom prst="rect">
+                <a:avLst/>
+              </a:prstGeom>
+            </p:spPr>
+          </p:pic>
+        </mc:Fallback>
+      </mc:AlternateContent>
+      <mc:AlternateContent xmlns:mc="http://schemas.openxmlformats.org/markup-compatibility/2006">
+        <mc:Choice xmlns:p14="http://schemas.microsoft.com/office/powerpoint/2010/main" Requires="p14">
+          <p:contentPart p14:bwMode="auto" r:id="rId14">
+            <p14:nvContentPartPr>
+              <p14:cNvPr id="11" name="Ink 10">
+                <a:extLst>
+                  <a:ext uri="{FF2B5EF4-FFF2-40B4-BE49-F238E27FC236}">
+                    <a16:creationId xmlns:a16="http://schemas.microsoft.com/office/drawing/2014/main" id="{B5F970A7-F18E-8A06-5228-8249B26F1F5B}"/>
+                  </a:ext>
+                </a:extLst>
+              </p14:cNvPr>
+              <p14:cNvContentPartPr/>
+              <p14:nvPr/>
+            </p14:nvContentPartPr>
+            <p14:xfrm>
+              <a:off x="10428524" y="6010402"/>
+              <a:ext cx="317160" cy="13320"/>
+            </p14:xfrm>
+          </p:contentPart>
+        </mc:Choice>
+        <mc:Fallback>
+          <p:pic>
+            <p:nvPicPr>
+              <p:cNvPr id="11" name="Ink 10">
+                <a:extLst>
+                  <a:ext uri="{FF2B5EF4-FFF2-40B4-BE49-F238E27FC236}">
+                    <a16:creationId xmlns:a16="http://schemas.microsoft.com/office/drawing/2014/main" id="{B5F970A7-F18E-8A06-5228-8249B26F1F5B}"/>
+                  </a:ext>
+                </a:extLst>
+              </p:cNvPr>
+              <p:cNvPicPr/>
+              <p:nvPr/>
+            </p:nvPicPr>
+            <p:blipFill>
+              <a:blip r:embed="rId15"/>
+              <a:stretch>
+                <a:fillRect/>
+              </a:stretch>
+            </p:blipFill>
+            <p:spPr>
+              <a:xfrm>
+                <a:off x="10392524" y="5938762"/>
+                <a:ext cx="388800" cy="156960"/>
+              </a:xfrm>
+              <a:prstGeom prst="rect">
+                <a:avLst/>
+              </a:prstGeom>
+            </p:spPr>
+          </p:pic>
+        </mc:Fallback>
+      </mc:AlternateContent>
+      <p:sp>
+        <p:nvSpPr>
+          <p:cNvPr id="12" name="TextBox 11">
+            <a:extLst>
+              <a:ext uri="{FF2B5EF4-FFF2-40B4-BE49-F238E27FC236}">
+                <a16:creationId xmlns:a16="http://schemas.microsoft.com/office/drawing/2014/main" id="{9B379B3A-A08C-E070-D43B-A1B631BB1D03}"/>
+              </a:ext>
+            </a:extLst>
+          </p:cNvPr>
+          <p:cNvSpPr txBox="1"/>
+          <p:nvPr/>
+        </p:nvSpPr>
+        <p:spPr>
+          <a:xfrm>
+            <a:off x="7170234" y="6336622"/>
+            <a:ext cx="3954929" cy="369332"/>
+          </a:xfrm>
+          <a:prstGeom prst="rect">
+            <a:avLst/>
+          </a:prstGeom>
+          <a:noFill/>
+        </p:spPr>
+        <p:txBody>
+          <a:bodyPr wrap="none" rtlCol="0">
+            <a:spAutoFit/>
+          </a:bodyPr>
+          <a:lstStyle/>
+          <a:p>
+            <a:r>
+              <a:rPr lang="en-JP" dirty="0"/>
+              <a:t>交換比率：リンゴ100個＝コメ100個</a:t>
+            </a:r>
+          </a:p>
+        </p:txBody>
+      </p:sp>
     </p:spTree>
     <p:extLst>
       <p:ext uri="{BB962C8B-B14F-4D97-AF65-F5344CB8AC3E}">
